--- a/docs/Presentation_ppt.pptx
+++ b/docs/Presentation_ppt.pptx
@@ -22,8 +22,8 @@
 </file>
 
 <file path=ppt/slideLayouts/slideLayout1.xml><?xml version="1.0" encoding="utf-8"?>
-<p:sldLayout xmlns:a="http://schemas.openxmlformats.org/drawingml/2006/main" xmlns:p="http://schemas.openxmlformats.org/presentationml/2006/main" xmlns:r="http://schemas.openxmlformats.org/officeDocument/2006/relationships" xmlns:p14="http://schemas.microsoft.com/office/powerpoint/2010/main" xmlns:p15="http://schemas.microsoft.com/office/powerpoint/2012/main" xmlns:mc="http://schemas.openxmlformats.org/markup-compatibility/2006" type="title" preserve="1">
-  <p:cSld name="Title Slide">
+<p:sldLayout xmlns:a="http://schemas.openxmlformats.org/drawingml/2006/main" xmlns:p="http://schemas.openxmlformats.org/presentationml/2006/main" xmlns:r="http://schemas.openxmlformats.org/officeDocument/2006/relationships" xmlns:p14="http://schemas.microsoft.com/office/powerpoint/2010/main" xmlns:p15="http://schemas.microsoft.com/office/powerpoint/2012/main" xmlns:mc="http://schemas.openxmlformats.org/markup-compatibility/2006" type="blank" preserve="1">
+  <p:cSld name="Blank">
     <p:bg>
       <p:bgPr>
         <a:solidFill>
@@ -52,69 +52,13 @@
             <a:spLocks noGrp="1"/>
           </p:cNvSpPr>
           <p:nvPr>
-            <p:ph type="title"/>
-          </p:nvPr>
-        </p:nvSpPr>
-        <p:spPr>
-          <a:xfrm>
-            <a:off x="685800" y="2130480"/>
-            <a:ext cx="7772040" cy="1469520"/>
-          </a:xfrm>
-          <a:prstGeom prst="rect">
-            <a:avLst/>
-          </a:prstGeom>
-          <a:noFill/>
-          <a:ln w="0">
-            <a:noFill/>
-          </a:ln>
-        </p:spPr>
-        <p:txBody>
-          <a:bodyPr lIns="91440" rIns="91440" tIns="45720" bIns="45720" anchor="ctr">
-            <a:noAutofit/>
-          </a:bodyPr>
-          <a:p>
-            <a:pPr indent="0" algn="ctr" defTabSz="457200">
-              <a:lnSpc>
-                <a:spcPct val="100000"/>
-              </a:lnSpc>
-              <a:buNone/>
-            </a:pPr>
-            <a:r>
-              <a:rPr b="0" lang="en-US" sz="4400" strike="noStrike" u="none">
-                <a:solidFill>
-                  <a:schemeClr val="dk1"/>
-                </a:solidFill>
-                <a:effectLst/>
-                <a:uFillTx/>
-                <a:latin typeface="Calibri"/>
-              </a:rPr>
-              <a:t>Click to edit Master title style</a:t>
-            </a:r>
-            <a:endParaRPr b="0" lang="en-US" sz="4400" strike="noStrike" u="none">
-              <a:solidFill>
-                <a:schemeClr val="dk1"/>
-              </a:solidFill>
-              <a:effectLst/>
-              <a:uFillTx/>
-              <a:latin typeface="Calibri"/>
-            </a:endParaRPr>
-          </a:p>
-        </p:txBody>
-      </p:sp>
-      <p:sp>
-        <p:nvSpPr>
-          <p:cNvPr id="1" name="PlaceHolder 2"/>
-          <p:cNvSpPr>
-            <a:spLocks noGrp="1"/>
-          </p:cNvSpPr>
-          <p:nvPr>
             <p:ph type="dt" idx="1"/>
           </p:nvPr>
         </p:nvSpPr>
         <p:spPr>
           <a:xfrm>
             <a:off x="457200" y="6356520"/>
-            <a:ext cx="2133360" cy="364680"/>
+            <a:ext cx="2133000" cy="364320"/>
           </a:xfrm>
           <a:prstGeom prst="rect">
             <a:avLst/>
@@ -134,6 +78,9 @@
                 <a:spcPct val="100000"/>
               </a:lnSpc>
               <a:buNone/>
+              <a:tabLst>
+                <a:tab algn="l" pos="0"/>
+              </a:tabLst>
               <a:defRPr b="0" lang="en-US" sz="1200" strike="noStrike" u="none">
                 <a:solidFill>
                   <a:schemeClr val="dk1">
@@ -152,6 +99,9 @@
                 <a:spcPct val="100000"/>
               </a:lnSpc>
               <a:buNone/>
+              <a:tabLst>
+                <a:tab algn="l" pos="0"/>
+              </a:tabLst>
             </a:pPr>
             <a:r>
               <a:rPr b="0" lang="en-US" sz="1200" strike="noStrike" u="none">
@@ -179,7 +129,7 @@
       </p:sp>
       <p:sp>
         <p:nvSpPr>
-          <p:cNvPr id="2" name="PlaceHolder 3"/>
+          <p:cNvPr id="1" name="PlaceHolder 2"/>
           <p:cNvSpPr>
             <a:spLocks noGrp="1"/>
           </p:cNvSpPr>
@@ -190,7 +140,7 @@
         <p:spPr>
           <a:xfrm>
             <a:off x="3124080" y="6356520"/>
-            <a:ext cx="2895120" cy="364680"/>
+            <a:ext cx="2894760" cy="364320"/>
           </a:xfrm>
           <a:prstGeom prst="rect">
             <a:avLst/>
@@ -206,7 +156,13 @@
           </a:bodyPr>
           <a:lstStyle>
             <a:lvl1pPr indent="0" algn="ctr">
-              <a:buNone/>
+              <a:lnSpc>
+                <a:spcPct val="100000"/>
+              </a:lnSpc>
+              <a:buNone/>
+              <a:tabLst>
+                <a:tab algn="l" pos="0"/>
+              </a:tabLst>
               <a:defRPr b="0" lang="en-GB" sz="1400" strike="noStrike" u="none">
                 <a:solidFill>
                   <a:srgbClr val="000000"/>
@@ -219,7 +175,13 @@
           </a:lstStyle>
           <a:p>
             <a:pPr indent="0" algn="ctr">
-              <a:buNone/>
+              <a:lnSpc>
+                <a:spcPct val="100000"/>
+              </a:lnSpc>
+              <a:buNone/>
+              <a:tabLst>
+                <a:tab algn="l" pos="0"/>
+              </a:tabLst>
             </a:pPr>
             <a:r>
               <a:rPr b="0" lang="en-GB" sz="1400" strike="noStrike" u="none">
@@ -245,7 +207,7 @@
       </p:sp>
       <p:sp>
         <p:nvSpPr>
-          <p:cNvPr id="3" name="PlaceHolder 4"/>
+          <p:cNvPr id="2" name="PlaceHolder 3"/>
           <p:cNvSpPr>
             <a:spLocks noGrp="1"/>
           </p:cNvSpPr>
@@ -256,7 +218,7 @@
         <p:spPr>
           <a:xfrm>
             <a:off x="6553080" y="6356520"/>
-            <a:ext cx="2133360" cy="364680"/>
+            <a:ext cx="2133000" cy="364320"/>
           </a:xfrm>
           <a:prstGeom prst="rect">
             <a:avLst/>
@@ -276,6 +238,9 @@
                 <a:spcPct val="100000"/>
               </a:lnSpc>
               <a:buNone/>
+              <a:tabLst>
+                <a:tab algn="l" pos="0"/>
+              </a:tabLst>
               <a:defRPr b="0" lang="en-US" sz="1200" strike="noStrike" u="none">
                 <a:solidFill>
                   <a:schemeClr val="dk1">
@@ -294,8 +259,11 @@
                 <a:spcPct val="100000"/>
               </a:lnSpc>
               <a:buNone/>
-            </a:pPr>
-            <a:fld id="{03ADAE45-0D2A-42EF-9683-D23067586F49}" type="slidenum">
+              <a:tabLst>
+                <a:tab algn="l" pos="0"/>
+              </a:tabLst>
+            </a:pPr>
+            <a:fld id="{78642B02-FD00-4721-A0BE-4C4602D87407}" type="slidenum">
               <a:rPr b="0" lang="en-US" sz="1200" strike="noStrike" u="none">
                 <a:solidFill>
                   <a:schemeClr val="dk1">
@@ -315,6 +283,65 @@
               <a:effectLst/>
               <a:uFillTx/>
               <a:latin typeface="Times New Roman"/>
+            </a:endParaRPr>
+          </a:p>
+        </p:txBody>
+      </p:sp>
+      <p:sp>
+        <p:nvSpPr>
+          <p:cNvPr id="3" name="PlaceHolder 4"/>
+          <p:cNvSpPr>
+            <a:spLocks noGrp="1"/>
+          </p:cNvSpPr>
+          <p:nvPr>
+            <p:ph type="title"/>
+          </p:nvPr>
+        </p:nvSpPr>
+        <p:spPr>
+          <a:xfrm>
+            <a:off x="457200" y="273600"/>
+            <a:ext cx="8228880" cy="1144440"/>
+          </a:xfrm>
+          <a:prstGeom prst="rect">
+            <a:avLst/>
+          </a:prstGeom>
+          <a:noFill/>
+          <a:ln w="0">
+            <a:noFill/>
+          </a:ln>
+        </p:spPr>
+        <p:txBody>
+          <a:bodyPr lIns="0" rIns="0" tIns="0" bIns="0" anchor="ctr">
+            <a:noAutofit/>
+          </a:bodyPr>
+          <a:p>
+            <a:pPr indent="0">
+              <a:lnSpc>
+                <a:spcPct val="100000"/>
+              </a:lnSpc>
+              <a:buNone/>
+              <a:tabLst>
+                <a:tab algn="l" pos="0"/>
+              </a:tabLst>
+            </a:pPr>
+            <a:r>
+              <a:rPr b="0" lang="en-US" sz="1800" strike="noStrike" u="none">
+                <a:solidFill>
+                  <a:schemeClr val="dk1"/>
+                </a:solidFill>
+                <a:effectLst/>
+                <a:uFillTx/>
+                <a:latin typeface="Calibri"/>
+              </a:rPr>
+              <a:t>Click to edit the title text format</a:t>
+            </a:r>
+            <a:endParaRPr b="0" lang="en-GB" sz="1800" strike="noStrike" u="none">
+              <a:solidFill>
+                <a:srgbClr val="000000"/>
+              </a:solidFill>
+              <a:effectLst/>
+              <a:uFillTx/>
+              <a:latin typeface="Arial"/>
             </a:endParaRPr>
           </a:p>
         </p:txBody>
@@ -332,7 +359,7 @@
         <p:spPr>
           <a:xfrm>
             <a:off x="457200" y="1604520"/>
-            <a:ext cx="8229240" cy="3977280"/>
+            <a:ext cx="8228880" cy="3976920"/>
           </a:xfrm>
           <a:prstGeom prst="rect">
             <a:avLst/>
@@ -348,6 +375,9 @@
           </a:bodyPr>
           <a:p>
             <a:pPr marL="432000" indent="-324000">
+              <a:lnSpc>
+                <a:spcPct val="100000"/>
+              </a:lnSpc>
               <a:spcBef>
                 <a:spcPts val="1417"/>
               </a:spcBef>
@@ -369,17 +399,20 @@
               </a:rPr>
               <a:t>Click to edit the outline text format</a:t>
             </a:r>
-            <a:endParaRPr b="0" lang="en-US" sz="3200" strike="noStrike" u="none">
-              <a:solidFill>
-                <a:schemeClr val="dk1"/>
-              </a:solidFill>
-              <a:effectLst/>
-              <a:uFillTx/>
-              <a:latin typeface="Calibri"/>
+            <a:endParaRPr b="0" lang="en-GB" sz="3200" strike="noStrike" u="none">
+              <a:solidFill>
+                <a:srgbClr val="000000"/>
+              </a:solidFill>
+              <a:effectLst/>
+              <a:uFillTx/>
+              <a:latin typeface="Arial"/>
             </a:endParaRPr>
           </a:p>
           <a:p>
             <a:pPr lvl="1" marL="864000" indent="-324000">
+              <a:lnSpc>
+                <a:spcPct val="100000"/>
+              </a:lnSpc>
               <a:spcBef>
                 <a:spcPts val="1134"/>
               </a:spcBef>
@@ -401,17 +434,20 @@
               </a:rPr>
               <a:t>Second Outline Level</a:t>
             </a:r>
-            <a:endParaRPr b="0" lang="en-US" sz="2400" strike="noStrike" u="none">
-              <a:solidFill>
-                <a:schemeClr val="dk1"/>
-              </a:solidFill>
-              <a:effectLst/>
-              <a:uFillTx/>
-              <a:latin typeface="Calibri"/>
+            <a:endParaRPr b="0" lang="en-GB" sz="2400" strike="noStrike" u="none">
+              <a:solidFill>
+                <a:srgbClr val="000000"/>
+              </a:solidFill>
+              <a:effectLst/>
+              <a:uFillTx/>
+              <a:latin typeface="Arial"/>
             </a:endParaRPr>
           </a:p>
           <a:p>
             <a:pPr lvl="2" marL="1296000" indent="-288000">
+              <a:lnSpc>
+                <a:spcPct val="100000"/>
+              </a:lnSpc>
               <a:spcBef>
                 <a:spcPts val="850"/>
               </a:spcBef>
@@ -433,17 +469,20 @@
               </a:rPr>
               <a:t>Third Outline Level</a:t>
             </a:r>
-            <a:endParaRPr b="0" lang="en-US" sz="2000" strike="noStrike" u="none">
-              <a:solidFill>
-                <a:schemeClr val="dk1"/>
-              </a:solidFill>
-              <a:effectLst/>
-              <a:uFillTx/>
-              <a:latin typeface="Calibri"/>
+            <a:endParaRPr b="0" lang="en-GB" sz="2000" strike="noStrike" u="none">
+              <a:solidFill>
+                <a:srgbClr val="000000"/>
+              </a:solidFill>
+              <a:effectLst/>
+              <a:uFillTx/>
+              <a:latin typeface="Arial"/>
             </a:endParaRPr>
           </a:p>
           <a:p>
             <a:pPr lvl="3" marL="1728000" indent="-216000">
+              <a:lnSpc>
+                <a:spcPct val="100000"/>
+              </a:lnSpc>
               <a:spcBef>
                 <a:spcPts val="567"/>
               </a:spcBef>
@@ -465,17 +504,20 @@
               </a:rPr>
               <a:t>Fourth Outline Level</a:t>
             </a:r>
-            <a:endParaRPr b="0" lang="en-US" sz="2000" strike="noStrike" u="none">
-              <a:solidFill>
-                <a:schemeClr val="dk1"/>
-              </a:solidFill>
-              <a:effectLst/>
-              <a:uFillTx/>
-              <a:latin typeface="Calibri"/>
+            <a:endParaRPr b="0" lang="en-GB" sz="2000" strike="noStrike" u="none">
+              <a:solidFill>
+                <a:srgbClr val="000000"/>
+              </a:solidFill>
+              <a:effectLst/>
+              <a:uFillTx/>
+              <a:latin typeface="Arial"/>
             </a:endParaRPr>
           </a:p>
           <a:p>
             <a:pPr lvl="4" marL="2160000" indent="-216000">
+              <a:lnSpc>
+                <a:spcPct val="100000"/>
+              </a:lnSpc>
               <a:spcBef>
                 <a:spcPts val="283"/>
               </a:spcBef>
@@ -497,17 +539,20 @@
               </a:rPr>
               <a:t>Fifth Outline Level</a:t>
             </a:r>
-            <a:endParaRPr b="0" lang="en-US" sz="2000" strike="noStrike" u="none">
-              <a:solidFill>
-                <a:schemeClr val="dk1"/>
-              </a:solidFill>
-              <a:effectLst/>
-              <a:uFillTx/>
-              <a:latin typeface="Calibri"/>
+            <a:endParaRPr b="0" lang="en-GB" sz="2000" strike="noStrike" u="none">
+              <a:solidFill>
+                <a:srgbClr val="000000"/>
+              </a:solidFill>
+              <a:effectLst/>
+              <a:uFillTx/>
+              <a:latin typeface="Arial"/>
             </a:endParaRPr>
           </a:p>
           <a:p>
             <a:pPr lvl="5" marL="2592000" indent="-216000">
+              <a:lnSpc>
+                <a:spcPct val="100000"/>
+              </a:lnSpc>
               <a:spcBef>
                 <a:spcPts val="283"/>
               </a:spcBef>
@@ -529,17 +574,20 @@
               </a:rPr>
               <a:t>Sixth Outline Level</a:t>
             </a:r>
-            <a:endParaRPr b="0" lang="en-US" sz="2000" strike="noStrike" u="none">
-              <a:solidFill>
-                <a:schemeClr val="dk1"/>
-              </a:solidFill>
-              <a:effectLst/>
-              <a:uFillTx/>
-              <a:latin typeface="Calibri"/>
+            <a:endParaRPr b="0" lang="en-GB" sz="2000" strike="noStrike" u="none">
+              <a:solidFill>
+                <a:srgbClr val="000000"/>
+              </a:solidFill>
+              <a:effectLst/>
+              <a:uFillTx/>
+              <a:latin typeface="Arial"/>
             </a:endParaRPr>
           </a:p>
           <a:p>
             <a:pPr lvl="6" marL="3024000" indent="-216000">
+              <a:lnSpc>
+                <a:spcPct val="100000"/>
+              </a:lnSpc>
               <a:spcBef>
                 <a:spcPts val="283"/>
               </a:spcBef>
@@ -561,13 +609,13 @@
               </a:rPr>
               <a:t>Seventh Outline Level</a:t>
             </a:r>
-            <a:endParaRPr b="0" lang="en-US" sz="2000" strike="noStrike" u="none">
-              <a:solidFill>
-                <a:schemeClr val="dk1"/>
-              </a:solidFill>
-              <a:effectLst/>
-              <a:uFillTx/>
-              <a:latin typeface="Calibri"/>
+            <a:endParaRPr b="0" lang="en-GB" sz="2000" strike="noStrike" u="none">
+              <a:solidFill>
+                <a:srgbClr val="000000"/>
+              </a:solidFill>
+              <a:effectLst/>
+              <a:uFillTx/>
+              <a:latin typeface="Arial"/>
             </a:endParaRPr>
           </a:p>
         </p:txBody>
@@ -579,7 +627,7 @@
 
 <file path=ppt/slideLayouts/slideLayout10.xml><?xml version="1.0" encoding="utf-8"?>
 <p:sldLayout xmlns:a="http://schemas.openxmlformats.org/drawingml/2006/main" xmlns:p="http://schemas.openxmlformats.org/presentationml/2006/main" xmlns:r="http://schemas.openxmlformats.org/officeDocument/2006/relationships" xmlns:p14="http://schemas.microsoft.com/office/powerpoint/2010/main" xmlns:p15="http://schemas.microsoft.com/office/powerpoint/2012/main" xmlns:mc="http://schemas.openxmlformats.org/markup-compatibility/2006" type="blank" preserve="1">
-  <p:cSld name="Content with Caption">
+  <p:cSld name="Comparison">
     <p:bg>
       <p:bgPr>
         <a:solidFill>
@@ -613,8 +661,8 @@
         </p:nvSpPr>
         <p:spPr>
           <a:xfrm>
-            <a:off x="457200" y="272880"/>
-            <a:ext cx="3007800" cy="1161720"/>
+            <a:off x="457200" y="274680"/>
+            <a:ext cx="8228880" cy="1142280"/>
           </a:xfrm>
           <a:prstGeom prst="rect">
             <a:avLst/>
@@ -625,18 +673,21 @@
           </a:ln>
         </p:spPr>
         <p:txBody>
-          <a:bodyPr lIns="91440" rIns="91440" tIns="45720" bIns="45720" anchor="b">
+          <a:bodyPr lIns="91440" rIns="91440" tIns="45720" bIns="45720" anchor="ctr">
             <a:noAutofit/>
           </a:bodyPr>
           <a:p>
-            <a:pPr indent="0" defTabSz="457200">
-              <a:lnSpc>
-                <a:spcPct val="100000"/>
-              </a:lnSpc>
-              <a:buNone/>
-            </a:pPr>
-            <a:r>
-              <a:rPr b="1" lang="en-US" sz="2000" strike="noStrike" u="none">
+            <a:pPr indent="0" algn="ctr" defTabSz="457200">
+              <a:lnSpc>
+                <a:spcPct val="100000"/>
+              </a:lnSpc>
+              <a:buNone/>
+              <a:tabLst>
+                <a:tab algn="l" pos="0"/>
+              </a:tabLst>
+            </a:pPr>
+            <a:r>
+              <a:rPr b="0" lang="en-US" sz="4400" strike="noStrike" u="none">
                 <a:solidFill>
                   <a:schemeClr val="dk1"/>
                 </a:solidFill>
@@ -646,13 +697,13 @@
               </a:rPr>
               <a:t>Click to edit Master title style</a:t>
             </a:r>
-            <a:endParaRPr b="0" lang="en-US" sz="2000" strike="noStrike" u="none">
-              <a:solidFill>
-                <a:schemeClr val="dk1"/>
-              </a:solidFill>
-              <a:effectLst/>
-              <a:uFillTx/>
-              <a:latin typeface="Calibri"/>
+            <a:endParaRPr b="0" lang="en-GB" sz="4400" strike="noStrike" u="none">
+              <a:solidFill>
+                <a:srgbClr val="000000"/>
+              </a:solidFill>
+              <a:effectLst/>
+              <a:uFillTx/>
+              <a:latin typeface="Arial"/>
             </a:endParaRPr>
           </a:p>
         </p:txBody>
@@ -669,8 +720,8 @@
         </p:nvSpPr>
         <p:spPr>
           <a:xfrm>
-            <a:off x="3575160" y="272880"/>
-            <a:ext cx="5111280" cy="5852880"/>
+            <a:off x="457200" y="1535040"/>
+            <a:ext cx="4039560" cy="639000"/>
           </a:xfrm>
           <a:prstGeom prst="rect">
             <a:avLst/>
@@ -681,25 +732,24 @@
           </a:ln>
         </p:spPr>
         <p:txBody>
-          <a:bodyPr lIns="91440" rIns="91440" tIns="45720" bIns="45720" anchor="t">
+          <a:bodyPr lIns="91440" rIns="91440" tIns="45720" bIns="45720" anchor="b">
             <a:noAutofit/>
           </a:bodyPr>
           <a:p>
-            <a:pPr marL="343080" indent="-343080" defTabSz="457200">
-              <a:lnSpc>
-                <a:spcPct val="100000"/>
-              </a:lnSpc>
-              <a:spcBef>
-                <a:spcPts val="641"/>
-              </a:spcBef>
-              <a:buClr>
-                <a:srgbClr val="000000"/>
-              </a:buClr>
-              <a:buFont typeface="Arial"/>
-              <a:buChar char="•"/>
-            </a:pPr>
-            <a:r>
-              <a:rPr b="0" lang="en-US" sz="3200" strike="noStrike" u="none">
+            <a:pPr indent="0" defTabSz="457200">
+              <a:lnSpc>
+                <a:spcPct val="100000"/>
+              </a:lnSpc>
+              <a:spcBef>
+                <a:spcPts val="479"/>
+              </a:spcBef>
+              <a:buNone/>
+              <a:tabLst>
+                <a:tab algn="l" pos="0"/>
+              </a:tabLst>
+            </a:pPr>
+            <a:r>
+              <a:rPr b="1" lang="en-US" sz="2400" strike="noStrike" u="none">
                 <a:solidFill>
                   <a:schemeClr val="dk1"/>
                 </a:solidFill>
@@ -709,149 +759,13 @@
               </a:rPr>
               <a:t>Click to edit Master text styles</a:t>
             </a:r>
-            <a:endParaRPr b="0" lang="en-US" sz="3200" strike="noStrike" u="none">
-              <a:solidFill>
-                <a:schemeClr val="dk1"/>
-              </a:solidFill>
-              <a:effectLst/>
-              <a:uFillTx/>
-              <a:latin typeface="Calibri"/>
-            </a:endParaRPr>
-          </a:p>
-          <a:p>
-            <a:pPr lvl="1" marL="743040" indent="-285840" defTabSz="457200">
-              <a:lnSpc>
-                <a:spcPct val="100000"/>
-              </a:lnSpc>
-              <a:spcBef>
-                <a:spcPts val="561"/>
-              </a:spcBef>
-              <a:buClr>
-                <a:srgbClr val="000000"/>
-              </a:buClr>
-              <a:buFont typeface="Arial"/>
-              <a:buChar char="–"/>
-            </a:pPr>
-            <a:r>
-              <a:rPr b="0" lang="en-US" sz="2800" strike="noStrike" u="none">
-                <a:solidFill>
-                  <a:schemeClr val="dk1"/>
-                </a:solidFill>
-                <a:effectLst/>
-                <a:uFillTx/>
-                <a:latin typeface="Calibri"/>
-              </a:rPr>
-              <a:t>Second level</a:t>
-            </a:r>
-            <a:endParaRPr b="0" lang="en-US" sz="2800" strike="noStrike" u="none">
-              <a:solidFill>
-                <a:schemeClr val="dk1"/>
-              </a:solidFill>
-              <a:effectLst/>
-              <a:uFillTx/>
-              <a:latin typeface="Calibri"/>
-            </a:endParaRPr>
-          </a:p>
-          <a:p>
-            <a:pPr lvl="2" marL="1143000" indent="-228600" defTabSz="457200">
-              <a:lnSpc>
-                <a:spcPct val="100000"/>
-              </a:lnSpc>
-              <a:spcBef>
-                <a:spcPts val="479"/>
-              </a:spcBef>
-              <a:buClr>
-                <a:srgbClr val="000000"/>
-              </a:buClr>
-              <a:buFont typeface="Arial"/>
-              <a:buChar char="•"/>
-            </a:pPr>
-            <a:r>
-              <a:rPr b="0" lang="en-US" sz="2400" strike="noStrike" u="none">
-                <a:solidFill>
-                  <a:schemeClr val="dk1"/>
-                </a:solidFill>
-                <a:effectLst/>
-                <a:uFillTx/>
-                <a:latin typeface="Calibri"/>
-              </a:rPr>
-              <a:t>Third level</a:t>
-            </a:r>
-            <a:endParaRPr b="0" lang="en-US" sz="2400" strike="noStrike" u="none">
-              <a:solidFill>
-                <a:schemeClr val="dk1"/>
-              </a:solidFill>
-              <a:effectLst/>
-              <a:uFillTx/>
-              <a:latin typeface="Calibri"/>
-            </a:endParaRPr>
-          </a:p>
-          <a:p>
-            <a:pPr lvl="3" marL="1600200" indent="-228600" defTabSz="457200">
-              <a:lnSpc>
-                <a:spcPct val="100000"/>
-              </a:lnSpc>
-              <a:spcBef>
-                <a:spcPts val="400"/>
-              </a:spcBef>
-              <a:buClr>
-                <a:srgbClr val="000000"/>
-              </a:buClr>
-              <a:buFont typeface="Arial"/>
-              <a:buChar char="–"/>
-            </a:pPr>
-            <a:r>
-              <a:rPr b="0" lang="en-US" sz="2000" strike="noStrike" u="none">
-                <a:solidFill>
-                  <a:schemeClr val="dk1"/>
-                </a:solidFill>
-                <a:effectLst/>
-                <a:uFillTx/>
-                <a:latin typeface="Calibri"/>
-              </a:rPr>
-              <a:t>Fourth level</a:t>
-            </a:r>
-            <a:endParaRPr b="0" lang="en-US" sz="2000" strike="noStrike" u="none">
-              <a:solidFill>
-                <a:schemeClr val="dk1"/>
-              </a:solidFill>
-              <a:effectLst/>
-              <a:uFillTx/>
-              <a:latin typeface="Calibri"/>
-            </a:endParaRPr>
-          </a:p>
-          <a:p>
-            <a:pPr lvl="4" marL="2057400" indent="-228600" defTabSz="457200">
-              <a:lnSpc>
-                <a:spcPct val="100000"/>
-              </a:lnSpc>
-              <a:spcBef>
-                <a:spcPts val="400"/>
-              </a:spcBef>
-              <a:buClr>
-                <a:srgbClr val="000000"/>
-              </a:buClr>
-              <a:buFont typeface="Arial"/>
-              <a:buChar char="»"/>
-            </a:pPr>
-            <a:r>
-              <a:rPr b="0" lang="en-US" sz="2000" strike="noStrike" u="none">
-                <a:solidFill>
-                  <a:schemeClr val="dk1"/>
-                </a:solidFill>
-                <a:effectLst/>
-                <a:uFillTx/>
-                <a:latin typeface="Calibri"/>
-              </a:rPr>
-              <a:t>Fifth level</a:t>
-            </a:r>
-            <a:endParaRPr b="0" lang="en-US" sz="2000" strike="noStrike" u="none">
-              <a:solidFill>
-                <a:schemeClr val="dk1"/>
-              </a:solidFill>
-              <a:effectLst/>
-              <a:uFillTx/>
-              <a:latin typeface="Calibri"/>
+            <a:endParaRPr b="0" lang="en-GB" sz="2400" strike="noStrike" u="none">
+              <a:solidFill>
+                <a:srgbClr val="000000"/>
+              </a:solidFill>
+              <a:effectLst/>
+              <a:uFillTx/>
+              <a:latin typeface="Arial"/>
             </a:endParaRPr>
           </a:p>
         </p:txBody>
@@ -868,8 +782,8 @@
         </p:nvSpPr>
         <p:spPr>
           <a:xfrm>
-            <a:off x="457200" y="1434960"/>
-            <a:ext cx="3007800" cy="4690800"/>
+            <a:off x="457200" y="2174760"/>
+            <a:ext cx="4039560" cy="3950640"/>
           </a:xfrm>
           <a:prstGeom prst="rect">
             <a:avLst/>
@@ -884,20 +798,21 @@
             <a:noAutofit/>
           </a:bodyPr>
           <a:p>
-            <a:pPr indent="0" defTabSz="457200">
-              <a:lnSpc>
-                <a:spcPct val="100000"/>
-              </a:lnSpc>
-              <a:spcBef>
-                <a:spcPts val="281"/>
-              </a:spcBef>
-              <a:buNone/>
-              <a:tabLst>
-                <a:tab algn="l" pos="0"/>
-              </a:tabLst>
-            </a:pPr>
-            <a:r>
-              <a:rPr b="0" lang="en-US" sz="1400" strike="noStrike" u="none">
+            <a:pPr marL="343080" indent="-343080" defTabSz="457200">
+              <a:lnSpc>
+                <a:spcPct val="100000"/>
+              </a:lnSpc>
+              <a:spcBef>
+                <a:spcPts val="479"/>
+              </a:spcBef>
+              <a:buClr>
+                <a:srgbClr val="000000"/>
+              </a:buClr>
+              <a:buFont typeface="Arial"/>
+              <a:buChar char="•"/>
+            </a:pPr>
+            <a:r>
+              <a:rPr b="0" lang="en-US" sz="2400" strike="noStrike" u="none">
                 <a:solidFill>
                   <a:schemeClr val="dk1"/>
                 </a:solidFill>
@@ -907,13 +822,149 @@
               </a:rPr>
               <a:t>Click to edit Master text styles</a:t>
             </a:r>
-            <a:endParaRPr b="0" lang="en-US" sz="1400" strike="noStrike" u="none">
-              <a:solidFill>
-                <a:schemeClr val="dk1"/>
-              </a:solidFill>
-              <a:effectLst/>
-              <a:uFillTx/>
-              <a:latin typeface="Calibri"/>
+            <a:endParaRPr b="0" lang="en-GB" sz="2400" strike="noStrike" u="none">
+              <a:solidFill>
+                <a:srgbClr val="000000"/>
+              </a:solidFill>
+              <a:effectLst/>
+              <a:uFillTx/>
+              <a:latin typeface="Arial"/>
+            </a:endParaRPr>
+          </a:p>
+          <a:p>
+            <a:pPr lvl="1" marL="743040" indent="-285840" defTabSz="457200">
+              <a:lnSpc>
+                <a:spcPct val="100000"/>
+              </a:lnSpc>
+              <a:spcBef>
+                <a:spcPts val="400"/>
+              </a:spcBef>
+              <a:buClr>
+                <a:srgbClr val="000000"/>
+              </a:buClr>
+              <a:buFont typeface="Arial"/>
+              <a:buChar char="–"/>
+            </a:pPr>
+            <a:r>
+              <a:rPr b="0" lang="en-US" sz="2000" strike="noStrike" u="none">
+                <a:solidFill>
+                  <a:schemeClr val="dk1"/>
+                </a:solidFill>
+                <a:effectLst/>
+                <a:uFillTx/>
+                <a:latin typeface="Calibri"/>
+              </a:rPr>
+              <a:t>Second level</a:t>
+            </a:r>
+            <a:endParaRPr b="0" lang="en-GB" sz="2000" strike="noStrike" u="none">
+              <a:solidFill>
+                <a:srgbClr val="000000"/>
+              </a:solidFill>
+              <a:effectLst/>
+              <a:uFillTx/>
+              <a:latin typeface="Arial"/>
+            </a:endParaRPr>
+          </a:p>
+          <a:p>
+            <a:pPr lvl="2" marL="1143000" indent="-228600" defTabSz="457200">
+              <a:lnSpc>
+                <a:spcPct val="100000"/>
+              </a:lnSpc>
+              <a:spcBef>
+                <a:spcPts val="360"/>
+              </a:spcBef>
+              <a:buClr>
+                <a:srgbClr val="000000"/>
+              </a:buClr>
+              <a:buFont typeface="Arial"/>
+              <a:buChar char="•"/>
+            </a:pPr>
+            <a:r>
+              <a:rPr b="0" lang="en-US" sz="1800" strike="noStrike" u="none">
+                <a:solidFill>
+                  <a:schemeClr val="dk1"/>
+                </a:solidFill>
+                <a:effectLst/>
+                <a:uFillTx/>
+                <a:latin typeface="Calibri"/>
+              </a:rPr>
+              <a:t>Third level</a:t>
+            </a:r>
+            <a:endParaRPr b="0" lang="en-GB" sz="1800" strike="noStrike" u="none">
+              <a:solidFill>
+                <a:srgbClr val="000000"/>
+              </a:solidFill>
+              <a:effectLst/>
+              <a:uFillTx/>
+              <a:latin typeface="Arial"/>
+            </a:endParaRPr>
+          </a:p>
+          <a:p>
+            <a:pPr lvl="3" marL="1600200" indent="-228600" defTabSz="457200">
+              <a:lnSpc>
+                <a:spcPct val="100000"/>
+              </a:lnSpc>
+              <a:spcBef>
+                <a:spcPts val="320"/>
+              </a:spcBef>
+              <a:buClr>
+                <a:srgbClr val="000000"/>
+              </a:buClr>
+              <a:buFont typeface="Arial"/>
+              <a:buChar char="–"/>
+            </a:pPr>
+            <a:r>
+              <a:rPr b="0" lang="en-US" sz="1600" strike="noStrike" u="none">
+                <a:solidFill>
+                  <a:schemeClr val="dk1"/>
+                </a:solidFill>
+                <a:effectLst/>
+                <a:uFillTx/>
+                <a:latin typeface="Calibri"/>
+              </a:rPr>
+              <a:t>Fourth level</a:t>
+            </a:r>
+            <a:endParaRPr b="0" lang="en-GB" sz="1600" strike="noStrike" u="none">
+              <a:solidFill>
+                <a:srgbClr val="000000"/>
+              </a:solidFill>
+              <a:effectLst/>
+              <a:uFillTx/>
+              <a:latin typeface="Arial"/>
+            </a:endParaRPr>
+          </a:p>
+          <a:p>
+            <a:pPr lvl="4" marL="2057400" indent="-228600" defTabSz="457200">
+              <a:lnSpc>
+                <a:spcPct val="100000"/>
+              </a:lnSpc>
+              <a:spcBef>
+                <a:spcPts val="320"/>
+              </a:spcBef>
+              <a:buClr>
+                <a:srgbClr val="000000"/>
+              </a:buClr>
+              <a:buFont typeface="Arial"/>
+              <a:buChar char="»"/>
+            </a:pPr>
+            <a:r>
+              <a:rPr b="0" lang="en-US" sz="1600" strike="noStrike" u="none">
+                <a:solidFill>
+                  <a:schemeClr val="dk1"/>
+                </a:solidFill>
+                <a:effectLst/>
+                <a:uFillTx/>
+                <a:latin typeface="Calibri"/>
+              </a:rPr>
+              <a:t>Fifth level</a:t>
+            </a:r>
+            <a:endParaRPr b="0" lang="en-GB" sz="1600" strike="noStrike" u="none">
+              <a:solidFill>
+                <a:srgbClr val="000000"/>
+              </a:solidFill>
+              <a:effectLst/>
+              <a:uFillTx/>
+              <a:latin typeface="Arial"/>
             </a:endParaRPr>
           </a:p>
         </p:txBody>
@@ -921,6 +972,267 @@
       <p:sp>
         <p:nvSpPr>
           <p:cNvPr id="51" name="PlaceHolder 4"/>
+          <p:cNvSpPr>
+            <a:spLocks noGrp="1"/>
+          </p:cNvSpPr>
+          <p:nvPr>
+            <p:ph type="body"/>
+          </p:nvPr>
+        </p:nvSpPr>
+        <p:spPr>
+          <a:xfrm>
+            <a:off x="4645080" y="1535040"/>
+            <a:ext cx="4041000" cy="639000"/>
+          </a:xfrm>
+          <a:prstGeom prst="rect">
+            <a:avLst/>
+          </a:prstGeom>
+          <a:noFill/>
+          <a:ln w="0">
+            <a:noFill/>
+          </a:ln>
+        </p:spPr>
+        <p:txBody>
+          <a:bodyPr lIns="91440" rIns="91440" tIns="45720" bIns="45720" anchor="b">
+            <a:noAutofit/>
+          </a:bodyPr>
+          <a:p>
+            <a:pPr indent="0" defTabSz="457200">
+              <a:lnSpc>
+                <a:spcPct val="100000"/>
+              </a:lnSpc>
+              <a:spcBef>
+                <a:spcPts val="479"/>
+              </a:spcBef>
+              <a:buNone/>
+              <a:tabLst>
+                <a:tab algn="l" pos="0"/>
+              </a:tabLst>
+            </a:pPr>
+            <a:r>
+              <a:rPr b="1" lang="en-US" sz="2400" strike="noStrike" u="none">
+                <a:solidFill>
+                  <a:schemeClr val="dk1"/>
+                </a:solidFill>
+                <a:effectLst/>
+                <a:uFillTx/>
+                <a:latin typeface="Calibri"/>
+              </a:rPr>
+              <a:t>Click to edit Master text styles</a:t>
+            </a:r>
+            <a:endParaRPr b="0" lang="en-GB" sz="2400" strike="noStrike" u="none">
+              <a:solidFill>
+                <a:srgbClr val="000000"/>
+              </a:solidFill>
+              <a:effectLst/>
+              <a:uFillTx/>
+              <a:latin typeface="Arial"/>
+            </a:endParaRPr>
+          </a:p>
+        </p:txBody>
+      </p:sp>
+      <p:sp>
+        <p:nvSpPr>
+          <p:cNvPr id="52" name="PlaceHolder 5"/>
+          <p:cNvSpPr>
+            <a:spLocks noGrp="1"/>
+          </p:cNvSpPr>
+          <p:nvPr>
+            <p:ph type="body"/>
+          </p:nvPr>
+        </p:nvSpPr>
+        <p:spPr>
+          <a:xfrm>
+            <a:off x="4645080" y="2174760"/>
+            <a:ext cx="4041000" cy="3950640"/>
+          </a:xfrm>
+          <a:prstGeom prst="rect">
+            <a:avLst/>
+          </a:prstGeom>
+          <a:noFill/>
+          <a:ln w="0">
+            <a:noFill/>
+          </a:ln>
+        </p:spPr>
+        <p:txBody>
+          <a:bodyPr lIns="91440" rIns="91440" tIns="45720" bIns="45720" anchor="t">
+            <a:noAutofit/>
+          </a:bodyPr>
+          <a:p>
+            <a:pPr marL="343080" indent="-343080" defTabSz="457200">
+              <a:lnSpc>
+                <a:spcPct val="100000"/>
+              </a:lnSpc>
+              <a:spcBef>
+                <a:spcPts val="479"/>
+              </a:spcBef>
+              <a:buClr>
+                <a:srgbClr val="000000"/>
+              </a:buClr>
+              <a:buFont typeface="Arial"/>
+              <a:buChar char="•"/>
+            </a:pPr>
+            <a:r>
+              <a:rPr b="0" lang="en-US" sz="2400" strike="noStrike" u="none">
+                <a:solidFill>
+                  <a:schemeClr val="dk1"/>
+                </a:solidFill>
+                <a:effectLst/>
+                <a:uFillTx/>
+                <a:latin typeface="Calibri"/>
+              </a:rPr>
+              <a:t>Click to edit Master text styles</a:t>
+            </a:r>
+            <a:endParaRPr b="0" lang="en-GB" sz="2400" strike="noStrike" u="none">
+              <a:solidFill>
+                <a:srgbClr val="000000"/>
+              </a:solidFill>
+              <a:effectLst/>
+              <a:uFillTx/>
+              <a:latin typeface="Arial"/>
+            </a:endParaRPr>
+          </a:p>
+          <a:p>
+            <a:pPr lvl="1" marL="743040" indent="-285840" defTabSz="457200">
+              <a:lnSpc>
+                <a:spcPct val="100000"/>
+              </a:lnSpc>
+              <a:spcBef>
+                <a:spcPts val="400"/>
+              </a:spcBef>
+              <a:buClr>
+                <a:srgbClr val="000000"/>
+              </a:buClr>
+              <a:buFont typeface="Arial"/>
+              <a:buChar char="–"/>
+            </a:pPr>
+            <a:r>
+              <a:rPr b="0" lang="en-US" sz="2000" strike="noStrike" u="none">
+                <a:solidFill>
+                  <a:schemeClr val="dk1"/>
+                </a:solidFill>
+                <a:effectLst/>
+                <a:uFillTx/>
+                <a:latin typeface="Calibri"/>
+              </a:rPr>
+              <a:t>Second level</a:t>
+            </a:r>
+            <a:endParaRPr b="0" lang="en-GB" sz="2000" strike="noStrike" u="none">
+              <a:solidFill>
+                <a:srgbClr val="000000"/>
+              </a:solidFill>
+              <a:effectLst/>
+              <a:uFillTx/>
+              <a:latin typeface="Arial"/>
+            </a:endParaRPr>
+          </a:p>
+          <a:p>
+            <a:pPr lvl="2" marL="1143000" indent="-228600" defTabSz="457200">
+              <a:lnSpc>
+                <a:spcPct val="100000"/>
+              </a:lnSpc>
+              <a:spcBef>
+                <a:spcPts val="360"/>
+              </a:spcBef>
+              <a:buClr>
+                <a:srgbClr val="000000"/>
+              </a:buClr>
+              <a:buFont typeface="Arial"/>
+              <a:buChar char="•"/>
+            </a:pPr>
+            <a:r>
+              <a:rPr b="0" lang="en-US" sz="1800" strike="noStrike" u="none">
+                <a:solidFill>
+                  <a:schemeClr val="dk1"/>
+                </a:solidFill>
+                <a:effectLst/>
+                <a:uFillTx/>
+                <a:latin typeface="Calibri"/>
+              </a:rPr>
+              <a:t>Third level</a:t>
+            </a:r>
+            <a:endParaRPr b="0" lang="en-GB" sz="1800" strike="noStrike" u="none">
+              <a:solidFill>
+                <a:srgbClr val="000000"/>
+              </a:solidFill>
+              <a:effectLst/>
+              <a:uFillTx/>
+              <a:latin typeface="Arial"/>
+            </a:endParaRPr>
+          </a:p>
+          <a:p>
+            <a:pPr lvl="3" marL="1600200" indent="-228600" defTabSz="457200">
+              <a:lnSpc>
+                <a:spcPct val="100000"/>
+              </a:lnSpc>
+              <a:spcBef>
+                <a:spcPts val="320"/>
+              </a:spcBef>
+              <a:buClr>
+                <a:srgbClr val="000000"/>
+              </a:buClr>
+              <a:buFont typeface="Arial"/>
+              <a:buChar char="–"/>
+            </a:pPr>
+            <a:r>
+              <a:rPr b="0" lang="en-US" sz="1600" strike="noStrike" u="none">
+                <a:solidFill>
+                  <a:schemeClr val="dk1"/>
+                </a:solidFill>
+                <a:effectLst/>
+                <a:uFillTx/>
+                <a:latin typeface="Calibri"/>
+              </a:rPr>
+              <a:t>Fourth level</a:t>
+            </a:r>
+            <a:endParaRPr b="0" lang="en-GB" sz="1600" strike="noStrike" u="none">
+              <a:solidFill>
+                <a:srgbClr val="000000"/>
+              </a:solidFill>
+              <a:effectLst/>
+              <a:uFillTx/>
+              <a:latin typeface="Arial"/>
+            </a:endParaRPr>
+          </a:p>
+          <a:p>
+            <a:pPr lvl="4" marL="2057400" indent="-228600" defTabSz="457200">
+              <a:lnSpc>
+                <a:spcPct val="100000"/>
+              </a:lnSpc>
+              <a:spcBef>
+                <a:spcPts val="320"/>
+              </a:spcBef>
+              <a:buClr>
+                <a:srgbClr val="000000"/>
+              </a:buClr>
+              <a:buFont typeface="Arial"/>
+              <a:buChar char="»"/>
+            </a:pPr>
+            <a:r>
+              <a:rPr b="0" lang="en-US" sz="1600" strike="noStrike" u="none">
+                <a:solidFill>
+                  <a:schemeClr val="dk1"/>
+                </a:solidFill>
+                <a:effectLst/>
+                <a:uFillTx/>
+                <a:latin typeface="Calibri"/>
+              </a:rPr>
+              <a:t>Fifth level</a:t>
+            </a:r>
+            <a:endParaRPr b="0" lang="en-GB" sz="1600" strike="noStrike" u="none">
+              <a:solidFill>
+                <a:srgbClr val="000000"/>
+              </a:solidFill>
+              <a:effectLst/>
+              <a:uFillTx/>
+              <a:latin typeface="Arial"/>
+            </a:endParaRPr>
+          </a:p>
+        </p:txBody>
+      </p:sp>
+      <p:sp>
+        <p:nvSpPr>
+          <p:cNvPr id="53" name="PlaceHolder 6"/>
           <p:cNvSpPr>
             <a:spLocks noGrp="1"/>
           </p:cNvSpPr>
@@ -931,7 +1243,7 @@
         <p:spPr>
           <a:xfrm>
             <a:off x="457200" y="6356520"/>
-            <a:ext cx="2133360" cy="364680"/>
+            <a:ext cx="2133000" cy="364320"/>
           </a:xfrm>
           <a:prstGeom prst="rect">
             <a:avLst/>
@@ -951,6 +1263,9 @@
                 <a:spcPct val="100000"/>
               </a:lnSpc>
               <a:buNone/>
+              <a:tabLst>
+                <a:tab algn="l" pos="0"/>
+              </a:tabLst>
               <a:defRPr b="0" lang="en-US" sz="1200" strike="noStrike" u="none">
                 <a:solidFill>
                   <a:schemeClr val="dk1">
@@ -969,6 +1284,9 @@
                 <a:spcPct val="100000"/>
               </a:lnSpc>
               <a:buNone/>
+              <a:tabLst>
+                <a:tab algn="l" pos="0"/>
+              </a:tabLst>
             </a:pPr>
             <a:r>
               <a:rPr b="0" lang="en-US" sz="1200" strike="noStrike" u="none">
@@ -996,7 +1314,7 @@
       </p:sp>
       <p:sp>
         <p:nvSpPr>
-          <p:cNvPr id="52" name="PlaceHolder 5"/>
+          <p:cNvPr id="54" name="PlaceHolder 7"/>
           <p:cNvSpPr>
             <a:spLocks noGrp="1"/>
           </p:cNvSpPr>
@@ -1007,7 +1325,7 @@
         <p:spPr>
           <a:xfrm>
             <a:off x="3124080" y="6356520"/>
-            <a:ext cx="2895120" cy="364680"/>
+            <a:ext cx="2894760" cy="364320"/>
           </a:xfrm>
           <a:prstGeom prst="rect">
             <a:avLst/>
@@ -1023,7 +1341,13 @@
           </a:bodyPr>
           <a:lstStyle>
             <a:lvl1pPr indent="0" algn="ctr">
-              <a:buNone/>
+              <a:lnSpc>
+                <a:spcPct val="100000"/>
+              </a:lnSpc>
+              <a:buNone/>
+              <a:tabLst>
+                <a:tab algn="l" pos="0"/>
+              </a:tabLst>
               <a:defRPr b="0" lang="en-GB" sz="1400" strike="noStrike" u="none">
                 <a:solidFill>
                   <a:srgbClr val="000000"/>
@@ -1036,7 +1360,13 @@
           </a:lstStyle>
           <a:p>
             <a:pPr indent="0" algn="ctr">
-              <a:buNone/>
+              <a:lnSpc>
+                <a:spcPct val="100000"/>
+              </a:lnSpc>
+              <a:buNone/>
+              <a:tabLst>
+                <a:tab algn="l" pos="0"/>
+              </a:tabLst>
             </a:pPr>
             <a:r>
               <a:rPr b="0" lang="en-GB" sz="1400" strike="noStrike" u="none">
@@ -1062,7 +1392,7 @@
       </p:sp>
       <p:sp>
         <p:nvSpPr>
-          <p:cNvPr id="53" name="PlaceHolder 6"/>
+          <p:cNvPr id="55" name="PlaceHolder 8"/>
           <p:cNvSpPr>
             <a:spLocks noGrp="1"/>
           </p:cNvSpPr>
@@ -1073,7 +1403,7 @@
         <p:spPr>
           <a:xfrm>
             <a:off x="6553080" y="6356520"/>
-            <a:ext cx="2133360" cy="364680"/>
+            <a:ext cx="2133000" cy="364320"/>
           </a:xfrm>
           <a:prstGeom prst="rect">
             <a:avLst/>
@@ -1093,6 +1423,9 @@
                 <a:spcPct val="100000"/>
               </a:lnSpc>
               <a:buNone/>
+              <a:tabLst>
+                <a:tab algn="l" pos="0"/>
+              </a:tabLst>
               <a:defRPr b="0" lang="en-US" sz="1200" strike="noStrike" u="none">
                 <a:solidFill>
                   <a:schemeClr val="dk1">
@@ -1111,8 +1444,11 @@
                 <a:spcPct val="100000"/>
               </a:lnSpc>
               <a:buNone/>
-            </a:pPr>
-            <a:fld id="{C1B19D44-EF62-4CB1-ABD0-444887588B67}" type="slidenum">
+              <a:tabLst>
+                <a:tab algn="l" pos="0"/>
+              </a:tabLst>
+            </a:pPr>
+            <a:fld id="{83D1AD8A-B633-4E0C-859D-B2A1FD0041C7}" type="slidenum">
               <a:rPr b="0" lang="en-US" sz="1200" strike="noStrike" u="none">
                 <a:solidFill>
                   <a:schemeClr val="dk1">
@@ -1142,8 +1478,8 @@
 </file>
 
 <file path=ppt/slideLayouts/slideLayout11.xml><?xml version="1.0" encoding="utf-8"?>
-<p:sldLayout xmlns:a="http://schemas.openxmlformats.org/drawingml/2006/main" xmlns:p="http://schemas.openxmlformats.org/presentationml/2006/main" xmlns:r="http://schemas.openxmlformats.org/officeDocument/2006/relationships" xmlns:p14="http://schemas.microsoft.com/office/powerpoint/2010/main" xmlns:p15="http://schemas.microsoft.com/office/powerpoint/2012/main" xmlns:mc="http://schemas.openxmlformats.org/markup-compatibility/2006" type="blank" preserve="1">
-  <p:cSld name="Picture with Caption">
+<p:sldLayout xmlns:a="http://schemas.openxmlformats.org/drawingml/2006/main" xmlns:p="http://schemas.openxmlformats.org/presentationml/2006/main" xmlns:r="http://schemas.openxmlformats.org/officeDocument/2006/relationships" xmlns:p14="http://schemas.microsoft.com/office/powerpoint/2010/main" xmlns:p15="http://schemas.microsoft.com/office/powerpoint/2012/main" xmlns:mc="http://schemas.openxmlformats.org/markup-compatibility/2006" type="titleOnly" preserve="1">
+  <p:cSld name="Title Only">
     <p:bg>
       <p:bgPr>
         <a:solidFill>
@@ -1167,7 +1503,7 @@
       </p:grpSpPr>
       <p:sp>
         <p:nvSpPr>
-          <p:cNvPr id="54" name="PlaceHolder 1"/>
+          <p:cNvPr id="56" name="PlaceHolder 1"/>
           <p:cNvSpPr>
             <a:spLocks noGrp="1"/>
           </p:cNvSpPr>
@@ -1177,8 +1513,8 @@
         </p:nvSpPr>
         <p:spPr>
           <a:xfrm>
-            <a:off x="1792440" y="4800600"/>
-            <a:ext cx="5486040" cy="566280"/>
+            <a:off x="457200" y="274680"/>
+            <a:ext cx="8228880" cy="1142280"/>
           </a:xfrm>
           <a:prstGeom prst="rect">
             <a:avLst/>
@@ -1189,18 +1525,21 @@
           </a:ln>
         </p:spPr>
         <p:txBody>
-          <a:bodyPr lIns="91440" rIns="91440" tIns="45720" bIns="45720" anchor="b">
+          <a:bodyPr lIns="91440" rIns="91440" tIns="45720" bIns="45720" anchor="ctr">
             <a:noAutofit/>
           </a:bodyPr>
           <a:p>
-            <a:pPr indent="0" defTabSz="457200">
-              <a:lnSpc>
-                <a:spcPct val="100000"/>
-              </a:lnSpc>
-              <a:buNone/>
-            </a:pPr>
-            <a:r>
-              <a:rPr b="1" lang="en-US" sz="2000" strike="noStrike" u="none">
+            <a:pPr indent="0" algn="ctr" defTabSz="457200">
+              <a:lnSpc>
+                <a:spcPct val="100000"/>
+              </a:lnSpc>
+              <a:buNone/>
+              <a:tabLst>
+                <a:tab algn="l" pos="0"/>
+              </a:tabLst>
+            </a:pPr>
+            <a:r>
+              <a:rPr b="0" lang="en-US" sz="4400" strike="noStrike" u="none">
                 <a:solidFill>
                   <a:schemeClr val="dk1"/>
                 </a:solidFill>
@@ -1210,335 +1549,20 @@
               </a:rPr>
               <a:t>Click to edit Master title style</a:t>
             </a:r>
-            <a:endParaRPr b="0" lang="en-US" sz="2000" strike="noStrike" u="none">
-              <a:solidFill>
-                <a:schemeClr val="dk1"/>
-              </a:solidFill>
-              <a:effectLst/>
-              <a:uFillTx/>
-              <a:latin typeface="Calibri"/>
+            <a:endParaRPr b="0" lang="en-GB" sz="4400" strike="noStrike" u="none">
+              <a:solidFill>
+                <a:srgbClr val="000000"/>
+              </a:solidFill>
+              <a:effectLst/>
+              <a:uFillTx/>
+              <a:latin typeface="Arial"/>
             </a:endParaRPr>
           </a:p>
         </p:txBody>
       </p:sp>
       <p:sp>
         <p:nvSpPr>
-          <p:cNvPr id="55" name="PlaceHolder 2"/>
-          <p:cNvSpPr>
-            <a:spLocks noGrp="1"/>
-          </p:cNvSpPr>
-          <p:nvPr>
-            <p:ph type="body"/>
-          </p:nvPr>
-        </p:nvSpPr>
-        <p:spPr>
-          <a:xfrm>
-            <a:off x="1792440" y="612720"/>
-            <a:ext cx="5486040" cy="4114440"/>
-          </a:xfrm>
-          <a:prstGeom prst="rect">
-            <a:avLst/>
-          </a:prstGeom>
-          <a:noFill/>
-          <a:ln w="0">
-            <a:noFill/>
-          </a:ln>
-        </p:spPr>
-        <p:txBody>
-          <a:bodyPr lIns="90000" rIns="90000" tIns="45000" bIns="45000" anchor="t">
-            <a:noAutofit/>
-          </a:bodyPr>
-          <a:p>
-            <a:pPr marL="432000" indent="-324000">
-              <a:spcBef>
-                <a:spcPts val="1417"/>
-              </a:spcBef>
-              <a:buClr>
-                <a:srgbClr val="000000"/>
-              </a:buClr>
-              <a:buSzPct val="45000"/>
-              <a:buFont typeface="Wingdings" charset="2"/>
-              <a:buChar char=""/>
-            </a:pPr>
-            <a:r>
-              <a:rPr b="0" lang="en-US" sz="3200" strike="noStrike" u="none">
-                <a:solidFill>
-                  <a:schemeClr val="dk1"/>
-                </a:solidFill>
-                <a:effectLst/>
-                <a:uFillTx/>
-                <a:latin typeface="Calibri"/>
-              </a:rPr>
-              <a:t>Click to edit the outline text format</a:t>
-            </a:r>
-            <a:endParaRPr b="0" lang="en-US" sz="3200" strike="noStrike" u="none">
-              <a:solidFill>
-                <a:schemeClr val="dk1"/>
-              </a:solidFill>
-              <a:effectLst/>
-              <a:uFillTx/>
-              <a:latin typeface="Calibri"/>
-            </a:endParaRPr>
-          </a:p>
-          <a:p>
-            <a:pPr lvl="1" marL="864000" indent="-324000">
-              <a:spcBef>
-                <a:spcPts val="1134"/>
-              </a:spcBef>
-              <a:buClr>
-                <a:srgbClr val="000000"/>
-              </a:buClr>
-              <a:buSzPct val="75000"/>
-              <a:buFont typeface="Symbol" charset="2"/>
-              <a:buChar char=""/>
-            </a:pPr>
-            <a:r>
-              <a:rPr b="0" lang="en-US" sz="3200" strike="noStrike" u="none">
-                <a:solidFill>
-                  <a:schemeClr val="dk1"/>
-                </a:solidFill>
-                <a:effectLst/>
-                <a:uFillTx/>
-                <a:latin typeface="Calibri"/>
-              </a:rPr>
-              <a:t>Second Outline Level</a:t>
-            </a:r>
-            <a:endParaRPr b="0" lang="en-US" sz="3200" strike="noStrike" u="none">
-              <a:solidFill>
-                <a:schemeClr val="dk1"/>
-              </a:solidFill>
-              <a:effectLst/>
-              <a:uFillTx/>
-              <a:latin typeface="Calibri"/>
-            </a:endParaRPr>
-          </a:p>
-          <a:p>
-            <a:pPr lvl="2" marL="1296000" indent="-288000">
-              <a:spcBef>
-                <a:spcPts val="850"/>
-              </a:spcBef>
-              <a:buClr>
-                <a:srgbClr val="000000"/>
-              </a:buClr>
-              <a:buSzPct val="45000"/>
-              <a:buFont typeface="Wingdings" charset="2"/>
-              <a:buChar char=""/>
-            </a:pPr>
-            <a:r>
-              <a:rPr b="0" lang="en-US" sz="3200" strike="noStrike" u="none">
-                <a:solidFill>
-                  <a:schemeClr val="dk1"/>
-                </a:solidFill>
-                <a:effectLst/>
-                <a:uFillTx/>
-                <a:latin typeface="Calibri"/>
-              </a:rPr>
-              <a:t>Third Outline Level</a:t>
-            </a:r>
-            <a:endParaRPr b="0" lang="en-US" sz="3200" strike="noStrike" u="none">
-              <a:solidFill>
-                <a:schemeClr val="dk1"/>
-              </a:solidFill>
-              <a:effectLst/>
-              <a:uFillTx/>
-              <a:latin typeface="Calibri"/>
-            </a:endParaRPr>
-          </a:p>
-          <a:p>
-            <a:pPr lvl="3" marL="1728000" indent="-216000">
-              <a:spcBef>
-                <a:spcPts val="567"/>
-              </a:spcBef>
-              <a:buClr>
-                <a:srgbClr val="000000"/>
-              </a:buClr>
-              <a:buSzPct val="75000"/>
-              <a:buFont typeface="Symbol" charset="2"/>
-              <a:buChar char=""/>
-            </a:pPr>
-            <a:r>
-              <a:rPr b="0" lang="en-US" sz="3200" strike="noStrike" u="none">
-                <a:solidFill>
-                  <a:schemeClr val="dk1"/>
-                </a:solidFill>
-                <a:effectLst/>
-                <a:uFillTx/>
-                <a:latin typeface="Calibri"/>
-              </a:rPr>
-              <a:t>Fourth Outline Level</a:t>
-            </a:r>
-            <a:endParaRPr b="0" lang="en-US" sz="3200" strike="noStrike" u="none">
-              <a:solidFill>
-                <a:schemeClr val="dk1"/>
-              </a:solidFill>
-              <a:effectLst/>
-              <a:uFillTx/>
-              <a:latin typeface="Calibri"/>
-            </a:endParaRPr>
-          </a:p>
-          <a:p>
-            <a:pPr lvl="4" marL="2160000" indent="-216000">
-              <a:spcBef>
-                <a:spcPts val="283"/>
-              </a:spcBef>
-              <a:buClr>
-                <a:srgbClr val="000000"/>
-              </a:buClr>
-              <a:buSzPct val="45000"/>
-              <a:buFont typeface="Wingdings" charset="2"/>
-              <a:buChar char=""/>
-            </a:pPr>
-            <a:r>
-              <a:rPr b="0" lang="en-US" sz="3200" strike="noStrike" u="none">
-                <a:solidFill>
-                  <a:schemeClr val="dk1"/>
-                </a:solidFill>
-                <a:effectLst/>
-                <a:uFillTx/>
-                <a:latin typeface="Calibri"/>
-              </a:rPr>
-              <a:t>Fifth Outline Level</a:t>
-            </a:r>
-            <a:endParaRPr b="0" lang="en-US" sz="3200" strike="noStrike" u="none">
-              <a:solidFill>
-                <a:schemeClr val="dk1"/>
-              </a:solidFill>
-              <a:effectLst/>
-              <a:uFillTx/>
-              <a:latin typeface="Calibri"/>
-            </a:endParaRPr>
-          </a:p>
-          <a:p>
-            <a:pPr lvl="5" marL="2592000" indent="-216000">
-              <a:spcBef>
-                <a:spcPts val="283"/>
-              </a:spcBef>
-              <a:buClr>
-                <a:srgbClr val="000000"/>
-              </a:buClr>
-              <a:buSzPct val="45000"/>
-              <a:buFont typeface="Wingdings" charset="2"/>
-              <a:buChar char=""/>
-            </a:pPr>
-            <a:r>
-              <a:rPr b="0" lang="en-US" sz="3200" strike="noStrike" u="none">
-                <a:solidFill>
-                  <a:schemeClr val="dk1"/>
-                </a:solidFill>
-                <a:effectLst/>
-                <a:uFillTx/>
-                <a:latin typeface="Calibri"/>
-              </a:rPr>
-              <a:t>Sixth Outline Level</a:t>
-            </a:r>
-            <a:endParaRPr b="0" lang="en-US" sz="3200" strike="noStrike" u="none">
-              <a:solidFill>
-                <a:schemeClr val="dk1"/>
-              </a:solidFill>
-              <a:effectLst/>
-              <a:uFillTx/>
-              <a:latin typeface="Calibri"/>
-            </a:endParaRPr>
-          </a:p>
-          <a:p>
-            <a:pPr lvl="6" marL="3024000" indent="-216000">
-              <a:spcBef>
-                <a:spcPts val="283"/>
-              </a:spcBef>
-              <a:buClr>
-                <a:srgbClr val="000000"/>
-              </a:buClr>
-              <a:buSzPct val="45000"/>
-              <a:buFont typeface="Wingdings" charset="2"/>
-              <a:buChar char=""/>
-            </a:pPr>
-            <a:r>
-              <a:rPr b="0" lang="en-US" sz="3200" strike="noStrike" u="none">
-                <a:solidFill>
-                  <a:schemeClr val="dk1"/>
-                </a:solidFill>
-                <a:effectLst/>
-                <a:uFillTx/>
-                <a:latin typeface="Calibri"/>
-              </a:rPr>
-              <a:t>Seventh Outline Level</a:t>
-            </a:r>
-            <a:endParaRPr b="0" lang="en-US" sz="3200" strike="noStrike" u="none">
-              <a:solidFill>
-                <a:schemeClr val="dk1"/>
-              </a:solidFill>
-              <a:effectLst/>
-              <a:uFillTx/>
-              <a:latin typeface="Calibri"/>
-            </a:endParaRPr>
-          </a:p>
-        </p:txBody>
-      </p:sp>
-      <p:sp>
-        <p:nvSpPr>
-          <p:cNvPr id="56" name="PlaceHolder 3"/>
-          <p:cNvSpPr>
-            <a:spLocks noGrp="1"/>
-          </p:cNvSpPr>
-          <p:nvPr>
-            <p:ph type="body"/>
-          </p:nvPr>
-        </p:nvSpPr>
-        <p:spPr>
-          <a:xfrm>
-            <a:off x="1792440" y="5367240"/>
-            <a:ext cx="5486040" cy="804600"/>
-          </a:xfrm>
-          <a:prstGeom prst="rect">
-            <a:avLst/>
-          </a:prstGeom>
-          <a:noFill/>
-          <a:ln w="0">
-            <a:noFill/>
-          </a:ln>
-        </p:spPr>
-        <p:txBody>
-          <a:bodyPr lIns="91440" rIns="91440" tIns="45720" bIns="45720" anchor="t">
-            <a:noAutofit/>
-          </a:bodyPr>
-          <a:p>
-            <a:pPr indent="0" defTabSz="457200">
-              <a:lnSpc>
-                <a:spcPct val="100000"/>
-              </a:lnSpc>
-              <a:spcBef>
-                <a:spcPts val="281"/>
-              </a:spcBef>
-              <a:buNone/>
-              <a:tabLst>
-                <a:tab algn="l" pos="0"/>
-              </a:tabLst>
-            </a:pPr>
-            <a:r>
-              <a:rPr b="0" lang="en-US" sz="1400" strike="noStrike" u="none">
-                <a:solidFill>
-                  <a:schemeClr val="dk1"/>
-                </a:solidFill>
-                <a:effectLst/>
-                <a:uFillTx/>
-                <a:latin typeface="Calibri"/>
-              </a:rPr>
-              <a:t>Click to edit Master text styles</a:t>
-            </a:r>
-            <a:endParaRPr b="0" lang="en-US" sz="1400" strike="noStrike" u="none">
-              <a:solidFill>
-                <a:schemeClr val="dk1"/>
-              </a:solidFill>
-              <a:effectLst/>
-              <a:uFillTx/>
-              <a:latin typeface="Calibri"/>
-            </a:endParaRPr>
-          </a:p>
-        </p:txBody>
-      </p:sp>
-      <p:sp>
-        <p:nvSpPr>
-          <p:cNvPr id="57" name="PlaceHolder 4"/>
+          <p:cNvPr id="57" name="PlaceHolder 2"/>
           <p:cNvSpPr>
             <a:spLocks noGrp="1"/>
           </p:cNvSpPr>
@@ -1549,7 +1573,7 @@
         <p:spPr>
           <a:xfrm>
             <a:off x="457200" y="6356520"/>
-            <a:ext cx="2133360" cy="364680"/>
+            <a:ext cx="2133000" cy="364320"/>
           </a:xfrm>
           <a:prstGeom prst="rect">
             <a:avLst/>
@@ -1569,6 +1593,9 @@
                 <a:spcPct val="100000"/>
               </a:lnSpc>
               <a:buNone/>
+              <a:tabLst>
+                <a:tab algn="l" pos="0"/>
+              </a:tabLst>
               <a:defRPr b="0" lang="en-US" sz="1200" strike="noStrike" u="none">
                 <a:solidFill>
                   <a:schemeClr val="dk1">
@@ -1587,6 +1614,9 @@
                 <a:spcPct val="100000"/>
               </a:lnSpc>
               <a:buNone/>
+              <a:tabLst>
+                <a:tab algn="l" pos="0"/>
+              </a:tabLst>
             </a:pPr>
             <a:r>
               <a:rPr b="0" lang="en-US" sz="1200" strike="noStrike" u="none">
@@ -1614,7 +1644,7 @@
       </p:sp>
       <p:sp>
         <p:nvSpPr>
-          <p:cNvPr id="58" name="PlaceHolder 5"/>
+          <p:cNvPr id="58" name="PlaceHolder 3"/>
           <p:cNvSpPr>
             <a:spLocks noGrp="1"/>
           </p:cNvSpPr>
@@ -1625,7 +1655,7 @@
         <p:spPr>
           <a:xfrm>
             <a:off x="3124080" y="6356520"/>
-            <a:ext cx="2895120" cy="364680"/>
+            <a:ext cx="2894760" cy="364320"/>
           </a:xfrm>
           <a:prstGeom prst="rect">
             <a:avLst/>
@@ -1641,7 +1671,13 @@
           </a:bodyPr>
           <a:lstStyle>
             <a:lvl1pPr indent="0" algn="ctr">
-              <a:buNone/>
+              <a:lnSpc>
+                <a:spcPct val="100000"/>
+              </a:lnSpc>
+              <a:buNone/>
+              <a:tabLst>
+                <a:tab algn="l" pos="0"/>
+              </a:tabLst>
               <a:defRPr b="0" lang="en-GB" sz="1400" strike="noStrike" u="none">
                 <a:solidFill>
                   <a:srgbClr val="000000"/>
@@ -1654,7 +1690,13 @@
           </a:lstStyle>
           <a:p>
             <a:pPr indent="0" algn="ctr">
-              <a:buNone/>
+              <a:lnSpc>
+                <a:spcPct val="100000"/>
+              </a:lnSpc>
+              <a:buNone/>
+              <a:tabLst>
+                <a:tab algn="l" pos="0"/>
+              </a:tabLst>
             </a:pPr>
             <a:r>
               <a:rPr b="0" lang="en-GB" sz="1400" strike="noStrike" u="none">
@@ -1680,7 +1722,7 @@
       </p:sp>
       <p:sp>
         <p:nvSpPr>
-          <p:cNvPr id="59" name="PlaceHolder 6"/>
+          <p:cNvPr id="59" name="PlaceHolder 4"/>
           <p:cNvSpPr>
             <a:spLocks noGrp="1"/>
           </p:cNvSpPr>
@@ -1691,7 +1733,7 @@
         <p:spPr>
           <a:xfrm>
             <a:off x="6553080" y="6356520"/>
-            <a:ext cx="2133360" cy="364680"/>
+            <a:ext cx="2133000" cy="364320"/>
           </a:xfrm>
           <a:prstGeom prst="rect">
             <a:avLst/>
@@ -1711,6 +1753,9 @@
                 <a:spcPct val="100000"/>
               </a:lnSpc>
               <a:buNone/>
+              <a:tabLst>
+                <a:tab algn="l" pos="0"/>
+              </a:tabLst>
               <a:defRPr b="0" lang="en-US" sz="1200" strike="noStrike" u="none">
                 <a:solidFill>
                   <a:schemeClr val="dk1">
@@ -1729,8 +1774,11 @@
                 <a:spcPct val="100000"/>
               </a:lnSpc>
               <a:buNone/>
-            </a:pPr>
-            <a:fld id="{B15683BB-820C-46FC-87E7-6E90EDCB9D8F}" type="slidenum">
+              <a:tabLst>
+                <a:tab algn="l" pos="0"/>
+              </a:tabLst>
+            </a:pPr>
+            <a:fld id="{BFD63D0A-6FD1-4ACF-BA1D-F2E82EFB055B}" type="slidenum">
               <a:rPr b="0" lang="en-US" sz="1200" strike="noStrike" u="none">
                 <a:solidFill>
                   <a:schemeClr val="dk1">
@@ -1760,8 +1808,8 @@
 </file>
 
 <file path=ppt/slideLayouts/slideLayout2.xml><?xml version="1.0" encoding="utf-8"?>
-<p:sldLayout xmlns:a="http://schemas.openxmlformats.org/drawingml/2006/main" xmlns:p="http://schemas.openxmlformats.org/presentationml/2006/main" xmlns:r="http://schemas.openxmlformats.org/officeDocument/2006/relationships" xmlns:p14="http://schemas.microsoft.com/office/powerpoint/2010/main" xmlns:p15="http://schemas.microsoft.com/office/powerpoint/2012/main" xmlns:mc="http://schemas.openxmlformats.org/markup-compatibility/2006" type="vertTx" preserve="1">
-  <p:cSld name="Title and Vertical Text">
+<p:sldLayout xmlns:a="http://schemas.openxmlformats.org/drawingml/2006/main" xmlns:p="http://schemas.openxmlformats.org/presentationml/2006/main" xmlns:r="http://schemas.openxmlformats.org/officeDocument/2006/relationships" xmlns:p14="http://schemas.microsoft.com/office/powerpoint/2010/main" xmlns:p15="http://schemas.microsoft.com/office/powerpoint/2012/main" xmlns:mc="http://schemas.openxmlformats.org/markup-compatibility/2006" type="blank" preserve="1">
+  <p:cSld name="Content with Caption">
     <p:bg>
       <p:bgPr>
         <a:solidFill>
@@ -1795,8 +1843,8 @@
         </p:nvSpPr>
         <p:spPr>
           <a:xfrm>
-            <a:off x="457200" y="274680"/>
-            <a:ext cx="8229240" cy="1142640"/>
+            <a:off x="457200" y="272880"/>
+            <a:ext cx="3007440" cy="1161360"/>
           </a:xfrm>
           <a:prstGeom prst="rect">
             <a:avLst/>
@@ -1807,18 +1855,21 @@
           </a:ln>
         </p:spPr>
         <p:txBody>
-          <a:bodyPr lIns="91440" rIns="91440" tIns="45720" bIns="45720" anchor="ctr">
+          <a:bodyPr lIns="91440" rIns="91440" tIns="45720" bIns="45720" anchor="b">
             <a:noAutofit/>
           </a:bodyPr>
           <a:p>
-            <a:pPr indent="0" algn="ctr" defTabSz="457200">
-              <a:lnSpc>
-                <a:spcPct val="100000"/>
-              </a:lnSpc>
-              <a:buNone/>
-            </a:pPr>
-            <a:r>
-              <a:rPr b="0" lang="en-US" sz="4400" strike="noStrike" u="none">
+            <a:pPr indent="0" defTabSz="457200">
+              <a:lnSpc>
+                <a:spcPct val="100000"/>
+              </a:lnSpc>
+              <a:buNone/>
+              <a:tabLst>
+                <a:tab algn="l" pos="0"/>
+              </a:tabLst>
+            </a:pPr>
+            <a:r>
+              <a:rPr b="1" lang="en-US" sz="2000" strike="noStrike" u="none">
                 <a:solidFill>
                   <a:schemeClr val="dk1"/>
                 </a:solidFill>
@@ -1828,13 +1879,13 @@
               </a:rPr>
               <a:t>Click to edit Master title style</a:t>
             </a:r>
-            <a:endParaRPr b="0" lang="en-US" sz="4400" strike="noStrike" u="none">
-              <a:solidFill>
-                <a:schemeClr val="dk1"/>
-              </a:solidFill>
-              <a:effectLst/>
-              <a:uFillTx/>
-              <a:latin typeface="Calibri"/>
+            <a:endParaRPr b="0" lang="en-GB" sz="2000" strike="noStrike" u="none">
+              <a:solidFill>
+                <a:srgbClr val="000000"/>
+              </a:solidFill>
+              <a:effectLst/>
+              <a:uFillTx/>
+              <a:latin typeface="Arial"/>
             </a:endParaRPr>
           </a:p>
         </p:txBody>
@@ -1851,8 +1902,8 @@
         </p:nvSpPr>
         <p:spPr>
           <a:xfrm>
-            <a:off x="457200" y="1600200"/>
-            <a:ext cx="8229240" cy="4525560"/>
+            <a:off x="3575160" y="272880"/>
+            <a:ext cx="5110920" cy="5852520"/>
           </a:xfrm>
           <a:prstGeom prst="rect">
             <a:avLst/>
@@ -1863,7 +1914,7 @@
           </a:ln>
         </p:spPr>
         <p:txBody>
-          <a:bodyPr lIns="91440" rIns="91440" tIns="45720" bIns="45720" anchor="t" vert="eaVert">
+          <a:bodyPr lIns="91440" rIns="91440" tIns="45720" bIns="45720" anchor="t">
             <a:noAutofit/>
           </a:bodyPr>
           <a:p>
@@ -1891,13 +1942,13 @@
               </a:rPr>
               <a:t>Click to edit Master text styles</a:t>
             </a:r>
-            <a:endParaRPr b="0" lang="en-US" sz="3200" strike="noStrike" u="none">
-              <a:solidFill>
-                <a:schemeClr val="dk1"/>
-              </a:solidFill>
-              <a:effectLst/>
-              <a:uFillTx/>
-              <a:latin typeface="Calibri"/>
+            <a:endParaRPr b="0" lang="en-GB" sz="3200" strike="noStrike" u="none">
+              <a:solidFill>
+                <a:srgbClr val="000000"/>
+              </a:solidFill>
+              <a:effectLst/>
+              <a:uFillTx/>
+              <a:latin typeface="Arial"/>
             </a:endParaRPr>
           </a:p>
           <a:p>
@@ -1925,13 +1976,13 @@
               </a:rPr>
               <a:t>Second level</a:t>
             </a:r>
-            <a:endParaRPr b="0" lang="en-US" sz="2800" strike="noStrike" u="none">
-              <a:solidFill>
-                <a:schemeClr val="dk1"/>
-              </a:solidFill>
-              <a:effectLst/>
-              <a:uFillTx/>
-              <a:latin typeface="Calibri"/>
+            <a:endParaRPr b="0" lang="en-GB" sz="2800" strike="noStrike" u="none">
+              <a:solidFill>
+                <a:srgbClr val="000000"/>
+              </a:solidFill>
+              <a:effectLst/>
+              <a:uFillTx/>
+              <a:latin typeface="Arial"/>
             </a:endParaRPr>
           </a:p>
           <a:p>
@@ -1959,13 +2010,13 @@
               </a:rPr>
               <a:t>Third level</a:t>
             </a:r>
-            <a:endParaRPr b="0" lang="en-US" sz="2400" strike="noStrike" u="none">
-              <a:solidFill>
-                <a:schemeClr val="dk1"/>
-              </a:solidFill>
-              <a:effectLst/>
-              <a:uFillTx/>
-              <a:latin typeface="Calibri"/>
+            <a:endParaRPr b="0" lang="en-GB" sz="2400" strike="noStrike" u="none">
+              <a:solidFill>
+                <a:srgbClr val="000000"/>
+              </a:solidFill>
+              <a:effectLst/>
+              <a:uFillTx/>
+              <a:latin typeface="Arial"/>
             </a:endParaRPr>
           </a:p>
           <a:p>
@@ -1993,13 +2044,13 @@
               </a:rPr>
               <a:t>Fourth level</a:t>
             </a:r>
-            <a:endParaRPr b="0" lang="en-US" sz="2000" strike="noStrike" u="none">
-              <a:solidFill>
-                <a:schemeClr val="dk1"/>
-              </a:solidFill>
-              <a:effectLst/>
-              <a:uFillTx/>
-              <a:latin typeface="Calibri"/>
+            <a:endParaRPr b="0" lang="en-GB" sz="2000" strike="noStrike" u="none">
+              <a:solidFill>
+                <a:srgbClr val="000000"/>
+              </a:solidFill>
+              <a:effectLst/>
+              <a:uFillTx/>
+              <a:latin typeface="Arial"/>
             </a:endParaRPr>
           </a:p>
           <a:p>
@@ -2027,13 +2078,13 @@
               </a:rPr>
               <a:t>Fifth level</a:t>
             </a:r>
-            <a:endParaRPr b="0" lang="en-US" sz="2000" strike="noStrike" u="none">
-              <a:solidFill>
-                <a:schemeClr val="dk1"/>
-              </a:solidFill>
-              <a:effectLst/>
-              <a:uFillTx/>
-              <a:latin typeface="Calibri"/>
+            <a:endParaRPr b="0" lang="en-GB" sz="2000" strike="noStrike" u="none">
+              <a:solidFill>
+                <a:srgbClr val="000000"/>
+              </a:solidFill>
+              <a:effectLst/>
+              <a:uFillTx/>
+              <a:latin typeface="Arial"/>
             </a:endParaRPr>
           </a:p>
         </p:txBody>
@@ -2041,6 +2092,68 @@
       <p:sp>
         <p:nvSpPr>
           <p:cNvPr id="7" name="PlaceHolder 3"/>
+          <p:cNvSpPr>
+            <a:spLocks noGrp="1"/>
+          </p:cNvSpPr>
+          <p:nvPr>
+            <p:ph type="body"/>
+          </p:nvPr>
+        </p:nvSpPr>
+        <p:spPr>
+          <a:xfrm>
+            <a:off x="457200" y="1434960"/>
+            <a:ext cx="3007440" cy="4690440"/>
+          </a:xfrm>
+          <a:prstGeom prst="rect">
+            <a:avLst/>
+          </a:prstGeom>
+          <a:noFill/>
+          <a:ln w="0">
+            <a:noFill/>
+          </a:ln>
+        </p:spPr>
+        <p:txBody>
+          <a:bodyPr lIns="91440" rIns="91440" tIns="45720" bIns="45720" anchor="t">
+            <a:noAutofit/>
+          </a:bodyPr>
+          <a:p>
+            <a:pPr indent="0" defTabSz="457200">
+              <a:lnSpc>
+                <a:spcPct val="100000"/>
+              </a:lnSpc>
+              <a:spcBef>
+                <a:spcPts val="281"/>
+              </a:spcBef>
+              <a:buNone/>
+              <a:tabLst>
+                <a:tab algn="l" pos="0"/>
+              </a:tabLst>
+            </a:pPr>
+            <a:r>
+              <a:rPr b="0" lang="en-US" sz="1400" strike="noStrike" u="none">
+                <a:solidFill>
+                  <a:schemeClr val="dk1"/>
+                </a:solidFill>
+                <a:effectLst/>
+                <a:uFillTx/>
+                <a:latin typeface="Calibri"/>
+              </a:rPr>
+              <a:t>Click to edit Master text styles</a:t>
+            </a:r>
+            <a:endParaRPr b="0" lang="en-GB" sz="1400" strike="noStrike" u="none">
+              <a:solidFill>
+                <a:srgbClr val="000000"/>
+              </a:solidFill>
+              <a:effectLst/>
+              <a:uFillTx/>
+              <a:latin typeface="Arial"/>
+            </a:endParaRPr>
+          </a:p>
+        </p:txBody>
+      </p:sp>
+      <p:sp>
+        <p:nvSpPr>
+          <p:cNvPr id="8" name="PlaceHolder 4"/>
           <p:cNvSpPr>
             <a:spLocks noGrp="1"/>
           </p:cNvSpPr>
@@ -2051,7 +2164,7 @@
         <p:spPr>
           <a:xfrm>
             <a:off x="457200" y="6356520"/>
-            <a:ext cx="2133360" cy="364680"/>
+            <a:ext cx="2133000" cy="364320"/>
           </a:xfrm>
           <a:prstGeom prst="rect">
             <a:avLst/>
@@ -2071,6 +2184,9 @@
                 <a:spcPct val="100000"/>
               </a:lnSpc>
               <a:buNone/>
+              <a:tabLst>
+                <a:tab algn="l" pos="0"/>
+              </a:tabLst>
               <a:defRPr b="0" lang="en-US" sz="1200" strike="noStrike" u="none">
                 <a:solidFill>
                   <a:schemeClr val="dk1">
@@ -2089,6 +2205,9 @@
                 <a:spcPct val="100000"/>
               </a:lnSpc>
               <a:buNone/>
+              <a:tabLst>
+                <a:tab algn="l" pos="0"/>
+              </a:tabLst>
             </a:pPr>
             <a:r>
               <a:rPr b="0" lang="en-US" sz="1200" strike="noStrike" u="none">
@@ -2116,7 +2235,7 @@
       </p:sp>
       <p:sp>
         <p:nvSpPr>
-          <p:cNvPr id="8" name="PlaceHolder 4"/>
+          <p:cNvPr id="9" name="PlaceHolder 5"/>
           <p:cNvSpPr>
             <a:spLocks noGrp="1"/>
           </p:cNvSpPr>
@@ -2127,7 +2246,7 @@
         <p:spPr>
           <a:xfrm>
             <a:off x="3124080" y="6356520"/>
-            <a:ext cx="2895120" cy="364680"/>
+            <a:ext cx="2894760" cy="364320"/>
           </a:xfrm>
           <a:prstGeom prst="rect">
             <a:avLst/>
@@ -2143,7 +2262,13 @@
           </a:bodyPr>
           <a:lstStyle>
             <a:lvl1pPr indent="0" algn="ctr">
-              <a:buNone/>
+              <a:lnSpc>
+                <a:spcPct val="100000"/>
+              </a:lnSpc>
+              <a:buNone/>
+              <a:tabLst>
+                <a:tab algn="l" pos="0"/>
+              </a:tabLst>
               <a:defRPr b="0" lang="en-GB" sz="1400" strike="noStrike" u="none">
                 <a:solidFill>
                   <a:srgbClr val="000000"/>
@@ -2156,7 +2281,13 @@
           </a:lstStyle>
           <a:p>
             <a:pPr indent="0" algn="ctr">
-              <a:buNone/>
+              <a:lnSpc>
+                <a:spcPct val="100000"/>
+              </a:lnSpc>
+              <a:buNone/>
+              <a:tabLst>
+                <a:tab algn="l" pos="0"/>
+              </a:tabLst>
             </a:pPr>
             <a:r>
               <a:rPr b="0" lang="en-GB" sz="1400" strike="noStrike" u="none">
@@ -2182,7 +2313,7 @@
       </p:sp>
       <p:sp>
         <p:nvSpPr>
-          <p:cNvPr id="9" name="PlaceHolder 5"/>
+          <p:cNvPr id="10" name="PlaceHolder 6"/>
           <p:cNvSpPr>
             <a:spLocks noGrp="1"/>
           </p:cNvSpPr>
@@ -2193,7 +2324,7 @@
         <p:spPr>
           <a:xfrm>
             <a:off x="6553080" y="6356520"/>
-            <a:ext cx="2133360" cy="364680"/>
+            <a:ext cx="2133000" cy="364320"/>
           </a:xfrm>
           <a:prstGeom prst="rect">
             <a:avLst/>
@@ -2213,6 +2344,9 @@
                 <a:spcPct val="100000"/>
               </a:lnSpc>
               <a:buNone/>
+              <a:tabLst>
+                <a:tab algn="l" pos="0"/>
+              </a:tabLst>
               <a:defRPr b="0" lang="en-US" sz="1200" strike="noStrike" u="none">
                 <a:solidFill>
                   <a:schemeClr val="dk1">
@@ -2231,8 +2365,11 @@
                 <a:spcPct val="100000"/>
               </a:lnSpc>
               <a:buNone/>
-            </a:pPr>
-            <a:fld id="{E9D200CB-3C38-4760-A023-B3127C7180D0}" type="slidenum">
+              <a:tabLst>
+                <a:tab algn="l" pos="0"/>
+              </a:tabLst>
+            </a:pPr>
+            <a:fld id="{7869661C-228A-4CC7-8D97-B0E1BF13050D}" type="slidenum">
               <a:rPr b="0" lang="en-US" sz="1200" strike="noStrike" u="none">
                 <a:solidFill>
                   <a:schemeClr val="dk1">
@@ -2262,6 +2399,1805 @@
 </file>
 
 <file path=ppt/slideLayouts/slideLayout3.xml><?xml version="1.0" encoding="utf-8"?>
+<p:sldLayout xmlns:a="http://schemas.openxmlformats.org/drawingml/2006/main" xmlns:p="http://schemas.openxmlformats.org/presentationml/2006/main" xmlns:r="http://schemas.openxmlformats.org/officeDocument/2006/relationships" xmlns:p14="http://schemas.microsoft.com/office/powerpoint/2010/main" xmlns:p15="http://schemas.microsoft.com/office/powerpoint/2012/main" xmlns:mc="http://schemas.openxmlformats.org/markup-compatibility/2006" type="blank" preserve="1">
+  <p:cSld name="Picture with Caption">
+    <p:bg>
+      <p:bgPr>
+        <a:solidFill>
+          <a:srgbClr val="ffffff"/>
+        </a:solidFill>
+      </p:bgPr>
+    </p:bg>
+    <p:spTree>
+      <p:nvGrpSpPr>
+        <p:cNvPr id="1" name=""/>
+        <p:cNvGrpSpPr/>
+        <p:nvPr/>
+      </p:nvGrpSpPr>
+      <p:grpSpPr>
+        <a:xfrm>
+          <a:off x="0" y="0"/>
+          <a:ext cx="0" cy="0"/>
+          <a:chOff x="0" y="0"/>
+          <a:chExt cx="0" cy="0"/>
+        </a:xfrm>
+      </p:grpSpPr>
+      <p:sp>
+        <p:nvSpPr>
+          <p:cNvPr id="11" name="PlaceHolder 1"/>
+          <p:cNvSpPr>
+            <a:spLocks noGrp="1"/>
+          </p:cNvSpPr>
+          <p:nvPr>
+            <p:ph type="title"/>
+          </p:nvPr>
+        </p:nvSpPr>
+        <p:spPr>
+          <a:xfrm>
+            <a:off x="1792440" y="4800600"/>
+            <a:ext cx="5485680" cy="565920"/>
+          </a:xfrm>
+          <a:prstGeom prst="rect">
+            <a:avLst/>
+          </a:prstGeom>
+          <a:noFill/>
+          <a:ln w="0">
+            <a:noFill/>
+          </a:ln>
+        </p:spPr>
+        <p:txBody>
+          <a:bodyPr lIns="91440" rIns="91440" tIns="45720" bIns="45720" anchor="b">
+            <a:noAutofit/>
+          </a:bodyPr>
+          <a:p>
+            <a:pPr indent="0" defTabSz="457200">
+              <a:lnSpc>
+                <a:spcPct val="100000"/>
+              </a:lnSpc>
+              <a:buNone/>
+              <a:tabLst>
+                <a:tab algn="l" pos="0"/>
+              </a:tabLst>
+            </a:pPr>
+            <a:r>
+              <a:rPr b="1" lang="en-US" sz="2000" strike="noStrike" u="none">
+                <a:solidFill>
+                  <a:schemeClr val="dk1"/>
+                </a:solidFill>
+                <a:effectLst/>
+                <a:uFillTx/>
+                <a:latin typeface="Calibri"/>
+              </a:rPr>
+              <a:t>Click to edit Master title style</a:t>
+            </a:r>
+            <a:endParaRPr b="0" lang="en-GB" sz="2000" strike="noStrike" u="none">
+              <a:solidFill>
+                <a:srgbClr val="000000"/>
+              </a:solidFill>
+              <a:effectLst/>
+              <a:uFillTx/>
+              <a:latin typeface="Arial"/>
+            </a:endParaRPr>
+          </a:p>
+        </p:txBody>
+      </p:sp>
+      <p:sp>
+        <p:nvSpPr>
+          <p:cNvPr id="12" name="PlaceHolder 2"/>
+          <p:cNvSpPr>
+            <a:spLocks noGrp="1"/>
+          </p:cNvSpPr>
+          <p:nvPr>
+            <p:ph type="body"/>
+          </p:nvPr>
+        </p:nvSpPr>
+        <p:spPr>
+          <a:xfrm>
+            <a:off x="1792440" y="612720"/>
+            <a:ext cx="5485680" cy="4114080"/>
+          </a:xfrm>
+          <a:prstGeom prst="rect">
+            <a:avLst/>
+          </a:prstGeom>
+          <a:noFill/>
+          <a:ln w="0">
+            <a:noFill/>
+          </a:ln>
+        </p:spPr>
+        <p:txBody>
+          <a:bodyPr lIns="90000" rIns="90000" tIns="45000" bIns="45000" anchor="t">
+            <a:noAutofit/>
+          </a:bodyPr>
+          <a:p>
+            <a:pPr marL="432000" indent="-324000">
+              <a:lnSpc>
+                <a:spcPct val="100000"/>
+              </a:lnSpc>
+              <a:spcBef>
+                <a:spcPts val="1417"/>
+              </a:spcBef>
+              <a:buClr>
+                <a:srgbClr val="000000"/>
+              </a:buClr>
+              <a:buSzPct val="45000"/>
+              <a:buFont typeface="Wingdings" charset="2"/>
+              <a:buChar char=""/>
+            </a:pPr>
+            <a:r>
+              <a:rPr b="0" lang="en-US" sz="3200" strike="noStrike" u="none">
+                <a:solidFill>
+                  <a:schemeClr val="dk1"/>
+                </a:solidFill>
+                <a:effectLst/>
+                <a:uFillTx/>
+                <a:latin typeface="Calibri"/>
+              </a:rPr>
+              <a:t>Click to edit the outline text format</a:t>
+            </a:r>
+            <a:endParaRPr b="0" lang="en-GB" sz="3200" strike="noStrike" u="none">
+              <a:solidFill>
+                <a:srgbClr val="000000"/>
+              </a:solidFill>
+              <a:effectLst/>
+              <a:uFillTx/>
+              <a:latin typeface="Arial"/>
+            </a:endParaRPr>
+          </a:p>
+          <a:p>
+            <a:pPr lvl="1" marL="864000" indent="-324000">
+              <a:lnSpc>
+                <a:spcPct val="100000"/>
+              </a:lnSpc>
+              <a:spcBef>
+                <a:spcPts val="1134"/>
+              </a:spcBef>
+              <a:buClr>
+                <a:srgbClr val="000000"/>
+              </a:buClr>
+              <a:buSzPct val="75000"/>
+              <a:buFont typeface="Symbol" charset="2"/>
+              <a:buChar char=""/>
+            </a:pPr>
+            <a:r>
+              <a:rPr b="0" lang="en-US" sz="3200" strike="noStrike" u="none">
+                <a:solidFill>
+                  <a:schemeClr val="dk1"/>
+                </a:solidFill>
+                <a:effectLst/>
+                <a:uFillTx/>
+                <a:latin typeface="Calibri"/>
+              </a:rPr>
+              <a:t>Second Outline Level</a:t>
+            </a:r>
+            <a:endParaRPr b="0" lang="en-GB" sz="3200" strike="noStrike" u="none">
+              <a:solidFill>
+                <a:srgbClr val="000000"/>
+              </a:solidFill>
+              <a:effectLst/>
+              <a:uFillTx/>
+              <a:latin typeface="Arial"/>
+            </a:endParaRPr>
+          </a:p>
+          <a:p>
+            <a:pPr lvl="2" marL="1296000" indent="-288000">
+              <a:lnSpc>
+                <a:spcPct val="100000"/>
+              </a:lnSpc>
+              <a:spcBef>
+                <a:spcPts val="850"/>
+              </a:spcBef>
+              <a:buClr>
+                <a:srgbClr val="000000"/>
+              </a:buClr>
+              <a:buSzPct val="45000"/>
+              <a:buFont typeface="Wingdings" charset="2"/>
+              <a:buChar char=""/>
+            </a:pPr>
+            <a:r>
+              <a:rPr b="0" lang="en-US" sz="3200" strike="noStrike" u="none">
+                <a:solidFill>
+                  <a:schemeClr val="dk1"/>
+                </a:solidFill>
+                <a:effectLst/>
+                <a:uFillTx/>
+                <a:latin typeface="Calibri"/>
+              </a:rPr>
+              <a:t>Third Outline Level</a:t>
+            </a:r>
+            <a:endParaRPr b="0" lang="en-GB" sz="3200" strike="noStrike" u="none">
+              <a:solidFill>
+                <a:srgbClr val="000000"/>
+              </a:solidFill>
+              <a:effectLst/>
+              <a:uFillTx/>
+              <a:latin typeface="Arial"/>
+            </a:endParaRPr>
+          </a:p>
+          <a:p>
+            <a:pPr lvl="3" marL="1728000" indent="-216000">
+              <a:lnSpc>
+                <a:spcPct val="100000"/>
+              </a:lnSpc>
+              <a:spcBef>
+                <a:spcPts val="567"/>
+              </a:spcBef>
+              <a:buClr>
+                <a:srgbClr val="000000"/>
+              </a:buClr>
+              <a:buSzPct val="75000"/>
+              <a:buFont typeface="Symbol" charset="2"/>
+              <a:buChar char=""/>
+            </a:pPr>
+            <a:r>
+              <a:rPr b="0" lang="en-US" sz="3200" strike="noStrike" u="none">
+                <a:solidFill>
+                  <a:schemeClr val="dk1"/>
+                </a:solidFill>
+                <a:effectLst/>
+                <a:uFillTx/>
+                <a:latin typeface="Calibri"/>
+              </a:rPr>
+              <a:t>Fourth Outline Level</a:t>
+            </a:r>
+            <a:endParaRPr b="0" lang="en-GB" sz="3200" strike="noStrike" u="none">
+              <a:solidFill>
+                <a:srgbClr val="000000"/>
+              </a:solidFill>
+              <a:effectLst/>
+              <a:uFillTx/>
+              <a:latin typeface="Arial"/>
+            </a:endParaRPr>
+          </a:p>
+          <a:p>
+            <a:pPr lvl="4" marL="2160000" indent="-216000">
+              <a:lnSpc>
+                <a:spcPct val="100000"/>
+              </a:lnSpc>
+              <a:spcBef>
+                <a:spcPts val="283"/>
+              </a:spcBef>
+              <a:buClr>
+                <a:srgbClr val="000000"/>
+              </a:buClr>
+              <a:buSzPct val="45000"/>
+              <a:buFont typeface="Wingdings" charset="2"/>
+              <a:buChar char=""/>
+            </a:pPr>
+            <a:r>
+              <a:rPr b="0" lang="en-US" sz="3200" strike="noStrike" u="none">
+                <a:solidFill>
+                  <a:schemeClr val="dk1"/>
+                </a:solidFill>
+                <a:effectLst/>
+                <a:uFillTx/>
+                <a:latin typeface="Calibri"/>
+              </a:rPr>
+              <a:t>Fifth Outline Level</a:t>
+            </a:r>
+            <a:endParaRPr b="0" lang="en-GB" sz="3200" strike="noStrike" u="none">
+              <a:solidFill>
+                <a:srgbClr val="000000"/>
+              </a:solidFill>
+              <a:effectLst/>
+              <a:uFillTx/>
+              <a:latin typeface="Arial"/>
+            </a:endParaRPr>
+          </a:p>
+          <a:p>
+            <a:pPr lvl="5" marL="2592000" indent="-216000">
+              <a:lnSpc>
+                <a:spcPct val="100000"/>
+              </a:lnSpc>
+              <a:spcBef>
+                <a:spcPts val="283"/>
+              </a:spcBef>
+              <a:buClr>
+                <a:srgbClr val="000000"/>
+              </a:buClr>
+              <a:buSzPct val="45000"/>
+              <a:buFont typeface="Wingdings" charset="2"/>
+              <a:buChar char=""/>
+            </a:pPr>
+            <a:r>
+              <a:rPr b="0" lang="en-US" sz="3200" strike="noStrike" u="none">
+                <a:solidFill>
+                  <a:schemeClr val="dk1"/>
+                </a:solidFill>
+                <a:effectLst/>
+                <a:uFillTx/>
+                <a:latin typeface="Calibri"/>
+              </a:rPr>
+              <a:t>Sixth Outline Level</a:t>
+            </a:r>
+            <a:endParaRPr b="0" lang="en-GB" sz="3200" strike="noStrike" u="none">
+              <a:solidFill>
+                <a:srgbClr val="000000"/>
+              </a:solidFill>
+              <a:effectLst/>
+              <a:uFillTx/>
+              <a:latin typeface="Arial"/>
+            </a:endParaRPr>
+          </a:p>
+          <a:p>
+            <a:pPr lvl="6" marL="3024000" indent="-216000">
+              <a:lnSpc>
+                <a:spcPct val="100000"/>
+              </a:lnSpc>
+              <a:spcBef>
+                <a:spcPts val="283"/>
+              </a:spcBef>
+              <a:buClr>
+                <a:srgbClr val="000000"/>
+              </a:buClr>
+              <a:buSzPct val="45000"/>
+              <a:buFont typeface="Wingdings" charset="2"/>
+              <a:buChar char=""/>
+            </a:pPr>
+            <a:r>
+              <a:rPr b="0" lang="en-US" sz="3200" strike="noStrike" u="none">
+                <a:solidFill>
+                  <a:schemeClr val="dk1"/>
+                </a:solidFill>
+                <a:effectLst/>
+                <a:uFillTx/>
+                <a:latin typeface="Calibri"/>
+              </a:rPr>
+              <a:t>Seventh Outline Level</a:t>
+            </a:r>
+            <a:endParaRPr b="0" lang="en-GB" sz="3200" strike="noStrike" u="none">
+              <a:solidFill>
+                <a:srgbClr val="000000"/>
+              </a:solidFill>
+              <a:effectLst/>
+              <a:uFillTx/>
+              <a:latin typeface="Arial"/>
+            </a:endParaRPr>
+          </a:p>
+        </p:txBody>
+      </p:sp>
+      <p:sp>
+        <p:nvSpPr>
+          <p:cNvPr id="13" name="PlaceHolder 3"/>
+          <p:cNvSpPr>
+            <a:spLocks noGrp="1"/>
+          </p:cNvSpPr>
+          <p:nvPr>
+            <p:ph type="body"/>
+          </p:nvPr>
+        </p:nvSpPr>
+        <p:spPr>
+          <a:xfrm>
+            <a:off x="1792440" y="5367240"/>
+            <a:ext cx="5485680" cy="804240"/>
+          </a:xfrm>
+          <a:prstGeom prst="rect">
+            <a:avLst/>
+          </a:prstGeom>
+          <a:noFill/>
+          <a:ln w="0">
+            <a:noFill/>
+          </a:ln>
+        </p:spPr>
+        <p:txBody>
+          <a:bodyPr lIns="91440" rIns="91440" tIns="45720" bIns="45720" anchor="t">
+            <a:noAutofit/>
+          </a:bodyPr>
+          <a:p>
+            <a:pPr indent="0" defTabSz="457200">
+              <a:lnSpc>
+                <a:spcPct val="100000"/>
+              </a:lnSpc>
+              <a:spcBef>
+                <a:spcPts val="281"/>
+              </a:spcBef>
+              <a:buNone/>
+              <a:tabLst>
+                <a:tab algn="l" pos="0"/>
+              </a:tabLst>
+            </a:pPr>
+            <a:r>
+              <a:rPr b="0" lang="en-US" sz="1400" strike="noStrike" u="none">
+                <a:solidFill>
+                  <a:schemeClr val="dk1"/>
+                </a:solidFill>
+                <a:effectLst/>
+                <a:uFillTx/>
+                <a:latin typeface="Calibri"/>
+              </a:rPr>
+              <a:t>Click to edit Master text styles</a:t>
+            </a:r>
+            <a:endParaRPr b="0" lang="en-GB" sz="1400" strike="noStrike" u="none">
+              <a:solidFill>
+                <a:srgbClr val="000000"/>
+              </a:solidFill>
+              <a:effectLst/>
+              <a:uFillTx/>
+              <a:latin typeface="Arial"/>
+            </a:endParaRPr>
+          </a:p>
+        </p:txBody>
+      </p:sp>
+      <p:sp>
+        <p:nvSpPr>
+          <p:cNvPr id="14" name="PlaceHolder 4"/>
+          <p:cNvSpPr>
+            <a:spLocks noGrp="1"/>
+          </p:cNvSpPr>
+          <p:nvPr>
+            <p:ph type="dt" idx="7"/>
+          </p:nvPr>
+        </p:nvSpPr>
+        <p:spPr>
+          <a:xfrm>
+            <a:off x="457200" y="6356520"/>
+            <a:ext cx="2133000" cy="364320"/>
+          </a:xfrm>
+          <a:prstGeom prst="rect">
+            <a:avLst/>
+          </a:prstGeom>
+          <a:noFill/>
+          <a:ln w="0">
+            <a:noFill/>
+          </a:ln>
+        </p:spPr>
+        <p:txBody>
+          <a:bodyPr lIns="91440" rIns="91440" tIns="45720" bIns="45720" anchor="ctr">
+            <a:noAutofit/>
+          </a:bodyPr>
+          <a:lstStyle>
+            <a:lvl1pPr indent="0" defTabSz="457200">
+              <a:lnSpc>
+                <a:spcPct val="100000"/>
+              </a:lnSpc>
+              <a:buNone/>
+              <a:tabLst>
+                <a:tab algn="l" pos="0"/>
+              </a:tabLst>
+              <a:defRPr b="0" lang="en-US" sz="1200" strike="noStrike" u="none">
+                <a:solidFill>
+                  <a:schemeClr val="dk1">
+                    <a:tint val="75000"/>
+                  </a:schemeClr>
+                </a:solidFill>
+                <a:effectLst/>
+                <a:uFillTx/>
+                <a:latin typeface="Calibri"/>
+              </a:defRPr>
+            </a:lvl1pPr>
+          </a:lstStyle>
+          <a:p>
+            <a:pPr indent="0" defTabSz="457200">
+              <a:lnSpc>
+                <a:spcPct val="100000"/>
+              </a:lnSpc>
+              <a:buNone/>
+              <a:tabLst>
+                <a:tab algn="l" pos="0"/>
+              </a:tabLst>
+            </a:pPr>
+            <a:r>
+              <a:rPr b="0" lang="en-US" sz="1200" strike="noStrike" u="none">
+                <a:solidFill>
+                  <a:schemeClr val="dk1">
+                    <a:tint val="75000"/>
+                  </a:schemeClr>
+                </a:solidFill>
+                <a:effectLst/>
+                <a:uFillTx/>
+                <a:latin typeface="Calibri"/>
+              </a:rPr>
+              <a:t>&lt;date/time&gt;</a:t>
+            </a:r>
+            <a:endParaRPr b="0" lang="en-GB" sz="1200" strike="noStrike" u="none">
+              <a:solidFill>
+                <a:srgbClr val="000000"/>
+              </a:solidFill>
+              <a:effectLst/>
+              <a:uFillTx/>
+              <a:latin typeface="Times New Roman"/>
+            </a:endParaRPr>
+          </a:p>
+        </p:txBody>
+      </p:sp>
+      <p:sp>
+        <p:nvSpPr>
+          <p:cNvPr id="15" name="PlaceHolder 5"/>
+          <p:cNvSpPr>
+            <a:spLocks noGrp="1"/>
+          </p:cNvSpPr>
+          <p:nvPr>
+            <p:ph type="ftr" idx="8"/>
+          </p:nvPr>
+        </p:nvSpPr>
+        <p:spPr>
+          <a:xfrm>
+            <a:off x="3124080" y="6356520"/>
+            <a:ext cx="2894760" cy="364320"/>
+          </a:xfrm>
+          <a:prstGeom prst="rect">
+            <a:avLst/>
+          </a:prstGeom>
+          <a:noFill/>
+          <a:ln w="0">
+            <a:noFill/>
+          </a:ln>
+        </p:spPr>
+        <p:txBody>
+          <a:bodyPr lIns="91440" rIns="91440" tIns="45720" bIns="45720" anchor="ctr">
+            <a:noAutofit/>
+          </a:bodyPr>
+          <a:lstStyle>
+            <a:lvl1pPr indent="0" algn="ctr">
+              <a:lnSpc>
+                <a:spcPct val="100000"/>
+              </a:lnSpc>
+              <a:buNone/>
+              <a:tabLst>
+                <a:tab algn="l" pos="0"/>
+              </a:tabLst>
+              <a:defRPr b="0" lang="en-GB" sz="1400" strike="noStrike" u="none">
+                <a:solidFill>
+                  <a:srgbClr val="000000"/>
+                </a:solidFill>
+                <a:effectLst/>
+                <a:uFillTx/>
+                <a:latin typeface="Times New Roman"/>
+              </a:defRPr>
+            </a:lvl1pPr>
+          </a:lstStyle>
+          <a:p>
+            <a:pPr indent="0" algn="ctr">
+              <a:lnSpc>
+                <a:spcPct val="100000"/>
+              </a:lnSpc>
+              <a:buNone/>
+              <a:tabLst>
+                <a:tab algn="l" pos="0"/>
+              </a:tabLst>
+            </a:pPr>
+            <a:r>
+              <a:rPr b="0" lang="en-GB" sz="1400" strike="noStrike" u="none">
+                <a:solidFill>
+                  <a:srgbClr val="000000"/>
+                </a:solidFill>
+                <a:effectLst/>
+                <a:uFillTx/>
+                <a:latin typeface="Times New Roman"/>
+              </a:rPr>
+              <a:t>&lt;footer&gt;</a:t>
+            </a:r>
+            <a:endParaRPr b="0" lang="en-GB" sz="1400" strike="noStrike" u="none">
+              <a:solidFill>
+                <a:srgbClr val="000000"/>
+              </a:solidFill>
+              <a:effectLst/>
+              <a:uFillTx/>
+              <a:latin typeface="Times New Roman"/>
+            </a:endParaRPr>
+          </a:p>
+        </p:txBody>
+      </p:sp>
+      <p:sp>
+        <p:nvSpPr>
+          <p:cNvPr id="16" name="PlaceHolder 6"/>
+          <p:cNvSpPr>
+            <a:spLocks noGrp="1"/>
+          </p:cNvSpPr>
+          <p:nvPr>
+            <p:ph type="sldNum" idx="9"/>
+          </p:nvPr>
+        </p:nvSpPr>
+        <p:spPr>
+          <a:xfrm>
+            <a:off x="6553080" y="6356520"/>
+            <a:ext cx="2133000" cy="364320"/>
+          </a:xfrm>
+          <a:prstGeom prst="rect">
+            <a:avLst/>
+          </a:prstGeom>
+          <a:noFill/>
+          <a:ln w="0">
+            <a:noFill/>
+          </a:ln>
+        </p:spPr>
+        <p:txBody>
+          <a:bodyPr lIns="91440" rIns="91440" tIns="45720" bIns="45720" anchor="ctr">
+            <a:noAutofit/>
+          </a:bodyPr>
+          <a:lstStyle>
+            <a:lvl1pPr indent="0" algn="r" defTabSz="457200">
+              <a:lnSpc>
+                <a:spcPct val="100000"/>
+              </a:lnSpc>
+              <a:buNone/>
+              <a:tabLst>
+                <a:tab algn="l" pos="0"/>
+              </a:tabLst>
+              <a:defRPr b="0" lang="en-US" sz="1200" strike="noStrike" u="none">
+                <a:solidFill>
+                  <a:schemeClr val="dk1">
+                    <a:tint val="75000"/>
+                  </a:schemeClr>
+                </a:solidFill>
+                <a:effectLst/>
+                <a:uFillTx/>
+                <a:latin typeface="Calibri"/>
+              </a:defRPr>
+            </a:lvl1pPr>
+          </a:lstStyle>
+          <a:p>
+            <a:pPr indent="0" algn="r" defTabSz="457200">
+              <a:lnSpc>
+                <a:spcPct val="100000"/>
+              </a:lnSpc>
+              <a:buNone/>
+              <a:tabLst>
+                <a:tab algn="l" pos="0"/>
+              </a:tabLst>
+            </a:pPr>
+            <a:fld id="{1CCFB929-FE55-4EE4-8596-82A990F89058}" type="slidenum">
+              <a:rPr b="0" lang="en-US" sz="1200" strike="noStrike" u="none">
+                <a:solidFill>
+                  <a:schemeClr val="dk1">
+                    <a:tint val="75000"/>
+                  </a:schemeClr>
+                </a:solidFill>
+                <a:effectLst/>
+                <a:uFillTx/>
+                <a:latin typeface="Calibri"/>
+              </a:rPr>
+              <a:t>&lt;number&gt;</a:t>
+            </a:fld>
+            <a:endParaRPr b="0" lang="en-GB" sz="1200" strike="noStrike" u="none">
+              <a:solidFill>
+                <a:srgbClr val="000000"/>
+              </a:solidFill>
+              <a:effectLst/>
+              <a:uFillTx/>
+              <a:latin typeface="Times New Roman"/>
+            </a:endParaRPr>
+          </a:p>
+        </p:txBody>
+      </p:sp>
+    </p:spTree>
+  </p:cSld>
+</p:sldLayout>
+</file>
+
+<file path=ppt/slideLayouts/slideLayout4.xml><?xml version="1.0" encoding="utf-8"?>
+<p:sldLayout xmlns:a="http://schemas.openxmlformats.org/drawingml/2006/main" xmlns:p="http://schemas.openxmlformats.org/presentationml/2006/main" xmlns:r="http://schemas.openxmlformats.org/officeDocument/2006/relationships" xmlns:p14="http://schemas.microsoft.com/office/powerpoint/2010/main" xmlns:p15="http://schemas.microsoft.com/office/powerpoint/2012/main" xmlns:mc="http://schemas.openxmlformats.org/markup-compatibility/2006" type="title" preserve="1">
+  <p:cSld name="Title Slide">
+    <p:bg>
+      <p:bgPr>
+        <a:solidFill>
+          <a:srgbClr val="ffffff"/>
+        </a:solidFill>
+      </p:bgPr>
+    </p:bg>
+    <p:spTree>
+      <p:nvGrpSpPr>
+        <p:cNvPr id="1" name=""/>
+        <p:cNvGrpSpPr/>
+        <p:nvPr/>
+      </p:nvGrpSpPr>
+      <p:grpSpPr>
+        <a:xfrm>
+          <a:off x="0" y="0"/>
+          <a:ext cx="0" cy="0"/>
+          <a:chOff x="0" y="0"/>
+          <a:chExt cx="0" cy="0"/>
+        </a:xfrm>
+      </p:grpSpPr>
+      <p:sp>
+        <p:nvSpPr>
+          <p:cNvPr id="17" name="PlaceHolder 1"/>
+          <p:cNvSpPr>
+            <a:spLocks noGrp="1"/>
+          </p:cNvSpPr>
+          <p:nvPr>
+            <p:ph type="title"/>
+          </p:nvPr>
+        </p:nvSpPr>
+        <p:spPr>
+          <a:xfrm>
+            <a:off x="685800" y="2130480"/>
+            <a:ext cx="7771680" cy="1469160"/>
+          </a:xfrm>
+          <a:prstGeom prst="rect">
+            <a:avLst/>
+          </a:prstGeom>
+          <a:noFill/>
+          <a:ln w="0">
+            <a:noFill/>
+          </a:ln>
+        </p:spPr>
+        <p:txBody>
+          <a:bodyPr lIns="91440" rIns="91440" tIns="45720" bIns="45720" anchor="ctr">
+            <a:noAutofit/>
+          </a:bodyPr>
+          <a:p>
+            <a:pPr indent="0" algn="ctr" defTabSz="457200">
+              <a:lnSpc>
+                <a:spcPct val="100000"/>
+              </a:lnSpc>
+              <a:buNone/>
+              <a:tabLst>
+                <a:tab algn="l" pos="0"/>
+              </a:tabLst>
+            </a:pPr>
+            <a:r>
+              <a:rPr b="0" lang="en-US" sz="4400" strike="noStrike" u="none">
+                <a:solidFill>
+                  <a:schemeClr val="dk1"/>
+                </a:solidFill>
+                <a:effectLst/>
+                <a:uFillTx/>
+                <a:latin typeface="Calibri"/>
+              </a:rPr>
+              <a:t>Click to edit Master title style</a:t>
+            </a:r>
+            <a:endParaRPr b="0" lang="en-GB" sz="4400" strike="noStrike" u="none">
+              <a:solidFill>
+                <a:srgbClr val="000000"/>
+              </a:solidFill>
+              <a:effectLst/>
+              <a:uFillTx/>
+              <a:latin typeface="Arial"/>
+            </a:endParaRPr>
+          </a:p>
+        </p:txBody>
+      </p:sp>
+      <p:sp>
+        <p:nvSpPr>
+          <p:cNvPr id="18" name="PlaceHolder 2"/>
+          <p:cNvSpPr>
+            <a:spLocks noGrp="1"/>
+          </p:cNvSpPr>
+          <p:nvPr>
+            <p:ph type="dt" idx="10"/>
+          </p:nvPr>
+        </p:nvSpPr>
+        <p:spPr>
+          <a:xfrm>
+            <a:off x="457200" y="6356520"/>
+            <a:ext cx="2133000" cy="364320"/>
+          </a:xfrm>
+          <a:prstGeom prst="rect">
+            <a:avLst/>
+          </a:prstGeom>
+          <a:noFill/>
+          <a:ln w="0">
+            <a:noFill/>
+          </a:ln>
+        </p:spPr>
+        <p:txBody>
+          <a:bodyPr lIns="91440" rIns="91440" tIns="45720" bIns="45720" anchor="ctr">
+            <a:noAutofit/>
+          </a:bodyPr>
+          <a:lstStyle>
+            <a:lvl1pPr indent="0" defTabSz="457200">
+              <a:lnSpc>
+                <a:spcPct val="100000"/>
+              </a:lnSpc>
+              <a:buNone/>
+              <a:tabLst>
+                <a:tab algn="l" pos="0"/>
+              </a:tabLst>
+              <a:defRPr b="0" lang="en-US" sz="1200" strike="noStrike" u="none">
+                <a:solidFill>
+                  <a:schemeClr val="dk1">
+                    <a:tint val="75000"/>
+                  </a:schemeClr>
+                </a:solidFill>
+                <a:effectLst/>
+                <a:uFillTx/>
+                <a:latin typeface="Calibri"/>
+              </a:defRPr>
+            </a:lvl1pPr>
+          </a:lstStyle>
+          <a:p>
+            <a:pPr indent="0" defTabSz="457200">
+              <a:lnSpc>
+                <a:spcPct val="100000"/>
+              </a:lnSpc>
+              <a:buNone/>
+              <a:tabLst>
+                <a:tab algn="l" pos="0"/>
+              </a:tabLst>
+            </a:pPr>
+            <a:r>
+              <a:rPr b="0" lang="en-US" sz="1200" strike="noStrike" u="none">
+                <a:solidFill>
+                  <a:schemeClr val="dk1">
+                    <a:tint val="75000"/>
+                  </a:schemeClr>
+                </a:solidFill>
+                <a:effectLst/>
+                <a:uFillTx/>
+                <a:latin typeface="Calibri"/>
+              </a:rPr>
+              <a:t>&lt;date/time&gt;</a:t>
+            </a:r>
+            <a:endParaRPr b="0" lang="en-GB" sz="1200" strike="noStrike" u="none">
+              <a:solidFill>
+                <a:srgbClr val="000000"/>
+              </a:solidFill>
+              <a:effectLst/>
+              <a:uFillTx/>
+              <a:latin typeface="Times New Roman"/>
+            </a:endParaRPr>
+          </a:p>
+        </p:txBody>
+      </p:sp>
+      <p:sp>
+        <p:nvSpPr>
+          <p:cNvPr id="19" name="PlaceHolder 3"/>
+          <p:cNvSpPr>
+            <a:spLocks noGrp="1"/>
+          </p:cNvSpPr>
+          <p:nvPr>
+            <p:ph type="ftr" idx="11"/>
+          </p:nvPr>
+        </p:nvSpPr>
+        <p:spPr>
+          <a:xfrm>
+            <a:off x="3124080" y="6356520"/>
+            <a:ext cx="2894760" cy="364320"/>
+          </a:xfrm>
+          <a:prstGeom prst="rect">
+            <a:avLst/>
+          </a:prstGeom>
+          <a:noFill/>
+          <a:ln w="0">
+            <a:noFill/>
+          </a:ln>
+        </p:spPr>
+        <p:txBody>
+          <a:bodyPr lIns="91440" rIns="91440" tIns="45720" bIns="45720" anchor="ctr">
+            <a:noAutofit/>
+          </a:bodyPr>
+          <a:lstStyle>
+            <a:lvl1pPr indent="0" algn="ctr">
+              <a:lnSpc>
+                <a:spcPct val="100000"/>
+              </a:lnSpc>
+              <a:buNone/>
+              <a:tabLst>
+                <a:tab algn="l" pos="0"/>
+              </a:tabLst>
+              <a:defRPr b="0" lang="en-GB" sz="1400" strike="noStrike" u="none">
+                <a:solidFill>
+                  <a:srgbClr val="000000"/>
+                </a:solidFill>
+                <a:effectLst/>
+                <a:uFillTx/>
+                <a:latin typeface="Times New Roman"/>
+              </a:defRPr>
+            </a:lvl1pPr>
+          </a:lstStyle>
+          <a:p>
+            <a:pPr indent="0" algn="ctr">
+              <a:lnSpc>
+                <a:spcPct val="100000"/>
+              </a:lnSpc>
+              <a:buNone/>
+              <a:tabLst>
+                <a:tab algn="l" pos="0"/>
+              </a:tabLst>
+            </a:pPr>
+            <a:r>
+              <a:rPr b="0" lang="en-GB" sz="1400" strike="noStrike" u="none">
+                <a:solidFill>
+                  <a:srgbClr val="000000"/>
+                </a:solidFill>
+                <a:effectLst/>
+                <a:uFillTx/>
+                <a:latin typeface="Times New Roman"/>
+              </a:rPr>
+              <a:t>&lt;footer&gt;</a:t>
+            </a:r>
+            <a:endParaRPr b="0" lang="en-GB" sz="1400" strike="noStrike" u="none">
+              <a:solidFill>
+                <a:srgbClr val="000000"/>
+              </a:solidFill>
+              <a:effectLst/>
+              <a:uFillTx/>
+              <a:latin typeface="Times New Roman"/>
+            </a:endParaRPr>
+          </a:p>
+        </p:txBody>
+      </p:sp>
+      <p:sp>
+        <p:nvSpPr>
+          <p:cNvPr id="20" name="PlaceHolder 4"/>
+          <p:cNvSpPr>
+            <a:spLocks noGrp="1"/>
+          </p:cNvSpPr>
+          <p:nvPr>
+            <p:ph type="sldNum" idx="12"/>
+          </p:nvPr>
+        </p:nvSpPr>
+        <p:spPr>
+          <a:xfrm>
+            <a:off x="6553080" y="6356520"/>
+            <a:ext cx="2133000" cy="364320"/>
+          </a:xfrm>
+          <a:prstGeom prst="rect">
+            <a:avLst/>
+          </a:prstGeom>
+          <a:noFill/>
+          <a:ln w="0">
+            <a:noFill/>
+          </a:ln>
+        </p:spPr>
+        <p:txBody>
+          <a:bodyPr lIns="91440" rIns="91440" tIns="45720" bIns="45720" anchor="ctr">
+            <a:noAutofit/>
+          </a:bodyPr>
+          <a:lstStyle>
+            <a:lvl1pPr indent="0" algn="r" defTabSz="457200">
+              <a:lnSpc>
+                <a:spcPct val="100000"/>
+              </a:lnSpc>
+              <a:buNone/>
+              <a:tabLst>
+                <a:tab algn="l" pos="0"/>
+              </a:tabLst>
+              <a:defRPr b="0" lang="en-US" sz="1200" strike="noStrike" u="none">
+                <a:solidFill>
+                  <a:schemeClr val="dk1">
+                    <a:tint val="75000"/>
+                  </a:schemeClr>
+                </a:solidFill>
+                <a:effectLst/>
+                <a:uFillTx/>
+                <a:latin typeface="Calibri"/>
+              </a:defRPr>
+            </a:lvl1pPr>
+          </a:lstStyle>
+          <a:p>
+            <a:pPr indent="0" algn="r" defTabSz="457200">
+              <a:lnSpc>
+                <a:spcPct val="100000"/>
+              </a:lnSpc>
+              <a:buNone/>
+              <a:tabLst>
+                <a:tab algn="l" pos="0"/>
+              </a:tabLst>
+            </a:pPr>
+            <a:fld id="{FBD643BE-D860-422D-9B51-A5428B0A845E}" type="slidenum">
+              <a:rPr b="0" lang="en-US" sz="1200" strike="noStrike" u="none">
+                <a:solidFill>
+                  <a:schemeClr val="dk1">
+                    <a:tint val="75000"/>
+                  </a:schemeClr>
+                </a:solidFill>
+                <a:effectLst/>
+                <a:uFillTx/>
+                <a:latin typeface="Calibri"/>
+              </a:rPr>
+              <a:t>&lt;number&gt;</a:t>
+            </a:fld>
+            <a:endParaRPr b="0" lang="en-GB" sz="1200" strike="noStrike" u="none">
+              <a:solidFill>
+                <a:srgbClr val="000000"/>
+              </a:solidFill>
+              <a:effectLst/>
+              <a:uFillTx/>
+              <a:latin typeface="Times New Roman"/>
+            </a:endParaRPr>
+          </a:p>
+        </p:txBody>
+      </p:sp>
+      <p:sp>
+        <p:nvSpPr>
+          <p:cNvPr id="21" name="PlaceHolder 5"/>
+          <p:cNvSpPr>
+            <a:spLocks noGrp="1"/>
+          </p:cNvSpPr>
+          <p:nvPr>
+            <p:ph type="body"/>
+          </p:nvPr>
+        </p:nvSpPr>
+        <p:spPr>
+          <a:xfrm>
+            <a:off x="457200" y="1604520"/>
+            <a:ext cx="8228880" cy="3976920"/>
+          </a:xfrm>
+          <a:prstGeom prst="rect">
+            <a:avLst/>
+          </a:prstGeom>
+          <a:noFill/>
+          <a:ln w="0">
+            <a:noFill/>
+          </a:ln>
+        </p:spPr>
+        <p:txBody>
+          <a:bodyPr lIns="0" rIns="0" tIns="0" bIns="0" anchor="t">
+            <a:normAutofit/>
+          </a:bodyPr>
+          <a:p>
+            <a:pPr marL="432000" indent="-324000">
+              <a:lnSpc>
+                <a:spcPct val="100000"/>
+              </a:lnSpc>
+              <a:spcBef>
+                <a:spcPts val="1417"/>
+              </a:spcBef>
+              <a:buClr>
+                <a:srgbClr val="000000"/>
+              </a:buClr>
+              <a:buSzPct val="45000"/>
+              <a:buFont typeface="Wingdings" charset="2"/>
+              <a:buChar char=""/>
+            </a:pPr>
+            <a:r>
+              <a:rPr b="0" lang="en-US" sz="3200" strike="noStrike" u="none">
+                <a:solidFill>
+                  <a:schemeClr val="dk1"/>
+                </a:solidFill>
+                <a:effectLst/>
+                <a:uFillTx/>
+                <a:latin typeface="Calibri"/>
+              </a:rPr>
+              <a:t>Click to edit the outline text format</a:t>
+            </a:r>
+            <a:endParaRPr b="0" lang="en-GB" sz="3200" strike="noStrike" u="none">
+              <a:solidFill>
+                <a:srgbClr val="000000"/>
+              </a:solidFill>
+              <a:effectLst/>
+              <a:uFillTx/>
+              <a:latin typeface="Arial"/>
+            </a:endParaRPr>
+          </a:p>
+          <a:p>
+            <a:pPr lvl="1" marL="864000" indent="-324000">
+              <a:lnSpc>
+                <a:spcPct val="100000"/>
+              </a:lnSpc>
+              <a:spcBef>
+                <a:spcPts val="1134"/>
+              </a:spcBef>
+              <a:buClr>
+                <a:srgbClr val="000000"/>
+              </a:buClr>
+              <a:buSzPct val="75000"/>
+              <a:buFont typeface="Symbol" charset="2"/>
+              <a:buChar char=""/>
+            </a:pPr>
+            <a:r>
+              <a:rPr b="0" lang="en-US" sz="2400" strike="noStrike" u="none">
+                <a:solidFill>
+                  <a:schemeClr val="dk1"/>
+                </a:solidFill>
+                <a:effectLst/>
+                <a:uFillTx/>
+                <a:latin typeface="Calibri"/>
+              </a:rPr>
+              <a:t>Second Outline Level</a:t>
+            </a:r>
+            <a:endParaRPr b="0" lang="en-GB" sz="2400" strike="noStrike" u="none">
+              <a:solidFill>
+                <a:srgbClr val="000000"/>
+              </a:solidFill>
+              <a:effectLst/>
+              <a:uFillTx/>
+              <a:latin typeface="Arial"/>
+            </a:endParaRPr>
+          </a:p>
+          <a:p>
+            <a:pPr lvl="2" marL="1296000" indent="-288000">
+              <a:lnSpc>
+                <a:spcPct val="100000"/>
+              </a:lnSpc>
+              <a:spcBef>
+                <a:spcPts val="850"/>
+              </a:spcBef>
+              <a:buClr>
+                <a:srgbClr val="000000"/>
+              </a:buClr>
+              <a:buSzPct val="45000"/>
+              <a:buFont typeface="Wingdings" charset="2"/>
+              <a:buChar char=""/>
+            </a:pPr>
+            <a:r>
+              <a:rPr b="0" lang="en-US" sz="2000" strike="noStrike" u="none">
+                <a:solidFill>
+                  <a:schemeClr val="dk1"/>
+                </a:solidFill>
+                <a:effectLst/>
+                <a:uFillTx/>
+                <a:latin typeface="Calibri"/>
+              </a:rPr>
+              <a:t>Third Outline Level</a:t>
+            </a:r>
+            <a:endParaRPr b="0" lang="en-GB" sz="2000" strike="noStrike" u="none">
+              <a:solidFill>
+                <a:srgbClr val="000000"/>
+              </a:solidFill>
+              <a:effectLst/>
+              <a:uFillTx/>
+              <a:latin typeface="Arial"/>
+            </a:endParaRPr>
+          </a:p>
+          <a:p>
+            <a:pPr lvl="3" marL="1728000" indent="-216000">
+              <a:lnSpc>
+                <a:spcPct val="100000"/>
+              </a:lnSpc>
+              <a:spcBef>
+                <a:spcPts val="567"/>
+              </a:spcBef>
+              <a:buClr>
+                <a:srgbClr val="000000"/>
+              </a:buClr>
+              <a:buSzPct val="75000"/>
+              <a:buFont typeface="Symbol" charset="2"/>
+              <a:buChar char=""/>
+            </a:pPr>
+            <a:r>
+              <a:rPr b="0" lang="en-US" sz="2000" strike="noStrike" u="none">
+                <a:solidFill>
+                  <a:schemeClr val="dk1"/>
+                </a:solidFill>
+                <a:effectLst/>
+                <a:uFillTx/>
+                <a:latin typeface="Calibri"/>
+              </a:rPr>
+              <a:t>Fourth Outline Level</a:t>
+            </a:r>
+            <a:endParaRPr b="0" lang="en-GB" sz="2000" strike="noStrike" u="none">
+              <a:solidFill>
+                <a:srgbClr val="000000"/>
+              </a:solidFill>
+              <a:effectLst/>
+              <a:uFillTx/>
+              <a:latin typeface="Arial"/>
+            </a:endParaRPr>
+          </a:p>
+          <a:p>
+            <a:pPr lvl="4" marL="2160000" indent="-216000">
+              <a:lnSpc>
+                <a:spcPct val="100000"/>
+              </a:lnSpc>
+              <a:spcBef>
+                <a:spcPts val="283"/>
+              </a:spcBef>
+              <a:buClr>
+                <a:srgbClr val="000000"/>
+              </a:buClr>
+              <a:buSzPct val="45000"/>
+              <a:buFont typeface="Wingdings" charset="2"/>
+              <a:buChar char=""/>
+            </a:pPr>
+            <a:r>
+              <a:rPr b="0" lang="en-US" sz="2000" strike="noStrike" u="none">
+                <a:solidFill>
+                  <a:schemeClr val="dk1"/>
+                </a:solidFill>
+                <a:effectLst/>
+                <a:uFillTx/>
+                <a:latin typeface="Calibri"/>
+              </a:rPr>
+              <a:t>Fifth Outline Level</a:t>
+            </a:r>
+            <a:endParaRPr b="0" lang="en-GB" sz="2000" strike="noStrike" u="none">
+              <a:solidFill>
+                <a:srgbClr val="000000"/>
+              </a:solidFill>
+              <a:effectLst/>
+              <a:uFillTx/>
+              <a:latin typeface="Arial"/>
+            </a:endParaRPr>
+          </a:p>
+          <a:p>
+            <a:pPr lvl="5" marL="2592000" indent="-216000">
+              <a:lnSpc>
+                <a:spcPct val="100000"/>
+              </a:lnSpc>
+              <a:spcBef>
+                <a:spcPts val="283"/>
+              </a:spcBef>
+              <a:buClr>
+                <a:srgbClr val="000000"/>
+              </a:buClr>
+              <a:buSzPct val="45000"/>
+              <a:buFont typeface="Wingdings" charset="2"/>
+              <a:buChar char=""/>
+            </a:pPr>
+            <a:r>
+              <a:rPr b="0" lang="en-US" sz="2000" strike="noStrike" u="none">
+                <a:solidFill>
+                  <a:schemeClr val="dk1"/>
+                </a:solidFill>
+                <a:effectLst/>
+                <a:uFillTx/>
+                <a:latin typeface="Calibri"/>
+              </a:rPr>
+              <a:t>Sixth Outline Level</a:t>
+            </a:r>
+            <a:endParaRPr b="0" lang="en-GB" sz="2000" strike="noStrike" u="none">
+              <a:solidFill>
+                <a:srgbClr val="000000"/>
+              </a:solidFill>
+              <a:effectLst/>
+              <a:uFillTx/>
+              <a:latin typeface="Arial"/>
+            </a:endParaRPr>
+          </a:p>
+          <a:p>
+            <a:pPr lvl="6" marL="3024000" indent="-216000">
+              <a:lnSpc>
+                <a:spcPct val="100000"/>
+              </a:lnSpc>
+              <a:spcBef>
+                <a:spcPts val="283"/>
+              </a:spcBef>
+              <a:buClr>
+                <a:srgbClr val="000000"/>
+              </a:buClr>
+              <a:buSzPct val="45000"/>
+              <a:buFont typeface="Wingdings" charset="2"/>
+              <a:buChar char=""/>
+            </a:pPr>
+            <a:r>
+              <a:rPr b="0" lang="en-US" sz="2000" strike="noStrike" u="none">
+                <a:solidFill>
+                  <a:schemeClr val="dk1"/>
+                </a:solidFill>
+                <a:effectLst/>
+                <a:uFillTx/>
+                <a:latin typeface="Calibri"/>
+              </a:rPr>
+              <a:t>Seventh Outline Level</a:t>
+            </a:r>
+            <a:endParaRPr b="0" lang="en-GB" sz="2000" strike="noStrike" u="none">
+              <a:solidFill>
+                <a:srgbClr val="000000"/>
+              </a:solidFill>
+              <a:effectLst/>
+              <a:uFillTx/>
+              <a:latin typeface="Arial"/>
+            </a:endParaRPr>
+          </a:p>
+        </p:txBody>
+      </p:sp>
+    </p:spTree>
+  </p:cSld>
+</p:sldLayout>
+</file>
+
+<file path=ppt/slideLayouts/slideLayout5.xml><?xml version="1.0" encoding="utf-8"?>
+<p:sldLayout xmlns:a="http://schemas.openxmlformats.org/drawingml/2006/main" xmlns:p="http://schemas.openxmlformats.org/presentationml/2006/main" xmlns:r="http://schemas.openxmlformats.org/officeDocument/2006/relationships" xmlns:p14="http://schemas.microsoft.com/office/powerpoint/2010/main" xmlns:p15="http://schemas.microsoft.com/office/powerpoint/2012/main" xmlns:mc="http://schemas.openxmlformats.org/markup-compatibility/2006" type="vertTx" preserve="1">
+  <p:cSld name="Title and Vertical Text">
+    <p:bg>
+      <p:bgPr>
+        <a:solidFill>
+          <a:srgbClr val="ffffff"/>
+        </a:solidFill>
+      </p:bgPr>
+    </p:bg>
+    <p:spTree>
+      <p:nvGrpSpPr>
+        <p:cNvPr id="1" name=""/>
+        <p:cNvGrpSpPr/>
+        <p:nvPr/>
+      </p:nvGrpSpPr>
+      <p:grpSpPr>
+        <a:xfrm>
+          <a:off x="0" y="0"/>
+          <a:ext cx="0" cy="0"/>
+          <a:chOff x="0" y="0"/>
+          <a:chExt cx="0" cy="0"/>
+        </a:xfrm>
+      </p:grpSpPr>
+      <p:sp>
+        <p:nvSpPr>
+          <p:cNvPr id="22" name="PlaceHolder 1"/>
+          <p:cNvSpPr>
+            <a:spLocks noGrp="1"/>
+          </p:cNvSpPr>
+          <p:nvPr>
+            <p:ph type="title"/>
+          </p:nvPr>
+        </p:nvSpPr>
+        <p:spPr>
+          <a:xfrm>
+            <a:off x="457200" y="274680"/>
+            <a:ext cx="8228880" cy="1142280"/>
+          </a:xfrm>
+          <a:prstGeom prst="rect">
+            <a:avLst/>
+          </a:prstGeom>
+          <a:noFill/>
+          <a:ln w="0">
+            <a:noFill/>
+          </a:ln>
+        </p:spPr>
+        <p:txBody>
+          <a:bodyPr lIns="91440" rIns="91440" tIns="45720" bIns="45720" anchor="ctr">
+            <a:noAutofit/>
+          </a:bodyPr>
+          <a:p>
+            <a:pPr indent="0" algn="ctr" defTabSz="457200">
+              <a:lnSpc>
+                <a:spcPct val="100000"/>
+              </a:lnSpc>
+              <a:buNone/>
+              <a:tabLst>
+                <a:tab algn="l" pos="0"/>
+              </a:tabLst>
+            </a:pPr>
+            <a:r>
+              <a:rPr b="0" lang="en-US" sz="4400" strike="noStrike" u="none">
+                <a:solidFill>
+                  <a:schemeClr val="dk1"/>
+                </a:solidFill>
+                <a:effectLst/>
+                <a:uFillTx/>
+                <a:latin typeface="Calibri"/>
+              </a:rPr>
+              <a:t>Click to edit Master title style</a:t>
+            </a:r>
+            <a:endParaRPr b="0" lang="en-GB" sz="4400" strike="noStrike" u="none">
+              <a:solidFill>
+                <a:srgbClr val="000000"/>
+              </a:solidFill>
+              <a:effectLst/>
+              <a:uFillTx/>
+              <a:latin typeface="Arial"/>
+            </a:endParaRPr>
+          </a:p>
+        </p:txBody>
+      </p:sp>
+      <p:sp>
+        <p:nvSpPr>
+          <p:cNvPr id="23" name="PlaceHolder 2"/>
+          <p:cNvSpPr>
+            <a:spLocks noGrp="1"/>
+          </p:cNvSpPr>
+          <p:nvPr>
+            <p:ph type="body"/>
+          </p:nvPr>
+        </p:nvSpPr>
+        <p:spPr>
+          <a:xfrm>
+            <a:off x="457200" y="1600200"/>
+            <a:ext cx="8228880" cy="4525200"/>
+          </a:xfrm>
+          <a:prstGeom prst="rect">
+            <a:avLst/>
+          </a:prstGeom>
+          <a:noFill/>
+          <a:ln w="0">
+            <a:noFill/>
+          </a:ln>
+        </p:spPr>
+        <p:txBody>
+          <a:bodyPr lIns="91440" rIns="91440" tIns="45720" bIns="45720" anchor="t" vert="eaVert">
+            <a:noAutofit/>
+          </a:bodyPr>
+          <a:p>
+            <a:pPr marL="343080" indent="-343080" defTabSz="457200">
+              <a:lnSpc>
+                <a:spcPct val="100000"/>
+              </a:lnSpc>
+              <a:spcBef>
+                <a:spcPts val="641"/>
+              </a:spcBef>
+              <a:buClr>
+                <a:srgbClr val="000000"/>
+              </a:buClr>
+              <a:buFont typeface="Arial"/>
+              <a:buChar char="•"/>
+            </a:pPr>
+            <a:r>
+              <a:rPr b="0" lang="en-US" sz="3200" strike="noStrike" u="none">
+                <a:solidFill>
+                  <a:schemeClr val="dk1"/>
+                </a:solidFill>
+                <a:effectLst/>
+                <a:uFillTx/>
+                <a:latin typeface="Calibri"/>
+              </a:rPr>
+              <a:t>Click to edit Master text styles</a:t>
+            </a:r>
+            <a:endParaRPr b="0" lang="en-GB" sz="3200" strike="noStrike" u="none">
+              <a:solidFill>
+                <a:srgbClr val="000000"/>
+              </a:solidFill>
+              <a:effectLst/>
+              <a:uFillTx/>
+              <a:latin typeface="Arial"/>
+            </a:endParaRPr>
+          </a:p>
+          <a:p>
+            <a:pPr lvl="1" marL="743040" indent="-285840" defTabSz="457200">
+              <a:lnSpc>
+                <a:spcPct val="100000"/>
+              </a:lnSpc>
+              <a:spcBef>
+                <a:spcPts val="561"/>
+              </a:spcBef>
+              <a:buClr>
+                <a:srgbClr val="000000"/>
+              </a:buClr>
+              <a:buFont typeface="Arial"/>
+              <a:buChar char="–"/>
+            </a:pPr>
+            <a:r>
+              <a:rPr b="0" lang="en-US" sz="2800" strike="noStrike" u="none">
+                <a:solidFill>
+                  <a:schemeClr val="dk1"/>
+                </a:solidFill>
+                <a:effectLst/>
+                <a:uFillTx/>
+                <a:latin typeface="Calibri"/>
+              </a:rPr>
+              <a:t>Second level</a:t>
+            </a:r>
+            <a:endParaRPr b="0" lang="en-GB" sz="2800" strike="noStrike" u="none">
+              <a:solidFill>
+                <a:srgbClr val="000000"/>
+              </a:solidFill>
+              <a:effectLst/>
+              <a:uFillTx/>
+              <a:latin typeface="Arial"/>
+            </a:endParaRPr>
+          </a:p>
+          <a:p>
+            <a:pPr lvl="2" marL="1143000" indent="-228600" defTabSz="457200">
+              <a:lnSpc>
+                <a:spcPct val="100000"/>
+              </a:lnSpc>
+              <a:spcBef>
+                <a:spcPts val="479"/>
+              </a:spcBef>
+              <a:buClr>
+                <a:srgbClr val="000000"/>
+              </a:buClr>
+              <a:buFont typeface="Arial"/>
+              <a:buChar char="•"/>
+            </a:pPr>
+            <a:r>
+              <a:rPr b="0" lang="en-US" sz="2400" strike="noStrike" u="none">
+                <a:solidFill>
+                  <a:schemeClr val="dk1"/>
+                </a:solidFill>
+                <a:effectLst/>
+                <a:uFillTx/>
+                <a:latin typeface="Calibri"/>
+              </a:rPr>
+              <a:t>Third level</a:t>
+            </a:r>
+            <a:endParaRPr b="0" lang="en-GB" sz="2400" strike="noStrike" u="none">
+              <a:solidFill>
+                <a:srgbClr val="000000"/>
+              </a:solidFill>
+              <a:effectLst/>
+              <a:uFillTx/>
+              <a:latin typeface="Arial"/>
+            </a:endParaRPr>
+          </a:p>
+          <a:p>
+            <a:pPr lvl="3" marL="1600200" indent="-228600" defTabSz="457200">
+              <a:lnSpc>
+                <a:spcPct val="100000"/>
+              </a:lnSpc>
+              <a:spcBef>
+                <a:spcPts val="400"/>
+              </a:spcBef>
+              <a:buClr>
+                <a:srgbClr val="000000"/>
+              </a:buClr>
+              <a:buFont typeface="Arial"/>
+              <a:buChar char="–"/>
+            </a:pPr>
+            <a:r>
+              <a:rPr b="0" lang="en-US" sz="2000" strike="noStrike" u="none">
+                <a:solidFill>
+                  <a:schemeClr val="dk1"/>
+                </a:solidFill>
+                <a:effectLst/>
+                <a:uFillTx/>
+                <a:latin typeface="Calibri"/>
+              </a:rPr>
+              <a:t>Fourth level</a:t>
+            </a:r>
+            <a:endParaRPr b="0" lang="en-GB" sz="2000" strike="noStrike" u="none">
+              <a:solidFill>
+                <a:srgbClr val="000000"/>
+              </a:solidFill>
+              <a:effectLst/>
+              <a:uFillTx/>
+              <a:latin typeface="Arial"/>
+            </a:endParaRPr>
+          </a:p>
+          <a:p>
+            <a:pPr lvl="4" marL="2057400" indent="-228600" defTabSz="457200">
+              <a:lnSpc>
+                <a:spcPct val="100000"/>
+              </a:lnSpc>
+              <a:spcBef>
+                <a:spcPts val="400"/>
+              </a:spcBef>
+              <a:buClr>
+                <a:srgbClr val="000000"/>
+              </a:buClr>
+              <a:buFont typeface="Arial"/>
+              <a:buChar char="»"/>
+            </a:pPr>
+            <a:r>
+              <a:rPr b="0" lang="en-US" sz="2000" strike="noStrike" u="none">
+                <a:solidFill>
+                  <a:schemeClr val="dk1"/>
+                </a:solidFill>
+                <a:effectLst/>
+                <a:uFillTx/>
+                <a:latin typeface="Calibri"/>
+              </a:rPr>
+              <a:t>Fifth level</a:t>
+            </a:r>
+            <a:endParaRPr b="0" lang="en-GB" sz="2000" strike="noStrike" u="none">
+              <a:solidFill>
+                <a:srgbClr val="000000"/>
+              </a:solidFill>
+              <a:effectLst/>
+              <a:uFillTx/>
+              <a:latin typeface="Arial"/>
+            </a:endParaRPr>
+          </a:p>
+        </p:txBody>
+      </p:sp>
+      <p:sp>
+        <p:nvSpPr>
+          <p:cNvPr id="24" name="PlaceHolder 3"/>
+          <p:cNvSpPr>
+            <a:spLocks noGrp="1"/>
+          </p:cNvSpPr>
+          <p:nvPr>
+            <p:ph type="dt" idx="13"/>
+          </p:nvPr>
+        </p:nvSpPr>
+        <p:spPr>
+          <a:xfrm>
+            <a:off x="457200" y="6356520"/>
+            <a:ext cx="2133000" cy="364320"/>
+          </a:xfrm>
+          <a:prstGeom prst="rect">
+            <a:avLst/>
+          </a:prstGeom>
+          <a:noFill/>
+          <a:ln w="0">
+            <a:noFill/>
+          </a:ln>
+        </p:spPr>
+        <p:txBody>
+          <a:bodyPr lIns="91440" rIns="91440" tIns="45720" bIns="45720" anchor="ctr">
+            <a:noAutofit/>
+          </a:bodyPr>
+          <a:lstStyle>
+            <a:lvl1pPr indent="0" defTabSz="457200">
+              <a:lnSpc>
+                <a:spcPct val="100000"/>
+              </a:lnSpc>
+              <a:buNone/>
+              <a:tabLst>
+                <a:tab algn="l" pos="0"/>
+              </a:tabLst>
+              <a:defRPr b="0" lang="en-US" sz="1200" strike="noStrike" u="none">
+                <a:solidFill>
+                  <a:schemeClr val="dk1">
+                    <a:tint val="75000"/>
+                  </a:schemeClr>
+                </a:solidFill>
+                <a:effectLst/>
+                <a:uFillTx/>
+                <a:latin typeface="Calibri"/>
+              </a:defRPr>
+            </a:lvl1pPr>
+          </a:lstStyle>
+          <a:p>
+            <a:pPr indent="0" defTabSz="457200">
+              <a:lnSpc>
+                <a:spcPct val="100000"/>
+              </a:lnSpc>
+              <a:buNone/>
+              <a:tabLst>
+                <a:tab algn="l" pos="0"/>
+              </a:tabLst>
+            </a:pPr>
+            <a:r>
+              <a:rPr b="0" lang="en-US" sz="1200" strike="noStrike" u="none">
+                <a:solidFill>
+                  <a:schemeClr val="dk1">
+                    <a:tint val="75000"/>
+                  </a:schemeClr>
+                </a:solidFill>
+                <a:effectLst/>
+                <a:uFillTx/>
+                <a:latin typeface="Calibri"/>
+              </a:rPr>
+              <a:t>&lt;date/time&gt;</a:t>
+            </a:r>
+            <a:endParaRPr b="0" lang="en-GB" sz="1200" strike="noStrike" u="none">
+              <a:solidFill>
+                <a:srgbClr val="000000"/>
+              </a:solidFill>
+              <a:effectLst/>
+              <a:uFillTx/>
+              <a:latin typeface="Times New Roman"/>
+            </a:endParaRPr>
+          </a:p>
+        </p:txBody>
+      </p:sp>
+      <p:sp>
+        <p:nvSpPr>
+          <p:cNvPr id="25" name="PlaceHolder 4"/>
+          <p:cNvSpPr>
+            <a:spLocks noGrp="1"/>
+          </p:cNvSpPr>
+          <p:nvPr>
+            <p:ph type="ftr" idx="14"/>
+          </p:nvPr>
+        </p:nvSpPr>
+        <p:spPr>
+          <a:xfrm>
+            <a:off x="3124080" y="6356520"/>
+            <a:ext cx="2894760" cy="364320"/>
+          </a:xfrm>
+          <a:prstGeom prst="rect">
+            <a:avLst/>
+          </a:prstGeom>
+          <a:noFill/>
+          <a:ln w="0">
+            <a:noFill/>
+          </a:ln>
+        </p:spPr>
+        <p:txBody>
+          <a:bodyPr lIns="91440" rIns="91440" tIns="45720" bIns="45720" anchor="ctr">
+            <a:noAutofit/>
+          </a:bodyPr>
+          <a:lstStyle>
+            <a:lvl1pPr indent="0" algn="ctr">
+              <a:lnSpc>
+                <a:spcPct val="100000"/>
+              </a:lnSpc>
+              <a:buNone/>
+              <a:tabLst>
+                <a:tab algn="l" pos="0"/>
+              </a:tabLst>
+              <a:defRPr b="0" lang="en-GB" sz="1400" strike="noStrike" u="none">
+                <a:solidFill>
+                  <a:srgbClr val="000000"/>
+                </a:solidFill>
+                <a:effectLst/>
+                <a:uFillTx/>
+                <a:latin typeface="Times New Roman"/>
+              </a:defRPr>
+            </a:lvl1pPr>
+          </a:lstStyle>
+          <a:p>
+            <a:pPr indent="0" algn="ctr">
+              <a:lnSpc>
+                <a:spcPct val="100000"/>
+              </a:lnSpc>
+              <a:buNone/>
+              <a:tabLst>
+                <a:tab algn="l" pos="0"/>
+              </a:tabLst>
+            </a:pPr>
+            <a:r>
+              <a:rPr b="0" lang="en-GB" sz="1400" strike="noStrike" u="none">
+                <a:solidFill>
+                  <a:srgbClr val="000000"/>
+                </a:solidFill>
+                <a:effectLst/>
+                <a:uFillTx/>
+                <a:latin typeface="Times New Roman"/>
+              </a:rPr>
+              <a:t>&lt;footer&gt;</a:t>
+            </a:r>
+            <a:endParaRPr b="0" lang="en-GB" sz="1400" strike="noStrike" u="none">
+              <a:solidFill>
+                <a:srgbClr val="000000"/>
+              </a:solidFill>
+              <a:effectLst/>
+              <a:uFillTx/>
+              <a:latin typeface="Times New Roman"/>
+            </a:endParaRPr>
+          </a:p>
+        </p:txBody>
+      </p:sp>
+      <p:sp>
+        <p:nvSpPr>
+          <p:cNvPr id="26" name="PlaceHolder 5"/>
+          <p:cNvSpPr>
+            <a:spLocks noGrp="1"/>
+          </p:cNvSpPr>
+          <p:nvPr>
+            <p:ph type="sldNum" idx="15"/>
+          </p:nvPr>
+        </p:nvSpPr>
+        <p:spPr>
+          <a:xfrm>
+            <a:off x="6553080" y="6356520"/>
+            <a:ext cx="2133000" cy="364320"/>
+          </a:xfrm>
+          <a:prstGeom prst="rect">
+            <a:avLst/>
+          </a:prstGeom>
+          <a:noFill/>
+          <a:ln w="0">
+            <a:noFill/>
+          </a:ln>
+        </p:spPr>
+        <p:txBody>
+          <a:bodyPr lIns="91440" rIns="91440" tIns="45720" bIns="45720" anchor="ctr">
+            <a:noAutofit/>
+          </a:bodyPr>
+          <a:lstStyle>
+            <a:lvl1pPr indent="0" algn="r" defTabSz="457200">
+              <a:lnSpc>
+                <a:spcPct val="100000"/>
+              </a:lnSpc>
+              <a:buNone/>
+              <a:tabLst>
+                <a:tab algn="l" pos="0"/>
+              </a:tabLst>
+              <a:defRPr b="0" lang="en-US" sz="1200" strike="noStrike" u="none">
+                <a:solidFill>
+                  <a:schemeClr val="dk1">
+                    <a:tint val="75000"/>
+                  </a:schemeClr>
+                </a:solidFill>
+                <a:effectLst/>
+                <a:uFillTx/>
+                <a:latin typeface="Calibri"/>
+              </a:defRPr>
+            </a:lvl1pPr>
+          </a:lstStyle>
+          <a:p>
+            <a:pPr indent="0" algn="r" defTabSz="457200">
+              <a:lnSpc>
+                <a:spcPct val="100000"/>
+              </a:lnSpc>
+              <a:buNone/>
+              <a:tabLst>
+                <a:tab algn="l" pos="0"/>
+              </a:tabLst>
+            </a:pPr>
+            <a:fld id="{D3AE3158-468F-4AE1-AC6E-5D2D82C5CE11}" type="slidenum">
+              <a:rPr b="0" lang="en-US" sz="1200" strike="noStrike" u="none">
+                <a:solidFill>
+                  <a:schemeClr val="dk1">
+                    <a:tint val="75000"/>
+                  </a:schemeClr>
+                </a:solidFill>
+                <a:effectLst/>
+                <a:uFillTx/>
+                <a:latin typeface="Calibri"/>
+              </a:rPr>
+              <a:t>&lt;number&gt;</a:t>
+            </a:fld>
+            <a:endParaRPr b="0" lang="en-GB" sz="1200" strike="noStrike" u="none">
+              <a:solidFill>
+                <a:srgbClr val="000000"/>
+              </a:solidFill>
+              <a:effectLst/>
+              <a:uFillTx/>
+              <a:latin typeface="Times New Roman"/>
+            </a:endParaRPr>
+          </a:p>
+        </p:txBody>
+      </p:sp>
+    </p:spTree>
+  </p:cSld>
+</p:sldLayout>
+</file>
+
+<file path=ppt/slideLayouts/slideLayout6.xml><?xml version="1.0" encoding="utf-8"?>
 <p:sldLayout xmlns:a="http://schemas.openxmlformats.org/drawingml/2006/main" xmlns:p="http://schemas.openxmlformats.org/presentationml/2006/main" xmlns:r="http://schemas.openxmlformats.org/officeDocument/2006/relationships" xmlns:p14="http://schemas.microsoft.com/office/powerpoint/2010/main" xmlns:p15="http://schemas.microsoft.com/office/powerpoint/2012/main" xmlns:mc="http://schemas.openxmlformats.org/markup-compatibility/2006" type="vertTitleAndTx" preserve="1">
   <p:cSld name="Vertical Title and Text">
     <p:bg>
@@ -2287,7 +4223,7 @@
       </p:grpSpPr>
       <p:sp>
         <p:nvSpPr>
-          <p:cNvPr id="10" name="PlaceHolder 1"/>
+          <p:cNvPr id="27" name="PlaceHolder 1"/>
           <p:cNvSpPr>
             <a:spLocks noGrp="1"/>
           </p:cNvSpPr>
@@ -2298,7 +4234,7 @@
         <p:spPr>
           <a:xfrm>
             <a:off x="6629400" y="274680"/>
-            <a:ext cx="2057040" cy="5851080"/>
+            <a:ext cx="2056680" cy="5850720"/>
           </a:xfrm>
           <a:prstGeom prst="rect">
             <a:avLst/>
@@ -2318,6 +4254,9 @@
                 <a:spcPct val="100000"/>
               </a:lnSpc>
               <a:buNone/>
+              <a:tabLst>
+                <a:tab algn="l" pos="0"/>
+              </a:tabLst>
             </a:pPr>
             <a:r>
               <a:rPr b="0" lang="en-US" sz="4400" strike="noStrike" u="none">
@@ -2330,20 +4269,20 @@
               </a:rPr>
               <a:t>Click to edit Master title style</a:t>
             </a:r>
-            <a:endParaRPr b="0" lang="en-US" sz="4400" strike="noStrike" u="none">
-              <a:solidFill>
-                <a:schemeClr val="dk1"/>
-              </a:solidFill>
-              <a:effectLst/>
-              <a:uFillTx/>
-              <a:latin typeface="Calibri"/>
+            <a:endParaRPr b="0" lang="en-GB" sz="4400" strike="noStrike" u="none">
+              <a:solidFill>
+                <a:srgbClr val="000000"/>
+              </a:solidFill>
+              <a:effectLst/>
+              <a:uFillTx/>
+              <a:latin typeface="Arial"/>
             </a:endParaRPr>
           </a:p>
         </p:txBody>
       </p:sp>
       <p:sp>
         <p:nvSpPr>
-          <p:cNvPr id="11" name="PlaceHolder 2"/>
+          <p:cNvPr id="28" name="PlaceHolder 2"/>
           <p:cNvSpPr>
             <a:spLocks noGrp="1"/>
           </p:cNvSpPr>
@@ -2354,7 +4293,7 @@
         <p:spPr>
           <a:xfrm>
             <a:off x="457200" y="274680"/>
-            <a:ext cx="6019560" cy="5851080"/>
+            <a:ext cx="6019200" cy="5850720"/>
           </a:xfrm>
           <a:prstGeom prst="rect">
             <a:avLst/>
@@ -2393,13 +4332,13 @@
               </a:rPr>
               <a:t>Click to edit Master text styles</a:t>
             </a:r>
-            <a:endParaRPr b="0" lang="en-US" sz="3200" strike="noStrike" u="none">
-              <a:solidFill>
-                <a:schemeClr val="dk1"/>
-              </a:solidFill>
-              <a:effectLst/>
-              <a:uFillTx/>
-              <a:latin typeface="Calibri"/>
+            <a:endParaRPr b="0" lang="en-GB" sz="3200" strike="noStrike" u="none">
+              <a:solidFill>
+                <a:srgbClr val="000000"/>
+              </a:solidFill>
+              <a:effectLst/>
+              <a:uFillTx/>
+              <a:latin typeface="Arial"/>
             </a:endParaRPr>
           </a:p>
           <a:p>
@@ -2427,13 +4366,13 @@
               </a:rPr>
               <a:t>Second level</a:t>
             </a:r>
-            <a:endParaRPr b="0" lang="en-US" sz="2800" strike="noStrike" u="none">
-              <a:solidFill>
-                <a:schemeClr val="dk1"/>
-              </a:solidFill>
-              <a:effectLst/>
-              <a:uFillTx/>
-              <a:latin typeface="Calibri"/>
+            <a:endParaRPr b="0" lang="en-GB" sz="2800" strike="noStrike" u="none">
+              <a:solidFill>
+                <a:srgbClr val="000000"/>
+              </a:solidFill>
+              <a:effectLst/>
+              <a:uFillTx/>
+              <a:latin typeface="Arial"/>
             </a:endParaRPr>
           </a:p>
           <a:p>
@@ -2461,13 +4400,13 @@
               </a:rPr>
               <a:t>Third level</a:t>
             </a:r>
-            <a:endParaRPr b="0" lang="en-US" sz="2400" strike="noStrike" u="none">
-              <a:solidFill>
-                <a:schemeClr val="dk1"/>
-              </a:solidFill>
-              <a:effectLst/>
-              <a:uFillTx/>
-              <a:latin typeface="Calibri"/>
+            <a:endParaRPr b="0" lang="en-GB" sz="2400" strike="noStrike" u="none">
+              <a:solidFill>
+                <a:srgbClr val="000000"/>
+              </a:solidFill>
+              <a:effectLst/>
+              <a:uFillTx/>
+              <a:latin typeface="Arial"/>
             </a:endParaRPr>
           </a:p>
           <a:p>
@@ -2495,13 +4434,13 @@
               </a:rPr>
               <a:t>Fourth level</a:t>
             </a:r>
-            <a:endParaRPr b="0" lang="en-US" sz="2000" strike="noStrike" u="none">
-              <a:solidFill>
-                <a:schemeClr val="dk1"/>
-              </a:solidFill>
-              <a:effectLst/>
-              <a:uFillTx/>
-              <a:latin typeface="Calibri"/>
+            <a:endParaRPr b="0" lang="en-GB" sz="2000" strike="noStrike" u="none">
+              <a:solidFill>
+                <a:srgbClr val="000000"/>
+              </a:solidFill>
+              <a:effectLst/>
+              <a:uFillTx/>
+              <a:latin typeface="Arial"/>
             </a:endParaRPr>
           </a:p>
           <a:p>
@@ -2529,31 +4468,31 @@
               </a:rPr>
               <a:t>Fifth level</a:t>
             </a:r>
-            <a:endParaRPr b="0" lang="en-US" sz="2000" strike="noStrike" u="none">
-              <a:solidFill>
-                <a:schemeClr val="dk1"/>
-              </a:solidFill>
-              <a:effectLst/>
-              <a:uFillTx/>
-              <a:latin typeface="Calibri"/>
+            <a:endParaRPr b="0" lang="en-GB" sz="2000" strike="noStrike" u="none">
+              <a:solidFill>
+                <a:srgbClr val="000000"/>
+              </a:solidFill>
+              <a:effectLst/>
+              <a:uFillTx/>
+              <a:latin typeface="Arial"/>
             </a:endParaRPr>
           </a:p>
         </p:txBody>
       </p:sp>
       <p:sp>
         <p:nvSpPr>
-          <p:cNvPr id="12" name="PlaceHolder 3"/>
+          <p:cNvPr id="29" name="PlaceHolder 3"/>
           <p:cNvSpPr>
             <a:spLocks noGrp="1"/>
           </p:cNvSpPr>
           <p:nvPr>
-            <p:ph type="dt" idx="7"/>
+            <p:ph type="dt" idx="16"/>
           </p:nvPr>
         </p:nvSpPr>
         <p:spPr>
           <a:xfrm>
             <a:off x="457200" y="6356520"/>
-            <a:ext cx="2133360" cy="364680"/>
+            <a:ext cx="2133000" cy="364320"/>
           </a:xfrm>
           <a:prstGeom prst="rect">
             <a:avLst/>
@@ -2573,6 +4512,9 @@
                 <a:spcPct val="100000"/>
               </a:lnSpc>
               <a:buNone/>
+              <a:tabLst>
+                <a:tab algn="l" pos="0"/>
+              </a:tabLst>
               <a:defRPr b="0" lang="en-US" sz="1200" strike="noStrike" u="none">
                 <a:solidFill>
                   <a:schemeClr val="dk1">
@@ -2591,6 +4533,9 @@
                 <a:spcPct val="100000"/>
               </a:lnSpc>
               <a:buNone/>
+              <a:tabLst>
+                <a:tab algn="l" pos="0"/>
+              </a:tabLst>
             </a:pPr>
             <a:r>
               <a:rPr b="0" lang="en-US" sz="1200" strike="noStrike" u="none">
@@ -2618,18 +4563,18 @@
       </p:sp>
       <p:sp>
         <p:nvSpPr>
-          <p:cNvPr id="13" name="PlaceHolder 4"/>
+          <p:cNvPr id="30" name="PlaceHolder 4"/>
           <p:cNvSpPr>
             <a:spLocks noGrp="1"/>
           </p:cNvSpPr>
           <p:nvPr>
-            <p:ph type="ftr" idx="8"/>
+            <p:ph type="ftr" idx="17"/>
           </p:nvPr>
         </p:nvSpPr>
         <p:spPr>
           <a:xfrm>
             <a:off x="3124080" y="6356520"/>
-            <a:ext cx="2895120" cy="364680"/>
+            <a:ext cx="2894760" cy="364320"/>
           </a:xfrm>
           <a:prstGeom prst="rect">
             <a:avLst/>
@@ -2645,7 +4590,13 @@
           </a:bodyPr>
           <a:lstStyle>
             <a:lvl1pPr indent="0" algn="ctr">
-              <a:buNone/>
+              <a:lnSpc>
+                <a:spcPct val="100000"/>
+              </a:lnSpc>
+              <a:buNone/>
+              <a:tabLst>
+                <a:tab algn="l" pos="0"/>
+              </a:tabLst>
               <a:defRPr b="0" lang="en-GB" sz="1400" strike="noStrike" u="none">
                 <a:solidFill>
                   <a:srgbClr val="000000"/>
@@ -2658,7 +4609,13 @@
           </a:lstStyle>
           <a:p>
             <a:pPr indent="0" algn="ctr">
-              <a:buNone/>
+              <a:lnSpc>
+                <a:spcPct val="100000"/>
+              </a:lnSpc>
+              <a:buNone/>
+              <a:tabLst>
+                <a:tab algn="l" pos="0"/>
+              </a:tabLst>
             </a:pPr>
             <a:r>
               <a:rPr b="0" lang="en-GB" sz="1400" strike="noStrike" u="none">
@@ -2684,18 +4641,18 @@
       </p:sp>
       <p:sp>
         <p:nvSpPr>
-          <p:cNvPr id="14" name="PlaceHolder 5"/>
+          <p:cNvPr id="31" name="PlaceHolder 5"/>
           <p:cNvSpPr>
             <a:spLocks noGrp="1"/>
           </p:cNvSpPr>
           <p:nvPr>
-            <p:ph type="sldNum" idx="9"/>
+            <p:ph type="sldNum" idx="18"/>
           </p:nvPr>
         </p:nvSpPr>
         <p:spPr>
           <a:xfrm>
             <a:off x="6553080" y="6356520"/>
-            <a:ext cx="2133360" cy="364680"/>
+            <a:ext cx="2133000" cy="364320"/>
           </a:xfrm>
           <a:prstGeom prst="rect">
             <a:avLst/>
@@ -2715,6 +4672,9 @@
                 <a:spcPct val="100000"/>
               </a:lnSpc>
               <a:buNone/>
+              <a:tabLst>
+                <a:tab algn="l" pos="0"/>
+              </a:tabLst>
               <a:defRPr b="0" lang="en-US" sz="1200" strike="noStrike" u="none">
                 <a:solidFill>
                   <a:schemeClr val="dk1">
@@ -2733,8 +4693,11 @@
                 <a:spcPct val="100000"/>
               </a:lnSpc>
               <a:buNone/>
-            </a:pPr>
-            <a:fld id="{3BEF247C-C771-4C79-BAFD-EA3B5A856922}" type="slidenum">
+              <a:tabLst>
+                <a:tab algn="l" pos="0"/>
+              </a:tabLst>
+            </a:pPr>
+            <a:fld id="{5B1686E2-13F5-4F7E-A2A4-4A00D658BC62}" type="slidenum">
               <a:rPr b="0" lang="en-US" sz="1200" strike="noStrike" u="none">
                 <a:solidFill>
                   <a:schemeClr val="dk1">
@@ -2763,7 +4726,7 @@
 </p:sldLayout>
 </file>
 
-<file path=ppt/slideLayouts/slideLayout4.xml><?xml version="1.0" encoding="utf-8"?>
+<file path=ppt/slideLayouts/slideLayout7.xml><?xml version="1.0" encoding="utf-8"?>
 <p:sldLayout xmlns:a="http://schemas.openxmlformats.org/drawingml/2006/main" xmlns:p="http://schemas.openxmlformats.org/presentationml/2006/main" xmlns:r="http://schemas.openxmlformats.org/officeDocument/2006/relationships" xmlns:p14="http://schemas.microsoft.com/office/powerpoint/2010/main" xmlns:p15="http://schemas.microsoft.com/office/powerpoint/2012/main" xmlns:mc="http://schemas.openxmlformats.org/markup-compatibility/2006" type="obj" preserve="1">
   <p:cSld name="Title and Content">
     <p:bg>
@@ -2789,7 +4752,7 @@
       </p:grpSpPr>
       <p:sp>
         <p:nvSpPr>
-          <p:cNvPr id="15" name="PlaceHolder 1"/>
+          <p:cNvPr id="32" name="PlaceHolder 1"/>
           <p:cNvSpPr>
             <a:spLocks noGrp="1"/>
           </p:cNvSpPr>
@@ -2800,7 +4763,7 @@
         <p:spPr>
           <a:xfrm>
             <a:off x="457200" y="274680"/>
-            <a:ext cx="8229240" cy="1142640"/>
+            <a:ext cx="8228880" cy="1142280"/>
           </a:xfrm>
           <a:prstGeom prst="rect">
             <a:avLst/>
@@ -2820,6 +4783,9 @@
                 <a:spcPct val="100000"/>
               </a:lnSpc>
               <a:buNone/>
+              <a:tabLst>
+                <a:tab algn="l" pos="0"/>
+              </a:tabLst>
             </a:pPr>
             <a:r>
               <a:rPr b="0" lang="en-US" sz="4400" strike="noStrike" u="none">
@@ -2832,20 +4798,20 @@
               </a:rPr>
               <a:t>Click to edit Master title style</a:t>
             </a:r>
-            <a:endParaRPr b="0" lang="en-US" sz="4400" strike="noStrike" u="none">
-              <a:solidFill>
-                <a:schemeClr val="dk1"/>
-              </a:solidFill>
-              <a:effectLst/>
-              <a:uFillTx/>
-              <a:latin typeface="Calibri"/>
+            <a:endParaRPr b="0" lang="en-GB" sz="4400" strike="noStrike" u="none">
+              <a:solidFill>
+                <a:srgbClr val="000000"/>
+              </a:solidFill>
+              <a:effectLst/>
+              <a:uFillTx/>
+              <a:latin typeface="Arial"/>
             </a:endParaRPr>
           </a:p>
         </p:txBody>
       </p:sp>
       <p:sp>
         <p:nvSpPr>
-          <p:cNvPr id="16" name="PlaceHolder 2"/>
+          <p:cNvPr id="33" name="PlaceHolder 2"/>
           <p:cNvSpPr>
             <a:spLocks noGrp="1"/>
           </p:cNvSpPr>
@@ -2856,7 +4822,7 @@
         <p:spPr>
           <a:xfrm>
             <a:off x="457200" y="1600200"/>
-            <a:ext cx="8229240" cy="4525560"/>
+            <a:ext cx="8228880" cy="4525200"/>
           </a:xfrm>
           <a:prstGeom prst="rect">
             <a:avLst/>
@@ -2895,13 +4861,13 @@
               </a:rPr>
               <a:t>Click to edit Master text styles</a:t>
             </a:r>
-            <a:endParaRPr b="0" lang="en-US" sz="3200" strike="noStrike" u="none">
-              <a:solidFill>
-                <a:schemeClr val="dk1"/>
-              </a:solidFill>
-              <a:effectLst/>
-              <a:uFillTx/>
-              <a:latin typeface="Calibri"/>
+            <a:endParaRPr b="0" lang="en-GB" sz="3200" strike="noStrike" u="none">
+              <a:solidFill>
+                <a:srgbClr val="000000"/>
+              </a:solidFill>
+              <a:effectLst/>
+              <a:uFillTx/>
+              <a:latin typeface="Arial"/>
             </a:endParaRPr>
           </a:p>
           <a:p>
@@ -2929,13 +4895,13 @@
               </a:rPr>
               <a:t>Second level</a:t>
             </a:r>
-            <a:endParaRPr b="0" lang="en-US" sz="2800" strike="noStrike" u="none">
-              <a:solidFill>
-                <a:schemeClr val="dk1"/>
-              </a:solidFill>
-              <a:effectLst/>
-              <a:uFillTx/>
-              <a:latin typeface="Calibri"/>
+            <a:endParaRPr b="0" lang="en-GB" sz="2800" strike="noStrike" u="none">
+              <a:solidFill>
+                <a:srgbClr val="000000"/>
+              </a:solidFill>
+              <a:effectLst/>
+              <a:uFillTx/>
+              <a:latin typeface="Arial"/>
             </a:endParaRPr>
           </a:p>
           <a:p>
@@ -2963,13 +4929,13 @@
               </a:rPr>
               <a:t>Third level</a:t>
             </a:r>
-            <a:endParaRPr b="0" lang="en-US" sz="2400" strike="noStrike" u="none">
-              <a:solidFill>
-                <a:schemeClr val="dk1"/>
-              </a:solidFill>
-              <a:effectLst/>
-              <a:uFillTx/>
-              <a:latin typeface="Calibri"/>
+            <a:endParaRPr b="0" lang="en-GB" sz="2400" strike="noStrike" u="none">
+              <a:solidFill>
+                <a:srgbClr val="000000"/>
+              </a:solidFill>
+              <a:effectLst/>
+              <a:uFillTx/>
+              <a:latin typeface="Arial"/>
             </a:endParaRPr>
           </a:p>
           <a:p>
@@ -2997,13 +4963,13 @@
               </a:rPr>
               <a:t>Fourth level</a:t>
             </a:r>
-            <a:endParaRPr b="0" lang="en-US" sz="2000" strike="noStrike" u="none">
-              <a:solidFill>
-                <a:schemeClr val="dk1"/>
-              </a:solidFill>
-              <a:effectLst/>
-              <a:uFillTx/>
-              <a:latin typeface="Calibri"/>
+            <a:endParaRPr b="0" lang="en-GB" sz="2000" strike="noStrike" u="none">
+              <a:solidFill>
+                <a:srgbClr val="000000"/>
+              </a:solidFill>
+              <a:effectLst/>
+              <a:uFillTx/>
+              <a:latin typeface="Arial"/>
             </a:endParaRPr>
           </a:p>
           <a:p>
@@ -3031,31 +4997,31 @@
               </a:rPr>
               <a:t>Fifth level</a:t>
             </a:r>
-            <a:endParaRPr b="0" lang="en-US" sz="2000" strike="noStrike" u="none">
-              <a:solidFill>
-                <a:schemeClr val="dk1"/>
-              </a:solidFill>
-              <a:effectLst/>
-              <a:uFillTx/>
-              <a:latin typeface="Calibri"/>
+            <a:endParaRPr b="0" lang="en-GB" sz="2000" strike="noStrike" u="none">
+              <a:solidFill>
+                <a:srgbClr val="000000"/>
+              </a:solidFill>
+              <a:effectLst/>
+              <a:uFillTx/>
+              <a:latin typeface="Arial"/>
             </a:endParaRPr>
           </a:p>
         </p:txBody>
       </p:sp>
       <p:sp>
         <p:nvSpPr>
-          <p:cNvPr id="17" name="PlaceHolder 3"/>
+          <p:cNvPr id="34" name="PlaceHolder 3"/>
           <p:cNvSpPr>
             <a:spLocks noGrp="1"/>
           </p:cNvSpPr>
           <p:nvPr>
-            <p:ph type="dt" idx="10"/>
+            <p:ph type="dt" idx="19"/>
           </p:nvPr>
         </p:nvSpPr>
         <p:spPr>
           <a:xfrm>
             <a:off x="457200" y="6356520"/>
-            <a:ext cx="2133360" cy="364680"/>
+            <a:ext cx="2133000" cy="364320"/>
           </a:xfrm>
           <a:prstGeom prst="rect">
             <a:avLst/>
@@ -3075,6 +5041,9 @@
                 <a:spcPct val="100000"/>
               </a:lnSpc>
               <a:buNone/>
+              <a:tabLst>
+                <a:tab algn="l" pos="0"/>
+              </a:tabLst>
               <a:defRPr b="0" lang="en-US" sz="1200" strike="noStrike" u="none">
                 <a:solidFill>
                   <a:schemeClr val="dk1">
@@ -3093,6 +5062,9 @@
                 <a:spcPct val="100000"/>
               </a:lnSpc>
               <a:buNone/>
+              <a:tabLst>
+                <a:tab algn="l" pos="0"/>
+              </a:tabLst>
             </a:pPr>
             <a:r>
               <a:rPr b="0" lang="en-US" sz="1200" strike="noStrike" u="none">
@@ -3120,18 +5092,18 @@
       </p:sp>
       <p:sp>
         <p:nvSpPr>
-          <p:cNvPr id="18" name="PlaceHolder 4"/>
+          <p:cNvPr id="35" name="PlaceHolder 4"/>
           <p:cNvSpPr>
             <a:spLocks noGrp="1"/>
           </p:cNvSpPr>
           <p:nvPr>
-            <p:ph type="ftr" idx="11"/>
+            <p:ph type="ftr" idx="20"/>
           </p:nvPr>
         </p:nvSpPr>
         <p:spPr>
           <a:xfrm>
             <a:off x="3124080" y="6356520"/>
-            <a:ext cx="2895120" cy="364680"/>
+            <a:ext cx="2894760" cy="364320"/>
           </a:xfrm>
           <a:prstGeom prst="rect">
             <a:avLst/>
@@ -3147,7 +5119,13 @@
           </a:bodyPr>
           <a:lstStyle>
             <a:lvl1pPr indent="0" algn="ctr">
-              <a:buNone/>
+              <a:lnSpc>
+                <a:spcPct val="100000"/>
+              </a:lnSpc>
+              <a:buNone/>
+              <a:tabLst>
+                <a:tab algn="l" pos="0"/>
+              </a:tabLst>
               <a:defRPr b="0" lang="en-GB" sz="1400" strike="noStrike" u="none">
                 <a:solidFill>
                   <a:srgbClr val="000000"/>
@@ -3160,7 +5138,13 @@
           </a:lstStyle>
           <a:p>
             <a:pPr indent="0" algn="ctr">
-              <a:buNone/>
+              <a:lnSpc>
+                <a:spcPct val="100000"/>
+              </a:lnSpc>
+              <a:buNone/>
+              <a:tabLst>
+                <a:tab algn="l" pos="0"/>
+              </a:tabLst>
             </a:pPr>
             <a:r>
               <a:rPr b="0" lang="en-GB" sz="1400" strike="noStrike" u="none">
@@ -3186,18 +5170,18 @@
       </p:sp>
       <p:sp>
         <p:nvSpPr>
-          <p:cNvPr id="19" name="PlaceHolder 5"/>
+          <p:cNvPr id="36" name="PlaceHolder 5"/>
           <p:cNvSpPr>
             <a:spLocks noGrp="1"/>
           </p:cNvSpPr>
           <p:nvPr>
-            <p:ph type="sldNum" idx="12"/>
+            <p:ph type="sldNum" idx="21"/>
           </p:nvPr>
         </p:nvSpPr>
         <p:spPr>
           <a:xfrm>
             <a:off x="6553080" y="6356520"/>
-            <a:ext cx="2133360" cy="364680"/>
+            <a:ext cx="2133000" cy="364320"/>
           </a:xfrm>
           <a:prstGeom prst="rect">
             <a:avLst/>
@@ -3217,6 +5201,9 @@
                 <a:spcPct val="100000"/>
               </a:lnSpc>
               <a:buNone/>
+              <a:tabLst>
+                <a:tab algn="l" pos="0"/>
+              </a:tabLst>
               <a:defRPr b="0" lang="en-US" sz="1200" strike="noStrike" u="none">
                 <a:solidFill>
                   <a:schemeClr val="dk1">
@@ -3235,8 +5222,11 @@
                 <a:spcPct val="100000"/>
               </a:lnSpc>
               <a:buNone/>
-            </a:pPr>
-            <a:fld id="{8D5D46DD-97BB-41E4-9F94-6A0BB50EF090}" type="slidenum">
+              <a:tabLst>
+                <a:tab algn="l" pos="0"/>
+              </a:tabLst>
+            </a:pPr>
+            <a:fld id="{7C9E3E83-B1B1-45B1-92E5-6359116B56BB}" type="slidenum">
               <a:rPr b="0" lang="en-US" sz="1200" strike="noStrike" u="none">
                 <a:solidFill>
                   <a:schemeClr val="dk1">
@@ -3265,7 +5255,7 @@
 </p:sldLayout>
 </file>
 
-<file path=ppt/slideLayouts/slideLayout5.xml><?xml version="1.0" encoding="utf-8"?>
+<file path=ppt/slideLayouts/slideLayout8.xml><?xml version="1.0" encoding="utf-8"?>
 <p:sldLayout xmlns:a="http://schemas.openxmlformats.org/drawingml/2006/main" xmlns:p="http://schemas.openxmlformats.org/presentationml/2006/main" xmlns:r="http://schemas.openxmlformats.org/officeDocument/2006/relationships" xmlns:p14="http://schemas.microsoft.com/office/powerpoint/2010/main" xmlns:p15="http://schemas.microsoft.com/office/powerpoint/2012/main" xmlns:mc="http://schemas.openxmlformats.org/markup-compatibility/2006" type="blank" preserve="1">
   <p:cSld name="Section Header">
     <p:bg>
@@ -3291,7 +5281,7 @@
       </p:grpSpPr>
       <p:sp>
         <p:nvSpPr>
-          <p:cNvPr id="20" name="PlaceHolder 1"/>
+          <p:cNvPr id="37" name="PlaceHolder 1"/>
           <p:cNvSpPr>
             <a:spLocks noGrp="1"/>
           </p:cNvSpPr>
@@ -3302,7 +5292,7 @@
         <p:spPr>
           <a:xfrm>
             <a:off x="722160" y="4406760"/>
-            <a:ext cx="7772040" cy="1361880"/>
+            <a:ext cx="7771680" cy="1361520"/>
           </a:xfrm>
           <a:prstGeom prst="rect">
             <a:avLst/>
@@ -3322,6 +5312,9 @@
                 <a:spcPct val="100000"/>
               </a:lnSpc>
               <a:buNone/>
+              <a:tabLst>
+                <a:tab algn="l" pos="0"/>
+              </a:tabLst>
             </a:pPr>
             <a:r>
               <a:rPr b="1" lang="en-US" sz="4000" strike="noStrike" u="none" cap="all">
@@ -3334,20 +5327,20 @@
               </a:rPr>
               <a:t>Click to edit Master title style</a:t>
             </a:r>
-            <a:endParaRPr b="0" lang="en-US" sz="4000" strike="noStrike" u="none">
-              <a:solidFill>
-                <a:schemeClr val="dk1"/>
-              </a:solidFill>
-              <a:effectLst/>
-              <a:uFillTx/>
-              <a:latin typeface="Calibri"/>
+            <a:endParaRPr b="0" lang="en-GB" sz="4000" strike="noStrike" u="none">
+              <a:solidFill>
+                <a:srgbClr val="000000"/>
+              </a:solidFill>
+              <a:effectLst/>
+              <a:uFillTx/>
+              <a:latin typeface="Arial"/>
             </a:endParaRPr>
           </a:p>
         </p:txBody>
       </p:sp>
       <p:sp>
         <p:nvSpPr>
-          <p:cNvPr id="21" name="PlaceHolder 2"/>
+          <p:cNvPr id="38" name="PlaceHolder 2"/>
           <p:cNvSpPr>
             <a:spLocks noGrp="1"/>
           </p:cNvSpPr>
@@ -3358,7 +5351,7 @@
         <p:spPr>
           <a:xfrm>
             <a:off x="722160" y="2906640"/>
-            <a:ext cx="7772040" cy="1499760"/>
+            <a:ext cx="7771680" cy="1499400"/>
           </a:xfrm>
           <a:prstGeom prst="rect">
             <a:avLst/>
@@ -3398,31 +5391,31 @@
               </a:rPr>
               <a:t>Click to edit Master text styles</a:t>
             </a:r>
-            <a:endParaRPr b="0" lang="en-US" sz="2000" strike="noStrike" u="none">
-              <a:solidFill>
-                <a:schemeClr val="dk1"/>
-              </a:solidFill>
-              <a:effectLst/>
-              <a:uFillTx/>
-              <a:latin typeface="Calibri"/>
+            <a:endParaRPr b="0" lang="en-GB" sz="2000" strike="noStrike" u="none">
+              <a:solidFill>
+                <a:srgbClr val="000000"/>
+              </a:solidFill>
+              <a:effectLst/>
+              <a:uFillTx/>
+              <a:latin typeface="Arial"/>
             </a:endParaRPr>
           </a:p>
         </p:txBody>
       </p:sp>
       <p:sp>
         <p:nvSpPr>
-          <p:cNvPr id="22" name="PlaceHolder 3"/>
+          <p:cNvPr id="39" name="PlaceHolder 3"/>
           <p:cNvSpPr>
             <a:spLocks noGrp="1"/>
           </p:cNvSpPr>
           <p:nvPr>
-            <p:ph type="dt" idx="13"/>
+            <p:ph type="dt" idx="22"/>
           </p:nvPr>
         </p:nvSpPr>
         <p:spPr>
           <a:xfrm>
             <a:off x="457200" y="6356520"/>
-            <a:ext cx="2133360" cy="364680"/>
+            <a:ext cx="2133000" cy="364320"/>
           </a:xfrm>
           <a:prstGeom prst="rect">
             <a:avLst/>
@@ -3442,6 +5435,9 @@
                 <a:spcPct val="100000"/>
               </a:lnSpc>
               <a:buNone/>
+              <a:tabLst>
+                <a:tab algn="l" pos="0"/>
+              </a:tabLst>
               <a:defRPr b="0" lang="en-US" sz="1200" strike="noStrike" u="none">
                 <a:solidFill>
                   <a:schemeClr val="dk1">
@@ -3460,6 +5456,9 @@
                 <a:spcPct val="100000"/>
               </a:lnSpc>
               <a:buNone/>
+              <a:tabLst>
+                <a:tab algn="l" pos="0"/>
+              </a:tabLst>
             </a:pPr>
             <a:r>
               <a:rPr b="0" lang="en-US" sz="1200" strike="noStrike" u="none">
@@ -3487,18 +5486,18 @@
       </p:sp>
       <p:sp>
         <p:nvSpPr>
-          <p:cNvPr id="23" name="PlaceHolder 4"/>
+          <p:cNvPr id="40" name="PlaceHolder 4"/>
           <p:cNvSpPr>
             <a:spLocks noGrp="1"/>
           </p:cNvSpPr>
           <p:nvPr>
-            <p:ph type="ftr" idx="14"/>
+            <p:ph type="ftr" idx="23"/>
           </p:nvPr>
         </p:nvSpPr>
         <p:spPr>
           <a:xfrm>
             <a:off x="3124080" y="6356520"/>
-            <a:ext cx="2895120" cy="364680"/>
+            <a:ext cx="2894760" cy="364320"/>
           </a:xfrm>
           <a:prstGeom prst="rect">
             <a:avLst/>
@@ -3514,7 +5513,13 @@
           </a:bodyPr>
           <a:lstStyle>
             <a:lvl1pPr indent="0" algn="ctr">
-              <a:buNone/>
+              <a:lnSpc>
+                <a:spcPct val="100000"/>
+              </a:lnSpc>
+              <a:buNone/>
+              <a:tabLst>
+                <a:tab algn="l" pos="0"/>
+              </a:tabLst>
               <a:defRPr b="0" lang="en-GB" sz="1400" strike="noStrike" u="none">
                 <a:solidFill>
                   <a:srgbClr val="000000"/>
@@ -3527,7 +5532,13 @@
           </a:lstStyle>
           <a:p>
             <a:pPr indent="0" algn="ctr">
-              <a:buNone/>
+              <a:lnSpc>
+                <a:spcPct val="100000"/>
+              </a:lnSpc>
+              <a:buNone/>
+              <a:tabLst>
+                <a:tab algn="l" pos="0"/>
+              </a:tabLst>
             </a:pPr>
             <a:r>
               <a:rPr b="0" lang="en-GB" sz="1400" strike="noStrike" u="none">
@@ -3553,18 +5564,18 @@
       </p:sp>
       <p:sp>
         <p:nvSpPr>
-          <p:cNvPr id="24" name="PlaceHolder 5"/>
+          <p:cNvPr id="41" name="PlaceHolder 5"/>
           <p:cNvSpPr>
             <a:spLocks noGrp="1"/>
           </p:cNvSpPr>
           <p:nvPr>
-            <p:ph type="sldNum" idx="15"/>
+            <p:ph type="sldNum" idx="24"/>
           </p:nvPr>
         </p:nvSpPr>
         <p:spPr>
           <a:xfrm>
             <a:off x="6553080" y="6356520"/>
-            <a:ext cx="2133360" cy="364680"/>
+            <a:ext cx="2133000" cy="364320"/>
           </a:xfrm>
           <a:prstGeom prst="rect">
             <a:avLst/>
@@ -3584,6 +5595,9 @@
                 <a:spcPct val="100000"/>
               </a:lnSpc>
               <a:buNone/>
+              <a:tabLst>
+                <a:tab algn="l" pos="0"/>
+              </a:tabLst>
               <a:defRPr b="0" lang="en-US" sz="1200" strike="noStrike" u="none">
                 <a:solidFill>
                   <a:schemeClr val="dk1">
@@ -3602,8 +5616,11 @@
                 <a:spcPct val="100000"/>
               </a:lnSpc>
               <a:buNone/>
-            </a:pPr>
-            <a:fld id="{4A405CBF-A9E9-401E-9440-C92717A4555C}" type="slidenum">
+              <a:tabLst>
+                <a:tab algn="l" pos="0"/>
+              </a:tabLst>
+            </a:pPr>
+            <a:fld id="{FDB758BC-F707-47B3-9190-5259DE04F984}" type="slidenum">
               <a:rPr b="0" lang="en-US" sz="1200" strike="noStrike" u="none">
                 <a:solidFill>
                   <a:schemeClr val="dk1">
@@ -3632,7 +5649,7 @@
 </p:sldLayout>
 </file>
 
-<file path=ppt/slideLayouts/slideLayout6.xml><?xml version="1.0" encoding="utf-8"?>
+<file path=ppt/slideLayouts/slideLayout9.xml><?xml version="1.0" encoding="utf-8"?>
 <p:sldLayout xmlns:a="http://schemas.openxmlformats.org/drawingml/2006/main" xmlns:p="http://schemas.openxmlformats.org/presentationml/2006/main" xmlns:r="http://schemas.openxmlformats.org/officeDocument/2006/relationships" xmlns:p14="http://schemas.microsoft.com/office/powerpoint/2010/main" xmlns:p15="http://schemas.microsoft.com/office/powerpoint/2012/main" xmlns:mc="http://schemas.openxmlformats.org/markup-compatibility/2006" type="twoObj" preserve="1">
   <p:cSld name="Two Content">
     <p:bg>
@@ -3658,7 +5675,7 @@
       </p:grpSpPr>
       <p:sp>
         <p:nvSpPr>
-          <p:cNvPr id="25" name="PlaceHolder 1"/>
+          <p:cNvPr id="42" name="PlaceHolder 1"/>
           <p:cNvSpPr>
             <a:spLocks noGrp="1"/>
           </p:cNvSpPr>
@@ -3669,7 +5686,7 @@
         <p:spPr>
           <a:xfrm>
             <a:off x="457200" y="274680"/>
-            <a:ext cx="8229240" cy="1142640"/>
+            <a:ext cx="8228880" cy="1142280"/>
           </a:xfrm>
           <a:prstGeom prst="rect">
             <a:avLst/>
@@ -3689,6 +5706,9 @@
                 <a:spcPct val="100000"/>
               </a:lnSpc>
               <a:buNone/>
+              <a:tabLst>
+                <a:tab algn="l" pos="0"/>
+              </a:tabLst>
             </a:pPr>
             <a:r>
               <a:rPr b="0" lang="en-US" sz="4400" strike="noStrike" u="none">
@@ -3701,20 +5721,20 @@
               </a:rPr>
               <a:t>Click to edit Master title style</a:t>
             </a:r>
-            <a:endParaRPr b="0" lang="en-US" sz="4400" strike="noStrike" u="none">
-              <a:solidFill>
-                <a:schemeClr val="dk1"/>
-              </a:solidFill>
-              <a:effectLst/>
-              <a:uFillTx/>
-              <a:latin typeface="Calibri"/>
+            <a:endParaRPr b="0" lang="en-GB" sz="4400" strike="noStrike" u="none">
+              <a:solidFill>
+                <a:srgbClr val="000000"/>
+              </a:solidFill>
+              <a:effectLst/>
+              <a:uFillTx/>
+              <a:latin typeface="Arial"/>
             </a:endParaRPr>
           </a:p>
         </p:txBody>
       </p:sp>
       <p:sp>
         <p:nvSpPr>
-          <p:cNvPr id="26" name="PlaceHolder 2"/>
+          <p:cNvPr id="43" name="PlaceHolder 2"/>
           <p:cNvSpPr>
             <a:spLocks noGrp="1"/>
           </p:cNvSpPr>
@@ -3725,7 +5745,7 @@
         <p:spPr>
           <a:xfrm>
             <a:off x="457200" y="1600200"/>
-            <a:ext cx="4038120" cy="4525560"/>
+            <a:ext cx="4037760" cy="4525200"/>
           </a:xfrm>
           <a:prstGeom prst="rect">
             <a:avLst/>
@@ -3764,13 +5784,13 @@
               </a:rPr>
               <a:t>Click to edit Master text styles</a:t>
             </a:r>
-            <a:endParaRPr b="0" lang="en-US" sz="2800" strike="noStrike" u="none">
-              <a:solidFill>
-                <a:schemeClr val="dk1"/>
-              </a:solidFill>
-              <a:effectLst/>
-              <a:uFillTx/>
-              <a:latin typeface="Calibri"/>
+            <a:endParaRPr b="0" lang="en-GB" sz="2800" strike="noStrike" u="none">
+              <a:solidFill>
+                <a:srgbClr val="000000"/>
+              </a:solidFill>
+              <a:effectLst/>
+              <a:uFillTx/>
+              <a:latin typeface="Arial"/>
             </a:endParaRPr>
           </a:p>
           <a:p>
@@ -3798,13 +5818,13 @@
               </a:rPr>
               <a:t>Second level</a:t>
             </a:r>
-            <a:endParaRPr b="0" lang="en-US" sz="2400" strike="noStrike" u="none">
-              <a:solidFill>
-                <a:schemeClr val="dk1"/>
-              </a:solidFill>
-              <a:effectLst/>
-              <a:uFillTx/>
-              <a:latin typeface="Calibri"/>
+            <a:endParaRPr b="0" lang="en-GB" sz="2400" strike="noStrike" u="none">
+              <a:solidFill>
+                <a:srgbClr val="000000"/>
+              </a:solidFill>
+              <a:effectLst/>
+              <a:uFillTx/>
+              <a:latin typeface="Arial"/>
             </a:endParaRPr>
           </a:p>
           <a:p>
@@ -3832,13 +5852,13 @@
               </a:rPr>
               <a:t>Third level</a:t>
             </a:r>
-            <a:endParaRPr b="0" lang="en-US" sz="2000" strike="noStrike" u="none">
-              <a:solidFill>
-                <a:schemeClr val="dk1"/>
-              </a:solidFill>
-              <a:effectLst/>
-              <a:uFillTx/>
-              <a:latin typeface="Calibri"/>
+            <a:endParaRPr b="0" lang="en-GB" sz="2000" strike="noStrike" u="none">
+              <a:solidFill>
+                <a:srgbClr val="000000"/>
+              </a:solidFill>
+              <a:effectLst/>
+              <a:uFillTx/>
+              <a:latin typeface="Arial"/>
             </a:endParaRPr>
           </a:p>
           <a:p>
@@ -3866,13 +5886,13 @@
               </a:rPr>
               <a:t>Fourth level</a:t>
             </a:r>
-            <a:endParaRPr b="0" lang="en-US" sz="1800" strike="noStrike" u="none">
-              <a:solidFill>
-                <a:schemeClr val="dk1"/>
-              </a:solidFill>
-              <a:effectLst/>
-              <a:uFillTx/>
-              <a:latin typeface="Calibri"/>
+            <a:endParaRPr b="0" lang="en-GB" sz="1800" strike="noStrike" u="none">
+              <a:solidFill>
+                <a:srgbClr val="000000"/>
+              </a:solidFill>
+              <a:effectLst/>
+              <a:uFillTx/>
+              <a:latin typeface="Arial"/>
             </a:endParaRPr>
           </a:p>
           <a:p>
@@ -3900,20 +5920,20 @@
               </a:rPr>
               <a:t>Fifth level</a:t>
             </a:r>
-            <a:endParaRPr b="0" lang="en-US" sz="1800" strike="noStrike" u="none">
-              <a:solidFill>
-                <a:schemeClr val="dk1"/>
-              </a:solidFill>
-              <a:effectLst/>
-              <a:uFillTx/>
-              <a:latin typeface="Calibri"/>
+            <a:endParaRPr b="0" lang="en-GB" sz="1800" strike="noStrike" u="none">
+              <a:solidFill>
+                <a:srgbClr val="000000"/>
+              </a:solidFill>
+              <a:effectLst/>
+              <a:uFillTx/>
+              <a:latin typeface="Arial"/>
             </a:endParaRPr>
           </a:p>
         </p:txBody>
       </p:sp>
       <p:sp>
         <p:nvSpPr>
-          <p:cNvPr id="27" name="PlaceHolder 3"/>
+          <p:cNvPr id="44" name="PlaceHolder 3"/>
           <p:cNvSpPr>
             <a:spLocks noGrp="1"/>
           </p:cNvSpPr>
@@ -3924,7 +5944,7 @@
         <p:spPr>
           <a:xfrm>
             <a:off x="4648320" y="1600200"/>
-            <a:ext cx="4038120" cy="4525560"/>
+            <a:ext cx="4037760" cy="4525200"/>
           </a:xfrm>
           <a:prstGeom prst="rect">
             <a:avLst/>
@@ -3963,13 +5983,13 @@
               </a:rPr>
               <a:t>Click to edit Master text styles</a:t>
             </a:r>
-            <a:endParaRPr b="0" lang="en-US" sz="2800" strike="noStrike" u="none">
-              <a:solidFill>
-                <a:schemeClr val="dk1"/>
-              </a:solidFill>
-              <a:effectLst/>
-              <a:uFillTx/>
-              <a:latin typeface="Calibri"/>
+            <a:endParaRPr b="0" lang="en-GB" sz="2800" strike="noStrike" u="none">
+              <a:solidFill>
+                <a:srgbClr val="000000"/>
+              </a:solidFill>
+              <a:effectLst/>
+              <a:uFillTx/>
+              <a:latin typeface="Arial"/>
             </a:endParaRPr>
           </a:p>
           <a:p>
@@ -3997,13 +6017,13 @@
               </a:rPr>
               <a:t>Second level</a:t>
             </a:r>
-            <a:endParaRPr b="0" lang="en-US" sz="2400" strike="noStrike" u="none">
-              <a:solidFill>
-                <a:schemeClr val="dk1"/>
-              </a:solidFill>
-              <a:effectLst/>
-              <a:uFillTx/>
-              <a:latin typeface="Calibri"/>
+            <a:endParaRPr b="0" lang="en-GB" sz="2400" strike="noStrike" u="none">
+              <a:solidFill>
+                <a:srgbClr val="000000"/>
+              </a:solidFill>
+              <a:effectLst/>
+              <a:uFillTx/>
+              <a:latin typeface="Arial"/>
             </a:endParaRPr>
           </a:p>
           <a:p>
@@ -4031,13 +6051,13 @@
               </a:rPr>
               <a:t>Third level</a:t>
             </a:r>
-            <a:endParaRPr b="0" lang="en-US" sz="2000" strike="noStrike" u="none">
-              <a:solidFill>
-                <a:schemeClr val="dk1"/>
-              </a:solidFill>
-              <a:effectLst/>
-              <a:uFillTx/>
-              <a:latin typeface="Calibri"/>
+            <a:endParaRPr b="0" lang="en-GB" sz="2000" strike="noStrike" u="none">
+              <a:solidFill>
+                <a:srgbClr val="000000"/>
+              </a:solidFill>
+              <a:effectLst/>
+              <a:uFillTx/>
+              <a:latin typeface="Arial"/>
             </a:endParaRPr>
           </a:p>
           <a:p>
@@ -4065,13 +6085,13 @@
               </a:rPr>
               <a:t>Fourth level</a:t>
             </a:r>
-            <a:endParaRPr b="0" lang="en-US" sz="1800" strike="noStrike" u="none">
-              <a:solidFill>
-                <a:schemeClr val="dk1"/>
-              </a:solidFill>
-              <a:effectLst/>
-              <a:uFillTx/>
-              <a:latin typeface="Calibri"/>
+            <a:endParaRPr b="0" lang="en-GB" sz="1800" strike="noStrike" u="none">
+              <a:solidFill>
+                <a:srgbClr val="000000"/>
+              </a:solidFill>
+              <a:effectLst/>
+              <a:uFillTx/>
+              <a:latin typeface="Arial"/>
             </a:endParaRPr>
           </a:p>
           <a:p>
@@ -4099,31 +6119,31 @@
               </a:rPr>
               <a:t>Fifth level</a:t>
             </a:r>
-            <a:endParaRPr b="0" lang="en-US" sz="1800" strike="noStrike" u="none">
-              <a:solidFill>
-                <a:schemeClr val="dk1"/>
-              </a:solidFill>
-              <a:effectLst/>
-              <a:uFillTx/>
-              <a:latin typeface="Calibri"/>
+            <a:endParaRPr b="0" lang="en-GB" sz="1800" strike="noStrike" u="none">
+              <a:solidFill>
+                <a:srgbClr val="000000"/>
+              </a:solidFill>
+              <a:effectLst/>
+              <a:uFillTx/>
+              <a:latin typeface="Arial"/>
             </a:endParaRPr>
           </a:p>
         </p:txBody>
       </p:sp>
       <p:sp>
         <p:nvSpPr>
-          <p:cNvPr id="28" name="PlaceHolder 4"/>
+          <p:cNvPr id="45" name="PlaceHolder 4"/>
           <p:cNvSpPr>
             <a:spLocks noGrp="1"/>
           </p:cNvSpPr>
           <p:nvPr>
-            <p:ph type="dt" idx="16"/>
+            <p:ph type="dt" idx="25"/>
           </p:nvPr>
         </p:nvSpPr>
         <p:spPr>
           <a:xfrm>
             <a:off x="457200" y="6356520"/>
-            <a:ext cx="2133360" cy="364680"/>
+            <a:ext cx="2133000" cy="364320"/>
           </a:xfrm>
           <a:prstGeom prst="rect">
             <a:avLst/>
@@ -4143,6 +6163,9 @@
                 <a:spcPct val="100000"/>
               </a:lnSpc>
               <a:buNone/>
+              <a:tabLst>
+                <a:tab algn="l" pos="0"/>
+              </a:tabLst>
               <a:defRPr b="0" lang="en-US" sz="1200" strike="noStrike" u="none">
                 <a:solidFill>
                   <a:schemeClr val="dk1">
@@ -4161,6 +6184,9 @@
                 <a:spcPct val="100000"/>
               </a:lnSpc>
               <a:buNone/>
+              <a:tabLst>
+                <a:tab algn="l" pos="0"/>
+              </a:tabLst>
             </a:pPr>
             <a:r>
               <a:rPr b="0" lang="en-US" sz="1200" strike="noStrike" u="none">
@@ -4188,18 +6214,18 @@
       </p:sp>
       <p:sp>
         <p:nvSpPr>
-          <p:cNvPr id="29" name="PlaceHolder 5"/>
+          <p:cNvPr id="46" name="PlaceHolder 5"/>
           <p:cNvSpPr>
             <a:spLocks noGrp="1"/>
           </p:cNvSpPr>
           <p:nvPr>
-            <p:ph type="ftr" idx="17"/>
+            <p:ph type="ftr" idx="26"/>
           </p:nvPr>
         </p:nvSpPr>
         <p:spPr>
           <a:xfrm>
             <a:off x="3124080" y="6356520"/>
-            <a:ext cx="2895120" cy="364680"/>
+            <a:ext cx="2894760" cy="364320"/>
           </a:xfrm>
           <a:prstGeom prst="rect">
             <a:avLst/>
@@ -4215,7 +6241,13 @@
           </a:bodyPr>
           <a:lstStyle>
             <a:lvl1pPr indent="0" algn="ctr">
-              <a:buNone/>
+              <a:lnSpc>
+                <a:spcPct val="100000"/>
+              </a:lnSpc>
+              <a:buNone/>
+              <a:tabLst>
+                <a:tab algn="l" pos="0"/>
+              </a:tabLst>
               <a:defRPr b="0" lang="en-GB" sz="1400" strike="noStrike" u="none">
                 <a:solidFill>
                   <a:srgbClr val="000000"/>
@@ -4228,7 +6260,13 @@
           </a:lstStyle>
           <a:p>
             <a:pPr indent="0" algn="ctr">
-              <a:buNone/>
+              <a:lnSpc>
+                <a:spcPct val="100000"/>
+              </a:lnSpc>
+              <a:buNone/>
+              <a:tabLst>
+                <a:tab algn="l" pos="0"/>
+              </a:tabLst>
             </a:pPr>
             <a:r>
               <a:rPr b="0" lang="en-GB" sz="1400" strike="noStrike" u="none">
@@ -4254,18 +6292,18 @@
       </p:sp>
       <p:sp>
         <p:nvSpPr>
-          <p:cNvPr id="30" name="PlaceHolder 6"/>
+          <p:cNvPr id="47" name="PlaceHolder 6"/>
           <p:cNvSpPr>
             <a:spLocks noGrp="1"/>
           </p:cNvSpPr>
           <p:nvPr>
-            <p:ph type="sldNum" idx="18"/>
+            <p:ph type="sldNum" idx="27"/>
           </p:nvPr>
         </p:nvSpPr>
         <p:spPr>
           <a:xfrm>
             <a:off x="6553080" y="6356520"/>
-            <a:ext cx="2133360" cy="364680"/>
+            <a:ext cx="2133000" cy="364320"/>
           </a:xfrm>
           <a:prstGeom prst="rect">
             <a:avLst/>
@@ -4285,6 +6323,9 @@
                 <a:spcPct val="100000"/>
               </a:lnSpc>
               <a:buNone/>
+              <a:tabLst>
+                <a:tab algn="l" pos="0"/>
+              </a:tabLst>
               <a:defRPr b="0" lang="en-US" sz="1200" strike="noStrike" u="none">
                 <a:solidFill>
                   <a:schemeClr val="dk1">
@@ -4303,8 +6344,11 @@
                 <a:spcPct val="100000"/>
               </a:lnSpc>
               <a:buNone/>
-            </a:pPr>
-            <a:fld id="{1B967916-0C1C-42C5-BE27-F5A439524B4A}" type="slidenum">
+              <a:tabLst>
+                <a:tab algn="l" pos="0"/>
+              </a:tabLst>
+            </a:pPr>
+            <a:fld id="{A249FEA2-822C-4EDB-99E0-5EF1CFEA4530}" type="slidenum">
               <a:rPr b="0" lang="en-US" sz="1200" strike="noStrike" u="none">
                 <a:solidFill>
                   <a:schemeClr val="dk1">
@@ -4324,1687 +6368,6 @@
               <a:effectLst/>
               <a:uFillTx/>
               <a:latin typeface="Times New Roman"/>
-            </a:endParaRPr>
-          </a:p>
-        </p:txBody>
-      </p:sp>
-    </p:spTree>
-  </p:cSld>
-</p:sldLayout>
-</file>
-
-<file path=ppt/slideLayouts/slideLayout7.xml><?xml version="1.0" encoding="utf-8"?>
-<p:sldLayout xmlns:a="http://schemas.openxmlformats.org/drawingml/2006/main" xmlns:p="http://schemas.openxmlformats.org/presentationml/2006/main" xmlns:r="http://schemas.openxmlformats.org/officeDocument/2006/relationships" xmlns:p14="http://schemas.microsoft.com/office/powerpoint/2010/main" xmlns:p15="http://schemas.microsoft.com/office/powerpoint/2012/main" xmlns:mc="http://schemas.openxmlformats.org/markup-compatibility/2006" type="blank" preserve="1">
-  <p:cSld name="Comparison">
-    <p:bg>
-      <p:bgPr>
-        <a:solidFill>
-          <a:srgbClr val="ffffff"/>
-        </a:solidFill>
-      </p:bgPr>
-    </p:bg>
-    <p:spTree>
-      <p:nvGrpSpPr>
-        <p:cNvPr id="1" name=""/>
-        <p:cNvGrpSpPr/>
-        <p:nvPr/>
-      </p:nvGrpSpPr>
-      <p:grpSpPr>
-        <a:xfrm>
-          <a:off x="0" y="0"/>
-          <a:ext cx="0" cy="0"/>
-          <a:chOff x="0" y="0"/>
-          <a:chExt cx="0" cy="0"/>
-        </a:xfrm>
-      </p:grpSpPr>
-      <p:sp>
-        <p:nvSpPr>
-          <p:cNvPr id="31" name="PlaceHolder 1"/>
-          <p:cNvSpPr>
-            <a:spLocks noGrp="1"/>
-          </p:cNvSpPr>
-          <p:nvPr>
-            <p:ph type="title"/>
-          </p:nvPr>
-        </p:nvSpPr>
-        <p:spPr>
-          <a:xfrm>
-            <a:off x="457200" y="274680"/>
-            <a:ext cx="8229240" cy="1142640"/>
-          </a:xfrm>
-          <a:prstGeom prst="rect">
-            <a:avLst/>
-          </a:prstGeom>
-          <a:noFill/>
-          <a:ln w="0">
-            <a:noFill/>
-          </a:ln>
-        </p:spPr>
-        <p:txBody>
-          <a:bodyPr lIns="91440" rIns="91440" tIns="45720" bIns="45720" anchor="ctr">
-            <a:noAutofit/>
-          </a:bodyPr>
-          <a:p>
-            <a:pPr indent="0" algn="ctr" defTabSz="457200">
-              <a:lnSpc>
-                <a:spcPct val="100000"/>
-              </a:lnSpc>
-              <a:buNone/>
-            </a:pPr>
-            <a:r>
-              <a:rPr b="0" lang="en-US" sz="4400" strike="noStrike" u="none">
-                <a:solidFill>
-                  <a:schemeClr val="dk1"/>
-                </a:solidFill>
-                <a:effectLst/>
-                <a:uFillTx/>
-                <a:latin typeface="Calibri"/>
-              </a:rPr>
-              <a:t>Click to edit Master title style</a:t>
-            </a:r>
-            <a:endParaRPr b="0" lang="en-US" sz="4400" strike="noStrike" u="none">
-              <a:solidFill>
-                <a:schemeClr val="dk1"/>
-              </a:solidFill>
-              <a:effectLst/>
-              <a:uFillTx/>
-              <a:latin typeface="Calibri"/>
-            </a:endParaRPr>
-          </a:p>
-        </p:txBody>
-      </p:sp>
-      <p:sp>
-        <p:nvSpPr>
-          <p:cNvPr id="32" name="PlaceHolder 2"/>
-          <p:cNvSpPr>
-            <a:spLocks noGrp="1"/>
-          </p:cNvSpPr>
-          <p:nvPr>
-            <p:ph type="body"/>
-          </p:nvPr>
-        </p:nvSpPr>
-        <p:spPr>
-          <a:xfrm>
-            <a:off x="457200" y="1535040"/>
-            <a:ext cx="4039920" cy="639360"/>
-          </a:xfrm>
-          <a:prstGeom prst="rect">
-            <a:avLst/>
-          </a:prstGeom>
-          <a:noFill/>
-          <a:ln w="0">
-            <a:noFill/>
-          </a:ln>
-        </p:spPr>
-        <p:txBody>
-          <a:bodyPr lIns="91440" rIns="91440" tIns="45720" bIns="45720" anchor="b">
-            <a:noAutofit/>
-          </a:bodyPr>
-          <a:p>
-            <a:pPr indent="0" defTabSz="457200">
-              <a:lnSpc>
-                <a:spcPct val="100000"/>
-              </a:lnSpc>
-              <a:spcBef>
-                <a:spcPts val="479"/>
-              </a:spcBef>
-              <a:buNone/>
-              <a:tabLst>
-                <a:tab algn="l" pos="0"/>
-              </a:tabLst>
-            </a:pPr>
-            <a:r>
-              <a:rPr b="1" lang="en-US" sz="2400" strike="noStrike" u="none">
-                <a:solidFill>
-                  <a:schemeClr val="dk1"/>
-                </a:solidFill>
-                <a:effectLst/>
-                <a:uFillTx/>
-                <a:latin typeface="Calibri"/>
-              </a:rPr>
-              <a:t>Click to edit Master text styles</a:t>
-            </a:r>
-            <a:endParaRPr b="0" lang="en-US" sz="2400" strike="noStrike" u="none">
-              <a:solidFill>
-                <a:schemeClr val="dk1"/>
-              </a:solidFill>
-              <a:effectLst/>
-              <a:uFillTx/>
-              <a:latin typeface="Calibri"/>
-            </a:endParaRPr>
-          </a:p>
-        </p:txBody>
-      </p:sp>
-      <p:sp>
-        <p:nvSpPr>
-          <p:cNvPr id="33" name="PlaceHolder 3"/>
-          <p:cNvSpPr>
-            <a:spLocks noGrp="1"/>
-          </p:cNvSpPr>
-          <p:nvPr>
-            <p:ph type="body"/>
-          </p:nvPr>
-        </p:nvSpPr>
-        <p:spPr>
-          <a:xfrm>
-            <a:off x="457200" y="2174760"/>
-            <a:ext cx="4039920" cy="3951000"/>
-          </a:xfrm>
-          <a:prstGeom prst="rect">
-            <a:avLst/>
-          </a:prstGeom>
-          <a:noFill/>
-          <a:ln w="0">
-            <a:noFill/>
-          </a:ln>
-        </p:spPr>
-        <p:txBody>
-          <a:bodyPr lIns="91440" rIns="91440" tIns="45720" bIns="45720" anchor="t">
-            <a:noAutofit/>
-          </a:bodyPr>
-          <a:p>
-            <a:pPr marL="343080" indent="-343080" defTabSz="457200">
-              <a:lnSpc>
-                <a:spcPct val="100000"/>
-              </a:lnSpc>
-              <a:spcBef>
-                <a:spcPts val="479"/>
-              </a:spcBef>
-              <a:buClr>
-                <a:srgbClr val="000000"/>
-              </a:buClr>
-              <a:buFont typeface="Arial"/>
-              <a:buChar char="•"/>
-            </a:pPr>
-            <a:r>
-              <a:rPr b="0" lang="en-US" sz="2400" strike="noStrike" u="none">
-                <a:solidFill>
-                  <a:schemeClr val="dk1"/>
-                </a:solidFill>
-                <a:effectLst/>
-                <a:uFillTx/>
-                <a:latin typeface="Calibri"/>
-              </a:rPr>
-              <a:t>Click to edit Master text styles</a:t>
-            </a:r>
-            <a:endParaRPr b="0" lang="en-US" sz="2400" strike="noStrike" u="none">
-              <a:solidFill>
-                <a:schemeClr val="dk1"/>
-              </a:solidFill>
-              <a:effectLst/>
-              <a:uFillTx/>
-              <a:latin typeface="Calibri"/>
-            </a:endParaRPr>
-          </a:p>
-          <a:p>
-            <a:pPr lvl="1" marL="743040" indent="-285840" defTabSz="457200">
-              <a:lnSpc>
-                <a:spcPct val="100000"/>
-              </a:lnSpc>
-              <a:spcBef>
-                <a:spcPts val="400"/>
-              </a:spcBef>
-              <a:buClr>
-                <a:srgbClr val="000000"/>
-              </a:buClr>
-              <a:buFont typeface="Arial"/>
-              <a:buChar char="–"/>
-            </a:pPr>
-            <a:r>
-              <a:rPr b="0" lang="en-US" sz="2000" strike="noStrike" u="none">
-                <a:solidFill>
-                  <a:schemeClr val="dk1"/>
-                </a:solidFill>
-                <a:effectLst/>
-                <a:uFillTx/>
-                <a:latin typeface="Calibri"/>
-              </a:rPr>
-              <a:t>Second level</a:t>
-            </a:r>
-            <a:endParaRPr b="0" lang="en-US" sz="2000" strike="noStrike" u="none">
-              <a:solidFill>
-                <a:schemeClr val="dk1"/>
-              </a:solidFill>
-              <a:effectLst/>
-              <a:uFillTx/>
-              <a:latin typeface="Calibri"/>
-            </a:endParaRPr>
-          </a:p>
-          <a:p>
-            <a:pPr lvl="2" marL="1143000" indent="-228600" defTabSz="457200">
-              <a:lnSpc>
-                <a:spcPct val="100000"/>
-              </a:lnSpc>
-              <a:spcBef>
-                <a:spcPts val="360"/>
-              </a:spcBef>
-              <a:buClr>
-                <a:srgbClr val="000000"/>
-              </a:buClr>
-              <a:buFont typeface="Arial"/>
-              <a:buChar char="•"/>
-            </a:pPr>
-            <a:r>
-              <a:rPr b="0" lang="en-US" sz="1800" strike="noStrike" u="none">
-                <a:solidFill>
-                  <a:schemeClr val="dk1"/>
-                </a:solidFill>
-                <a:effectLst/>
-                <a:uFillTx/>
-                <a:latin typeface="Calibri"/>
-              </a:rPr>
-              <a:t>Third level</a:t>
-            </a:r>
-            <a:endParaRPr b="0" lang="en-US" sz="1800" strike="noStrike" u="none">
-              <a:solidFill>
-                <a:schemeClr val="dk1"/>
-              </a:solidFill>
-              <a:effectLst/>
-              <a:uFillTx/>
-              <a:latin typeface="Calibri"/>
-            </a:endParaRPr>
-          </a:p>
-          <a:p>
-            <a:pPr lvl="3" marL="1600200" indent="-228600" defTabSz="457200">
-              <a:lnSpc>
-                <a:spcPct val="100000"/>
-              </a:lnSpc>
-              <a:spcBef>
-                <a:spcPts val="320"/>
-              </a:spcBef>
-              <a:buClr>
-                <a:srgbClr val="000000"/>
-              </a:buClr>
-              <a:buFont typeface="Arial"/>
-              <a:buChar char="–"/>
-            </a:pPr>
-            <a:r>
-              <a:rPr b="0" lang="en-US" sz="1600" strike="noStrike" u="none">
-                <a:solidFill>
-                  <a:schemeClr val="dk1"/>
-                </a:solidFill>
-                <a:effectLst/>
-                <a:uFillTx/>
-                <a:latin typeface="Calibri"/>
-              </a:rPr>
-              <a:t>Fourth level</a:t>
-            </a:r>
-            <a:endParaRPr b="0" lang="en-US" sz="1600" strike="noStrike" u="none">
-              <a:solidFill>
-                <a:schemeClr val="dk1"/>
-              </a:solidFill>
-              <a:effectLst/>
-              <a:uFillTx/>
-              <a:latin typeface="Calibri"/>
-            </a:endParaRPr>
-          </a:p>
-          <a:p>
-            <a:pPr lvl="4" marL="2057400" indent="-228600" defTabSz="457200">
-              <a:lnSpc>
-                <a:spcPct val="100000"/>
-              </a:lnSpc>
-              <a:spcBef>
-                <a:spcPts val="320"/>
-              </a:spcBef>
-              <a:buClr>
-                <a:srgbClr val="000000"/>
-              </a:buClr>
-              <a:buFont typeface="Arial"/>
-              <a:buChar char="»"/>
-            </a:pPr>
-            <a:r>
-              <a:rPr b="0" lang="en-US" sz="1600" strike="noStrike" u="none">
-                <a:solidFill>
-                  <a:schemeClr val="dk1"/>
-                </a:solidFill>
-                <a:effectLst/>
-                <a:uFillTx/>
-                <a:latin typeface="Calibri"/>
-              </a:rPr>
-              <a:t>Fifth level</a:t>
-            </a:r>
-            <a:endParaRPr b="0" lang="en-US" sz="1600" strike="noStrike" u="none">
-              <a:solidFill>
-                <a:schemeClr val="dk1"/>
-              </a:solidFill>
-              <a:effectLst/>
-              <a:uFillTx/>
-              <a:latin typeface="Calibri"/>
-            </a:endParaRPr>
-          </a:p>
-        </p:txBody>
-      </p:sp>
-      <p:sp>
-        <p:nvSpPr>
-          <p:cNvPr id="34" name="PlaceHolder 4"/>
-          <p:cNvSpPr>
-            <a:spLocks noGrp="1"/>
-          </p:cNvSpPr>
-          <p:nvPr>
-            <p:ph type="body"/>
-          </p:nvPr>
-        </p:nvSpPr>
-        <p:spPr>
-          <a:xfrm>
-            <a:off x="4645080" y="1535040"/>
-            <a:ext cx="4041360" cy="639360"/>
-          </a:xfrm>
-          <a:prstGeom prst="rect">
-            <a:avLst/>
-          </a:prstGeom>
-          <a:noFill/>
-          <a:ln w="0">
-            <a:noFill/>
-          </a:ln>
-        </p:spPr>
-        <p:txBody>
-          <a:bodyPr lIns="91440" rIns="91440" tIns="45720" bIns="45720" anchor="b">
-            <a:noAutofit/>
-          </a:bodyPr>
-          <a:p>
-            <a:pPr indent="0" defTabSz="457200">
-              <a:lnSpc>
-                <a:spcPct val="100000"/>
-              </a:lnSpc>
-              <a:spcBef>
-                <a:spcPts val="479"/>
-              </a:spcBef>
-              <a:buNone/>
-              <a:tabLst>
-                <a:tab algn="l" pos="0"/>
-              </a:tabLst>
-            </a:pPr>
-            <a:r>
-              <a:rPr b="1" lang="en-US" sz="2400" strike="noStrike" u="none">
-                <a:solidFill>
-                  <a:schemeClr val="dk1"/>
-                </a:solidFill>
-                <a:effectLst/>
-                <a:uFillTx/>
-                <a:latin typeface="Calibri"/>
-              </a:rPr>
-              <a:t>Click to edit Master text styles</a:t>
-            </a:r>
-            <a:endParaRPr b="0" lang="en-US" sz="2400" strike="noStrike" u="none">
-              <a:solidFill>
-                <a:schemeClr val="dk1"/>
-              </a:solidFill>
-              <a:effectLst/>
-              <a:uFillTx/>
-              <a:latin typeface="Calibri"/>
-            </a:endParaRPr>
-          </a:p>
-        </p:txBody>
-      </p:sp>
-      <p:sp>
-        <p:nvSpPr>
-          <p:cNvPr id="35" name="PlaceHolder 5"/>
-          <p:cNvSpPr>
-            <a:spLocks noGrp="1"/>
-          </p:cNvSpPr>
-          <p:nvPr>
-            <p:ph type="body"/>
-          </p:nvPr>
-        </p:nvSpPr>
-        <p:spPr>
-          <a:xfrm>
-            <a:off x="4645080" y="2174760"/>
-            <a:ext cx="4041360" cy="3951000"/>
-          </a:xfrm>
-          <a:prstGeom prst="rect">
-            <a:avLst/>
-          </a:prstGeom>
-          <a:noFill/>
-          <a:ln w="0">
-            <a:noFill/>
-          </a:ln>
-        </p:spPr>
-        <p:txBody>
-          <a:bodyPr lIns="91440" rIns="91440" tIns="45720" bIns="45720" anchor="t">
-            <a:noAutofit/>
-          </a:bodyPr>
-          <a:p>
-            <a:pPr marL="343080" indent="-343080" defTabSz="457200">
-              <a:lnSpc>
-                <a:spcPct val="100000"/>
-              </a:lnSpc>
-              <a:spcBef>
-                <a:spcPts val="479"/>
-              </a:spcBef>
-              <a:buClr>
-                <a:srgbClr val="000000"/>
-              </a:buClr>
-              <a:buFont typeface="Arial"/>
-              <a:buChar char="•"/>
-            </a:pPr>
-            <a:r>
-              <a:rPr b="0" lang="en-US" sz="2400" strike="noStrike" u="none">
-                <a:solidFill>
-                  <a:schemeClr val="dk1"/>
-                </a:solidFill>
-                <a:effectLst/>
-                <a:uFillTx/>
-                <a:latin typeface="Calibri"/>
-              </a:rPr>
-              <a:t>Click to edit Master text styles</a:t>
-            </a:r>
-            <a:endParaRPr b="0" lang="en-US" sz="2400" strike="noStrike" u="none">
-              <a:solidFill>
-                <a:schemeClr val="dk1"/>
-              </a:solidFill>
-              <a:effectLst/>
-              <a:uFillTx/>
-              <a:latin typeface="Calibri"/>
-            </a:endParaRPr>
-          </a:p>
-          <a:p>
-            <a:pPr lvl="1" marL="743040" indent="-285840" defTabSz="457200">
-              <a:lnSpc>
-                <a:spcPct val="100000"/>
-              </a:lnSpc>
-              <a:spcBef>
-                <a:spcPts val="400"/>
-              </a:spcBef>
-              <a:buClr>
-                <a:srgbClr val="000000"/>
-              </a:buClr>
-              <a:buFont typeface="Arial"/>
-              <a:buChar char="–"/>
-            </a:pPr>
-            <a:r>
-              <a:rPr b="0" lang="en-US" sz="2000" strike="noStrike" u="none">
-                <a:solidFill>
-                  <a:schemeClr val="dk1"/>
-                </a:solidFill>
-                <a:effectLst/>
-                <a:uFillTx/>
-                <a:latin typeface="Calibri"/>
-              </a:rPr>
-              <a:t>Second level</a:t>
-            </a:r>
-            <a:endParaRPr b="0" lang="en-US" sz="2000" strike="noStrike" u="none">
-              <a:solidFill>
-                <a:schemeClr val="dk1"/>
-              </a:solidFill>
-              <a:effectLst/>
-              <a:uFillTx/>
-              <a:latin typeface="Calibri"/>
-            </a:endParaRPr>
-          </a:p>
-          <a:p>
-            <a:pPr lvl="2" marL="1143000" indent="-228600" defTabSz="457200">
-              <a:lnSpc>
-                <a:spcPct val="100000"/>
-              </a:lnSpc>
-              <a:spcBef>
-                <a:spcPts val="360"/>
-              </a:spcBef>
-              <a:buClr>
-                <a:srgbClr val="000000"/>
-              </a:buClr>
-              <a:buFont typeface="Arial"/>
-              <a:buChar char="•"/>
-            </a:pPr>
-            <a:r>
-              <a:rPr b="0" lang="en-US" sz="1800" strike="noStrike" u="none">
-                <a:solidFill>
-                  <a:schemeClr val="dk1"/>
-                </a:solidFill>
-                <a:effectLst/>
-                <a:uFillTx/>
-                <a:latin typeface="Calibri"/>
-              </a:rPr>
-              <a:t>Third level</a:t>
-            </a:r>
-            <a:endParaRPr b="0" lang="en-US" sz="1800" strike="noStrike" u="none">
-              <a:solidFill>
-                <a:schemeClr val="dk1"/>
-              </a:solidFill>
-              <a:effectLst/>
-              <a:uFillTx/>
-              <a:latin typeface="Calibri"/>
-            </a:endParaRPr>
-          </a:p>
-          <a:p>
-            <a:pPr lvl="3" marL="1600200" indent="-228600" defTabSz="457200">
-              <a:lnSpc>
-                <a:spcPct val="100000"/>
-              </a:lnSpc>
-              <a:spcBef>
-                <a:spcPts val="320"/>
-              </a:spcBef>
-              <a:buClr>
-                <a:srgbClr val="000000"/>
-              </a:buClr>
-              <a:buFont typeface="Arial"/>
-              <a:buChar char="–"/>
-            </a:pPr>
-            <a:r>
-              <a:rPr b="0" lang="en-US" sz="1600" strike="noStrike" u="none">
-                <a:solidFill>
-                  <a:schemeClr val="dk1"/>
-                </a:solidFill>
-                <a:effectLst/>
-                <a:uFillTx/>
-                <a:latin typeface="Calibri"/>
-              </a:rPr>
-              <a:t>Fourth level</a:t>
-            </a:r>
-            <a:endParaRPr b="0" lang="en-US" sz="1600" strike="noStrike" u="none">
-              <a:solidFill>
-                <a:schemeClr val="dk1"/>
-              </a:solidFill>
-              <a:effectLst/>
-              <a:uFillTx/>
-              <a:latin typeface="Calibri"/>
-            </a:endParaRPr>
-          </a:p>
-          <a:p>
-            <a:pPr lvl="4" marL="2057400" indent="-228600" defTabSz="457200">
-              <a:lnSpc>
-                <a:spcPct val="100000"/>
-              </a:lnSpc>
-              <a:spcBef>
-                <a:spcPts val="320"/>
-              </a:spcBef>
-              <a:buClr>
-                <a:srgbClr val="000000"/>
-              </a:buClr>
-              <a:buFont typeface="Arial"/>
-              <a:buChar char="»"/>
-            </a:pPr>
-            <a:r>
-              <a:rPr b="0" lang="en-US" sz="1600" strike="noStrike" u="none">
-                <a:solidFill>
-                  <a:schemeClr val="dk1"/>
-                </a:solidFill>
-                <a:effectLst/>
-                <a:uFillTx/>
-                <a:latin typeface="Calibri"/>
-              </a:rPr>
-              <a:t>Fifth level</a:t>
-            </a:r>
-            <a:endParaRPr b="0" lang="en-US" sz="1600" strike="noStrike" u="none">
-              <a:solidFill>
-                <a:schemeClr val="dk1"/>
-              </a:solidFill>
-              <a:effectLst/>
-              <a:uFillTx/>
-              <a:latin typeface="Calibri"/>
-            </a:endParaRPr>
-          </a:p>
-        </p:txBody>
-      </p:sp>
-      <p:sp>
-        <p:nvSpPr>
-          <p:cNvPr id="36" name="PlaceHolder 6"/>
-          <p:cNvSpPr>
-            <a:spLocks noGrp="1"/>
-          </p:cNvSpPr>
-          <p:nvPr>
-            <p:ph type="dt" idx="19"/>
-          </p:nvPr>
-        </p:nvSpPr>
-        <p:spPr>
-          <a:xfrm>
-            <a:off x="457200" y="6356520"/>
-            <a:ext cx="2133360" cy="364680"/>
-          </a:xfrm>
-          <a:prstGeom prst="rect">
-            <a:avLst/>
-          </a:prstGeom>
-          <a:noFill/>
-          <a:ln w="0">
-            <a:noFill/>
-          </a:ln>
-        </p:spPr>
-        <p:txBody>
-          <a:bodyPr lIns="91440" rIns="91440" tIns="45720" bIns="45720" anchor="ctr">
-            <a:noAutofit/>
-          </a:bodyPr>
-          <a:lstStyle>
-            <a:lvl1pPr indent="0" defTabSz="457200">
-              <a:lnSpc>
-                <a:spcPct val="100000"/>
-              </a:lnSpc>
-              <a:buNone/>
-              <a:defRPr b="0" lang="en-US" sz="1200" strike="noStrike" u="none">
-                <a:solidFill>
-                  <a:schemeClr val="dk1">
-                    <a:tint val="75000"/>
-                  </a:schemeClr>
-                </a:solidFill>
-                <a:effectLst/>
-                <a:uFillTx/>
-                <a:latin typeface="Calibri"/>
-              </a:defRPr>
-            </a:lvl1pPr>
-          </a:lstStyle>
-          <a:p>
-            <a:pPr indent="0" defTabSz="457200">
-              <a:lnSpc>
-                <a:spcPct val="100000"/>
-              </a:lnSpc>
-              <a:buNone/>
-            </a:pPr>
-            <a:r>
-              <a:rPr b="0" lang="en-US" sz="1200" strike="noStrike" u="none">
-                <a:solidFill>
-                  <a:schemeClr val="dk1">
-                    <a:tint val="75000"/>
-                  </a:schemeClr>
-                </a:solidFill>
-                <a:effectLst/>
-                <a:uFillTx/>
-                <a:latin typeface="Calibri"/>
-              </a:rPr>
-              <a:t>&lt;date/time&gt;</a:t>
-            </a:r>
-            <a:endParaRPr b="0" lang="en-GB" sz="1200" strike="noStrike" u="none">
-              <a:solidFill>
-                <a:srgbClr val="000000"/>
-              </a:solidFill>
-              <a:effectLst/>
-              <a:uFillTx/>
-              <a:latin typeface="Times New Roman"/>
-            </a:endParaRPr>
-          </a:p>
-        </p:txBody>
-      </p:sp>
-      <p:sp>
-        <p:nvSpPr>
-          <p:cNvPr id="37" name="PlaceHolder 7"/>
-          <p:cNvSpPr>
-            <a:spLocks noGrp="1"/>
-          </p:cNvSpPr>
-          <p:nvPr>
-            <p:ph type="ftr" idx="20"/>
-          </p:nvPr>
-        </p:nvSpPr>
-        <p:spPr>
-          <a:xfrm>
-            <a:off x="3124080" y="6356520"/>
-            <a:ext cx="2895120" cy="364680"/>
-          </a:xfrm>
-          <a:prstGeom prst="rect">
-            <a:avLst/>
-          </a:prstGeom>
-          <a:noFill/>
-          <a:ln w="0">
-            <a:noFill/>
-          </a:ln>
-        </p:spPr>
-        <p:txBody>
-          <a:bodyPr lIns="91440" rIns="91440" tIns="45720" bIns="45720" anchor="ctr">
-            <a:noAutofit/>
-          </a:bodyPr>
-          <a:lstStyle>
-            <a:lvl1pPr indent="0" algn="ctr">
-              <a:buNone/>
-              <a:defRPr b="0" lang="en-GB" sz="1400" strike="noStrike" u="none">
-                <a:solidFill>
-                  <a:srgbClr val="000000"/>
-                </a:solidFill>
-                <a:effectLst/>
-                <a:uFillTx/>
-                <a:latin typeface="Times New Roman"/>
-              </a:defRPr>
-            </a:lvl1pPr>
-          </a:lstStyle>
-          <a:p>
-            <a:pPr indent="0" algn="ctr">
-              <a:buNone/>
-            </a:pPr>
-            <a:r>
-              <a:rPr b="0" lang="en-GB" sz="1400" strike="noStrike" u="none">
-                <a:solidFill>
-                  <a:srgbClr val="000000"/>
-                </a:solidFill>
-                <a:effectLst/>
-                <a:uFillTx/>
-                <a:latin typeface="Times New Roman"/>
-              </a:rPr>
-              <a:t>&lt;footer&gt;</a:t>
-            </a:r>
-            <a:endParaRPr b="0" lang="en-GB" sz="1400" strike="noStrike" u="none">
-              <a:solidFill>
-                <a:srgbClr val="000000"/>
-              </a:solidFill>
-              <a:effectLst/>
-              <a:uFillTx/>
-              <a:latin typeface="Times New Roman"/>
-            </a:endParaRPr>
-          </a:p>
-        </p:txBody>
-      </p:sp>
-      <p:sp>
-        <p:nvSpPr>
-          <p:cNvPr id="38" name="PlaceHolder 8"/>
-          <p:cNvSpPr>
-            <a:spLocks noGrp="1"/>
-          </p:cNvSpPr>
-          <p:nvPr>
-            <p:ph type="sldNum" idx="21"/>
-          </p:nvPr>
-        </p:nvSpPr>
-        <p:spPr>
-          <a:xfrm>
-            <a:off x="6553080" y="6356520"/>
-            <a:ext cx="2133360" cy="364680"/>
-          </a:xfrm>
-          <a:prstGeom prst="rect">
-            <a:avLst/>
-          </a:prstGeom>
-          <a:noFill/>
-          <a:ln w="0">
-            <a:noFill/>
-          </a:ln>
-        </p:spPr>
-        <p:txBody>
-          <a:bodyPr lIns="91440" rIns="91440" tIns="45720" bIns="45720" anchor="ctr">
-            <a:noAutofit/>
-          </a:bodyPr>
-          <a:lstStyle>
-            <a:lvl1pPr indent="0" algn="r" defTabSz="457200">
-              <a:lnSpc>
-                <a:spcPct val="100000"/>
-              </a:lnSpc>
-              <a:buNone/>
-              <a:defRPr b="0" lang="en-US" sz="1200" strike="noStrike" u="none">
-                <a:solidFill>
-                  <a:schemeClr val="dk1">
-                    <a:tint val="75000"/>
-                  </a:schemeClr>
-                </a:solidFill>
-                <a:effectLst/>
-                <a:uFillTx/>
-                <a:latin typeface="Calibri"/>
-              </a:defRPr>
-            </a:lvl1pPr>
-          </a:lstStyle>
-          <a:p>
-            <a:pPr indent="0" algn="r" defTabSz="457200">
-              <a:lnSpc>
-                <a:spcPct val="100000"/>
-              </a:lnSpc>
-              <a:buNone/>
-            </a:pPr>
-            <a:fld id="{3DBD1688-49E4-428E-B801-C9E5A50D9172}" type="slidenum">
-              <a:rPr b="0" lang="en-US" sz="1200" strike="noStrike" u="none">
-                <a:solidFill>
-                  <a:schemeClr val="dk1">
-                    <a:tint val="75000"/>
-                  </a:schemeClr>
-                </a:solidFill>
-                <a:effectLst/>
-                <a:uFillTx/>
-                <a:latin typeface="Calibri"/>
-              </a:rPr>
-              <a:t>&lt;number&gt;</a:t>
-            </a:fld>
-            <a:endParaRPr b="0" lang="en-GB" sz="1200" strike="noStrike" u="none">
-              <a:solidFill>
-                <a:srgbClr val="000000"/>
-              </a:solidFill>
-              <a:effectLst/>
-              <a:uFillTx/>
-              <a:latin typeface="Times New Roman"/>
-            </a:endParaRPr>
-          </a:p>
-        </p:txBody>
-      </p:sp>
-    </p:spTree>
-  </p:cSld>
-</p:sldLayout>
-</file>
-
-<file path=ppt/slideLayouts/slideLayout8.xml><?xml version="1.0" encoding="utf-8"?>
-<p:sldLayout xmlns:a="http://schemas.openxmlformats.org/drawingml/2006/main" xmlns:p="http://schemas.openxmlformats.org/presentationml/2006/main" xmlns:r="http://schemas.openxmlformats.org/officeDocument/2006/relationships" xmlns:p14="http://schemas.microsoft.com/office/powerpoint/2010/main" xmlns:p15="http://schemas.microsoft.com/office/powerpoint/2012/main" xmlns:mc="http://schemas.openxmlformats.org/markup-compatibility/2006" type="titleOnly" preserve="1">
-  <p:cSld name="Title Only">
-    <p:bg>
-      <p:bgPr>
-        <a:solidFill>
-          <a:srgbClr val="ffffff"/>
-        </a:solidFill>
-      </p:bgPr>
-    </p:bg>
-    <p:spTree>
-      <p:nvGrpSpPr>
-        <p:cNvPr id="1" name=""/>
-        <p:cNvGrpSpPr/>
-        <p:nvPr/>
-      </p:nvGrpSpPr>
-      <p:grpSpPr>
-        <a:xfrm>
-          <a:off x="0" y="0"/>
-          <a:ext cx="0" cy="0"/>
-          <a:chOff x="0" y="0"/>
-          <a:chExt cx="0" cy="0"/>
-        </a:xfrm>
-      </p:grpSpPr>
-      <p:sp>
-        <p:nvSpPr>
-          <p:cNvPr id="39" name="PlaceHolder 1"/>
-          <p:cNvSpPr>
-            <a:spLocks noGrp="1"/>
-          </p:cNvSpPr>
-          <p:nvPr>
-            <p:ph type="title"/>
-          </p:nvPr>
-        </p:nvSpPr>
-        <p:spPr>
-          <a:xfrm>
-            <a:off x="457200" y="274680"/>
-            <a:ext cx="8229240" cy="1142640"/>
-          </a:xfrm>
-          <a:prstGeom prst="rect">
-            <a:avLst/>
-          </a:prstGeom>
-          <a:noFill/>
-          <a:ln w="0">
-            <a:noFill/>
-          </a:ln>
-        </p:spPr>
-        <p:txBody>
-          <a:bodyPr lIns="91440" rIns="91440" tIns="45720" bIns="45720" anchor="ctr">
-            <a:noAutofit/>
-          </a:bodyPr>
-          <a:p>
-            <a:pPr indent="0" algn="ctr" defTabSz="457200">
-              <a:lnSpc>
-                <a:spcPct val="100000"/>
-              </a:lnSpc>
-              <a:buNone/>
-            </a:pPr>
-            <a:r>
-              <a:rPr b="0" lang="en-US" sz="4400" strike="noStrike" u="none">
-                <a:solidFill>
-                  <a:schemeClr val="dk1"/>
-                </a:solidFill>
-                <a:effectLst/>
-                <a:uFillTx/>
-                <a:latin typeface="Calibri"/>
-              </a:rPr>
-              <a:t>Click to edit Master title style</a:t>
-            </a:r>
-            <a:endParaRPr b="0" lang="en-US" sz="4400" strike="noStrike" u="none">
-              <a:solidFill>
-                <a:schemeClr val="dk1"/>
-              </a:solidFill>
-              <a:effectLst/>
-              <a:uFillTx/>
-              <a:latin typeface="Calibri"/>
-            </a:endParaRPr>
-          </a:p>
-        </p:txBody>
-      </p:sp>
-      <p:sp>
-        <p:nvSpPr>
-          <p:cNvPr id="40" name="PlaceHolder 2"/>
-          <p:cNvSpPr>
-            <a:spLocks noGrp="1"/>
-          </p:cNvSpPr>
-          <p:nvPr>
-            <p:ph type="dt" idx="22"/>
-          </p:nvPr>
-        </p:nvSpPr>
-        <p:spPr>
-          <a:xfrm>
-            <a:off x="457200" y="6356520"/>
-            <a:ext cx="2133360" cy="364680"/>
-          </a:xfrm>
-          <a:prstGeom prst="rect">
-            <a:avLst/>
-          </a:prstGeom>
-          <a:noFill/>
-          <a:ln w="0">
-            <a:noFill/>
-          </a:ln>
-        </p:spPr>
-        <p:txBody>
-          <a:bodyPr lIns="91440" rIns="91440" tIns="45720" bIns="45720" anchor="ctr">
-            <a:noAutofit/>
-          </a:bodyPr>
-          <a:lstStyle>
-            <a:lvl1pPr indent="0" defTabSz="457200">
-              <a:lnSpc>
-                <a:spcPct val="100000"/>
-              </a:lnSpc>
-              <a:buNone/>
-              <a:defRPr b="0" lang="en-US" sz="1200" strike="noStrike" u="none">
-                <a:solidFill>
-                  <a:schemeClr val="dk1">
-                    <a:tint val="75000"/>
-                  </a:schemeClr>
-                </a:solidFill>
-                <a:effectLst/>
-                <a:uFillTx/>
-                <a:latin typeface="Calibri"/>
-              </a:defRPr>
-            </a:lvl1pPr>
-          </a:lstStyle>
-          <a:p>
-            <a:pPr indent="0" defTabSz="457200">
-              <a:lnSpc>
-                <a:spcPct val="100000"/>
-              </a:lnSpc>
-              <a:buNone/>
-            </a:pPr>
-            <a:r>
-              <a:rPr b="0" lang="en-US" sz="1200" strike="noStrike" u="none">
-                <a:solidFill>
-                  <a:schemeClr val="dk1">
-                    <a:tint val="75000"/>
-                  </a:schemeClr>
-                </a:solidFill>
-                <a:effectLst/>
-                <a:uFillTx/>
-                <a:latin typeface="Calibri"/>
-              </a:rPr>
-              <a:t>&lt;date/time&gt;</a:t>
-            </a:r>
-            <a:endParaRPr b="0" lang="en-GB" sz="1200" strike="noStrike" u="none">
-              <a:solidFill>
-                <a:srgbClr val="000000"/>
-              </a:solidFill>
-              <a:effectLst/>
-              <a:uFillTx/>
-              <a:latin typeface="Times New Roman"/>
-            </a:endParaRPr>
-          </a:p>
-        </p:txBody>
-      </p:sp>
-      <p:sp>
-        <p:nvSpPr>
-          <p:cNvPr id="41" name="PlaceHolder 3"/>
-          <p:cNvSpPr>
-            <a:spLocks noGrp="1"/>
-          </p:cNvSpPr>
-          <p:nvPr>
-            <p:ph type="ftr" idx="23"/>
-          </p:nvPr>
-        </p:nvSpPr>
-        <p:spPr>
-          <a:xfrm>
-            <a:off x="3124080" y="6356520"/>
-            <a:ext cx="2895120" cy="364680"/>
-          </a:xfrm>
-          <a:prstGeom prst="rect">
-            <a:avLst/>
-          </a:prstGeom>
-          <a:noFill/>
-          <a:ln w="0">
-            <a:noFill/>
-          </a:ln>
-        </p:spPr>
-        <p:txBody>
-          <a:bodyPr lIns="91440" rIns="91440" tIns="45720" bIns="45720" anchor="ctr">
-            <a:noAutofit/>
-          </a:bodyPr>
-          <a:lstStyle>
-            <a:lvl1pPr indent="0" algn="ctr">
-              <a:buNone/>
-              <a:defRPr b="0" lang="en-GB" sz="1400" strike="noStrike" u="none">
-                <a:solidFill>
-                  <a:srgbClr val="000000"/>
-                </a:solidFill>
-                <a:effectLst/>
-                <a:uFillTx/>
-                <a:latin typeface="Times New Roman"/>
-              </a:defRPr>
-            </a:lvl1pPr>
-          </a:lstStyle>
-          <a:p>
-            <a:pPr indent="0" algn="ctr">
-              <a:buNone/>
-            </a:pPr>
-            <a:r>
-              <a:rPr b="0" lang="en-GB" sz="1400" strike="noStrike" u="none">
-                <a:solidFill>
-                  <a:srgbClr val="000000"/>
-                </a:solidFill>
-                <a:effectLst/>
-                <a:uFillTx/>
-                <a:latin typeface="Times New Roman"/>
-              </a:rPr>
-              <a:t>&lt;footer&gt;</a:t>
-            </a:r>
-            <a:endParaRPr b="0" lang="en-GB" sz="1400" strike="noStrike" u="none">
-              <a:solidFill>
-                <a:srgbClr val="000000"/>
-              </a:solidFill>
-              <a:effectLst/>
-              <a:uFillTx/>
-              <a:latin typeface="Times New Roman"/>
-            </a:endParaRPr>
-          </a:p>
-        </p:txBody>
-      </p:sp>
-      <p:sp>
-        <p:nvSpPr>
-          <p:cNvPr id="42" name="PlaceHolder 4"/>
-          <p:cNvSpPr>
-            <a:spLocks noGrp="1"/>
-          </p:cNvSpPr>
-          <p:nvPr>
-            <p:ph type="sldNum" idx="24"/>
-          </p:nvPr>
-        </p:nvSpPr>
-        <p:spPr>
-          <a:xfrm>
-            <a:off x="6553080" y="6356520"/>
-            <a:ext cx="2133360" cy="364680"/>
-          </a:xfrm>
-          <a:prstGeom prst="rect">
-            <a:avLst/>
-          </a:prstGeom>
-          <a:noFill/>
-          <a:ln w="0">
-            <a:noFill/>
-          </a:ln>
-        </p:spPr>
-        <p:txBody>
-          <a:bodyPr lIns="91440" rIns="91440" tIns="45720" bIns="45720" anchor="ctr">
-            <a:noAutofit/>
-          </a:bodyPr>
-          <a:lstStyle>
-            <a:lvl1pPr indent="0" algn="r" defTabSz="457200">
-              <a:lnSpc>
-                <a:spcPct val="100000"/>
-              </a:lnSpc>
-              <a:buNone/>
-              <a:defRPr b="0" lang="en-US" sz="1200" strike="noStrike" u="none">
-                <a:solidFill>
-                  <a:schemeClr val="dk1">
-                    <a:tint val="75000"/>
-                  </a:schemeClr>
-                </a:solidFill>
-                <a:effectLst/>
-                <a:uFillTx/>
-                <a:latin typeface="Calibri"/>
-              </a:defRPr>
-            </a:lvl1pPr>
-          </a:lstStyle>
-          <a:p>
-            <a:pPr indent="0" algn="r" defTabSz="457200">
-              <a:lnSpc>
-                <a:spcPct val="100000"/>
-              </a:lnSpc>
-              <a:buNone/>
-            </a:pPr>
-            <a:fld id="{5DC9855E-A568-4D91-9333-2601B2C03BBE}" type="slidenum">
-              <a:rPr b="0" lang="en-US" sz="1200" strike="noStrike" u="none">
-                <a:solidFill>
-                  <a:schemeClr val="dk1">
-                    <a:tint val="75000"/>
-                  </a:schemeClr>
-                </a:solidFill>
-                <a:effectLst/>
-                <a:uFillTx/>
-                <a:latin typeface="Calibri"/>
-              </a:rPr>
-              <a:t>&lt;number&gt;</a:t>
-            </a:fld>
-            <a:endParaRPr b="0" lang="en-GB" sz="1200" strike="noStrike" u="none">
-              <a:solidFill>
-                <a:srgbClr val="000000"/>
-              </a:solidFill>
-              <a:effectLst/>
-              <a:uFillTx/>
-              <a:latin typeface="Times New Roman"/>
-            </a:endParaRPr>
-          </a:p>
-        </p:txBody>
-      </p:sp>
-    </p:spTree>
-  </p:cSld>
-</p:sldLayout>
-</file>
-
-<file path=ppt/slideLayouts/slideLayout9.xml><?xml version="1.0" encoding="utf-8"?>
-<p:sldLayout xmlns:a="http://schemas.openxmlformats.org/drawingml/2006/main" xmlns:p="http://schemas.openxmlformats.org/presentationml/2006/main" xmlns:r="http://schemas.openxmlformats.org/officeDocument/2006/relationships" xmlns:p14="http://schemas.microsoft.com/office/powerpoint/2010/main" xmlns:p15="http://schemas.microsoft.com/office/powerpoint/2012/main" xmlns:mc="http://schemas.openxmlformats.org/markup-compatibility/2006" type="blank" preserve="1">
-  <p:cSld name="Blank">
-    <p:bg>
-      <p:bgPr>
-        <a:solidFill>
-          <a:srgbClr val="ffffff"/>
-        </a:solidFill>
-      </p:bgPr>
-    </p:bg>
-    <p:spTree>
-      <p:nvGrpSpPr>
-        <p:cNvPr id="1" name=""/>
-        <p:cNvGrpSpPr/>
-        <p:nvPr/>
-      </p:nvGrpSpPr>
-      <p:grpSpPr>
-        <a:xfrm>
-          <a:off x="0" y="0"/>
-          <a:ext cx="0" cy="0"/>
-          <a:chOff x="0" y="0"/>
-          <a:chExt cx="0" cy="0"/>
-        </a:xfrm>
-      </p:grpSpPr>
-      <p:sp>
-        <p:nvSpPr>
-          <p:cNvPr id="43" name="PlaceHolder 1"/>
-          <p:cNvSpPr>
-            <a:spLocks noGrp="1"/>
-          </p:cNvSpPr>
-          <p:nvPr>
-            <p:ph type="dt" idx="25"/>
-          </p:nvPr>
-        </p:nvSpPr>
-        <p:spPr>
-          <a:xfrm>
-            <a:off x="457200" y="6356520"/>
-            <a:ext cx="2133360" cy="364680"/>
-          </a:xfrm>
-          <a:prstGeom prst="rect">
-            <a:avLst/>
-          </a:prstGeom>
-          <a:noFill/>
-          <a:ln w="0">
-            <a:noFill/>
-          </a:ln>
-        </p:spPr>
-        <p:txBody>
-          <a:bodyPr lIns="91440" rIns="91440" tIns="45720" bIns="45720" anchor="ctr">
-            <a:noAutofit/>
-          </a:bodyPr>
-          <a:lstStyle>
-            <a:lvl1pPr indent="0" defTabSz="457200">
-              <a:lnSpc>
-                <a:spcPct val="100000"/>
-              </a:lnSpc>
-              <a:buNone/>
-              <a:defRPr b="0" lang="en-US" sz="1200" strike="noStrike" u="none">
-                <a:solidFill>
-                  <a:schemeClr val="dk1">
-                    <a:tint val="75000"/>
-                  </a:schemeClr>
-                </a:solidFill>
-                <a:effectLst/>
-                <a:uFillTx/>
-                <a:latin typeface="Calibri"/>
-              </a:defRPr>
-            </a:lvl1pPr>
-          </a:lstStyle>
-          <a:p>
-            <a:pPr indent="0" defTabSz="457200">
-              <a:lnSpc>
-                <a:spcPct val="100000"/>
-              </a:lnSpc>
-              <a:buNone/>
-            </a:pPr>
-            <a:r>
-              <a:rPr b="0" lang="en-US" sz="1200" strike="noStrike" u="none">
-                <a:solidFill>
-                  <a:schemeClr val="dk1">
-                    <a:tint val="75000"/>
-                  </a:schemeClr>
-                </a:solidFill>
-                <a:effectLst/>
-                <a:uFillTx/>
-                <a:latin typeface="Calibri"/>
-              </a:rPr>
-              <a:t>&lt;date/time&gt;</a:t>
-            </a:r>
-            <a:endParaRPr b="0" lang="en-GB" sz="1200" strike="noStrike" u="none">
-              <a:solidFill>
-                <a:srgbClr val="000000"/>
-              </a:solidFill>
-              <a:effectLst/>
-              <a:uFillTx/>
-              <a:latin typeface="Times New Roman"/>
-            </a:endParaRPr>
-          </a:p>
-        </p:txBody>
-      </p:sp>
-      <p:sp>
-        <p:nvSpPr>
-          <p:cNvPr id="44" name="PlaceHolder 2"/>
-          <p:cNvSpPr>
-            <a:spLocks noGrp="1"/>
-          </p:cNvSpPr>
-          <p:nvPr>
-            <p:ph type="ftr" idx="26"/>
-          </p:nvPr>
-        </p:nvSpPr>
-        <p:spPr>
-          <a:xfrm>
-            <a:off x="3124080" y="6356520"/>
-            <a:ext cx="2895120" cy="364680"/>
-          </a:xfrm>
-          <a:prstGeom prst="rect">
-            <a:avLst/>
-          </a:prstGeom>
-          <a:noFill/>
-          <a:ln w="0">
-            <a:noFill/>
-          </a:ln>
-        </p:spPr>
-        <p:txBody>
-          <a:bodyPr lIns="91440" rIns="91440" tIns="45720" bIns="45720" anchor="ctr">
-            <a:noAutofit/>
-          </a:bodyPr>
-          <a:lstStyle>
-            <a:lvl1pPr indent="0" algn="ctr">
-              <a:buNone/>
-              <a:defRPr b="0" lang="en-GB" sz="1400" strike="noStrike" u="none">
-                <a:solidFill>
-                  <a:srgbClr val="000000"/>
-                </a:solidFill>
-                <a:effectLst/>
-                <a:uFillTx/>
-                <a:latin typeface="Times New Roman"/>
-              </a:defRPr>
-            </a:lvl1pPr>
-          </a:lstStyle>
-          <a:p>
-            <a:pPr indent="0" algn="ctr">
-              <a:buNone/>
-            </a:pPr>
-            <a:r>
-              <a:rPr b="0" lang="en-GB" sz="1400" strike="noStrike" u="none">
-                <a:solidFill>
-                  <a:srgbClr val="000000"/>
-                </a:solidFill>
-                <a:effectLst/>
-                <a:uFillTx/>
-                <a:latin typeface="Times New Roman"/>
-              </a:rPr>
-              <a:t>&lt;footer&gt;</a:t>
-            </a:r>
-            <a:endParaRPr b="0" lang="en-GB" sz="1400" strike="noStrike" u="none">
-              <a:solidFill>
-                <a:srgbClr val="000000"/>
-              </a:solidFill>
-              <a:effectLst/>
-              <a:uFillTx/>
-              <a:latin typeface="Times New Roman"/>
-            </a:endParaRPr>
-          </a:p>
-        </p:txBody>
-      </p:sp>
-      <p:sp>
-        <p:nvSpPr>
-          <p:cNvPr id="45" name="PlaceHolder 3"/>
-          <p:cNvSpPr>
-            <a:spLocks noGrp="1"/>
-          </p:cNvSpPr>
-          <p:nvPr>
-            <p:ph type="sldNum" idx="27"/>
-          </p:nvPr>
-        </p:nvSpPr>
-        <p:spPr>
-          <a:xfrm>
-            <a:off x="6553080" y="6356520"/>
-            <a:ext cx="2133360" cy="364680"/>
-          </a:xfrm>
-          <a:prstGeom prst="rect">
-            <a:avLst/>
-          </a:prstGeom>
-          <a:noFill/>
-          <a:ln w="0">
-            <a:noFill/>
-          </a:ln>
-        </p:spPr>
-        <p:txBody>
-          <a:bodyPr lIns="91440" rIns="91440" tIns="45720" bIns="45720" anchor="ctr">
-            <a:noAutofit/>
-          </a:bodyPr>
-          <a:lstStyle>
-            <a:lvl1pPr indent="0" algn="r" defTabSz="457200">
-              <a:lnSpc>
-                <a:spcPct val="100000"/>
-              </a:lnSpc>
-              <a:buNone/>
-              <a:defRPr b="0" lang="en-US" sz="1200" strike="noStrike" u="none">
-                <a:solidFill>
-                  <a:schemeClr val="dk1">
-                    <a:tint val="75000"/>
-                  </a:schemeClr>
-                </a:solidFill>
-                <a:effectLst/>
-                <a:uFillTx/>
-                <a:latin typeface="Calibri"/>
-              </a:defRPr>
-            </a:lvl1pPr>
-          </a:lstStyle>
-          <a:p>
-            <a:pPr indent="0" algn="r" defTabSz="457200">
-              <a:lnSpc>
-                <a:spcPct val="100000"/>
-              </a:lnSpc>
-              <a:buNone/>
-            </a:pPr>
-            <a:fld id="{CF42EFB4-78CB-4985-900D-B4337B4279F9}" type="slidenum">
-              <a:rPr b="0" lang="en-US" sz="1200" strike="noStrike" u="none">
-                <a:solidFill>
-                  <a:schemeClr val="dk1">
-                    <a:tint val="75000"/>
-                  </a:schemeClr>
-                </a:solidFill>
-                <a:effectLst/>
-                <a:uFillTx/>
-                <a:latin typeface="Calibri"/>
-              </a:rPr>
-              <a:t>&lt;number&gt;</a:t>
-            </a:fld>
-            <a:endParaRPr b="0" lang="en-GB" sz="1200" strike="noStrike" u="none">
-              <a:solidFill>
-                <a:srgbClr val="000000"/>
-              </a:solidFill>
-              <a:effectLst/>
-              <a:uFillTx/>
-              <a:latin typeface="Times New Roman"/>
-            </a:endParaRPr>
-          </a:p>
-        </p:txBody>
-      </p:sp>
-      <p:sp>
-        <p:nvSpPr>
-          <p:cNvPr id="46" name="PlaceHolder 4"/>
-          <p:cNvSpPr>
-            <a:spLocks noGrp="1"/>
-          </p:cNvSpPr>
-          <p:nvPr>
-            <p:ph type="title"/>
-          </p:nvPr>
-        </p:nvSpPr>
-        <p:spPr>
-          <a:xfrm>
-            <a:off x="457200" y="273600"/>
-            <a:ext cx="8229240" cy="1144800"/>
-          </a:xfrm>
-          <a:prstGeom prst="rect">
-            <a:avLst/>
-          </a:prstGeom>
-          <a:noFill/>
-          <a:ln w="0">
-            <a:noFill/>
-          </a:ln>
-        </p:spPr>
-        <p:txBody>
-          <a:bodyPr lIns="0" rIns="0" tIns="0" bIns="0" anchor="ctr">
-            <a:noAutofit/>
-          </a:bodyPr>
-          <a:p>
-            <a:pPr indent="0">
-              <a:buNone/>
-            </a:pPr>
-            <a:r>
-              <a:rPr b="0" lang="en-US" sz="1800" strike="noStrike" u="none">
-                <a:solidFill>
-                  <a:schemeClr val="dk1"/>
-                </a:solidFill>
-                <a:effectLst/>
-                <a:uFillTx/>
-                <a:latin typeface="Calibri"/>
-              </a:rPr>
-              <a:t>Click to edit the title text format</a:t>
-            </a:r>
-            <a:endParaRPr b="0" lang="en-US" sz="1800" strike="noStrike" u="none">
-              <a:solidFill>
-                <a:schemeClr val="dk1"/>
-              </a:solidFill>
-              <a:effectLst/>
-              <a:uFillTx/>
-              <a:latin typeface="Calibri"/>
-            </a:endParaRPr>
-          </a:p>
-        </p:txBody>
-      </p:sp>
-      <p:sp>
-        <p:nvSpPr>
-          <p:cNvPr id="47" name="PlaceHolder 5"/>
-          <p:cNvSpPr>
-            <a:spLocks noGrp="1"/>
-          </p:cNvSpPr>
-          <p:nvPr>
-            <p:ph type="body"/>
-          </p:nvPr>
-        </p:nvSpPr>
-        <p:spPr>
-          <a:xfrm>
-            <a:off x="457200" y="1604520"/>
-            <a:ext cx="8229240" cy="3977280"/>
-          </a:xfrm>
-          <a:prstGeom prst="rect">
-            <a:avLst/>
-          </a:prstGeom>
-          <a:noFill/>
-          <a:ln w="0">
-            <a:noFill/>
-          </a:ln>
-        </p:spPr>
-        <p:txBody>
-          <a:bodyPr lIns="0" rIns="0" tIns="0" bIns="0" anchor="t">
-            <a:normAutofit/>
-          </a:bodyPr>
-          <a:p>
-            <a:pPr marL="432000" indent="-324000">
-              <a:spcBef>
-                <a:spcPts val="1417"/>
-              </a:spcBef>
-              <a:buClr>
-                <a:srgbClr val="000000"/>
-              </a:buClr>
-              <a:buSzPct val="45000"/>
-              <a:buFont typeface="Wingdings" charset="2"/>
-              <a:buChar char=""/>
-            </a:pPr>
-            <a:r>
-              <a:rPr b="0" lang="en-US" sz="3200" strike="noStrike" u="none">
-                <a:solidFill>
-                  <a:schemeClr val="dk1"/>
-                </a:solidFill>
-                <a:effectLst/>
-                <a:uFillTx/>
-                <a:latin typeface="Calibri"/>
-              </a:rPr>
-              <a:t>Click to edit the outline text format</a:t>
-            </a:r>
-            <a:endParaRPr b="0" lang="en-US" sz="3200" strike="noStrike" u="none">
-              <a:solidFill>
-                <a:schemeClr val="dk1"/>
-              </a:solidFill>
-              <a:effectLst/>
-              <a:uFillTx/>
-              <a:latin typeface="Calibri"/>
-            </a:endParaRPr>
-          </a:p>
-          <a:p>
-            <a:pPr lvl="1" marL="864000" indent="-324000">
-              <a:spcBef>
-                <a:spcPts val="1134"/>
-              </a:spcBef>
-              <a:buClr>
-                <a:srgbClr val="000000"/>
-              </a:buClr>
-              <a:buSzPct val="75000"/>
-              <a:buFont typeface="Symbol" charset="2"/>
-              <a:buChar char=""/>
-            </a:pPr>
-            <a:r>
-              <a:rPr b="0" lang="en-US" sz="2400" strike="noStrike" u="none">
-                <a:solidFill>
-                  <a:schemeClr val="dk1"/>
-                </a:solidFill>
-                <a:effectLst/>
-                <a:uFillTx/>
-                <a:latin typeface="Calibri"/>
-              </a:rPr>
-              <a:t>Second Outline Level</a:t>
-            </a:r>
-            <a:endParaRPr b="0" lang="en-US" sz="2400" strike="noStrike" u="none">
-              <a:solidFill>
-                <a:schemeClr val="dk1"/>
-              </a:solidFill>
-              <a:effectLst/>
-              <a:uFillTx/>
-              <a:latin typeface="Calibri"/>
-            </a:endParaRPr>
-          </a:p>
-          <a:p>
-            <a:pPr lvl="2" marL="1296000" indent="-288000">
-              <a:spcBef>
-                <a:spcPts val="850"/>
-              </a:spcBef>
-              <a:buClr>
-                <a:srgbClr val="000000"/>
-              </a:buClr>
-              <a:buSzPct val="45000"/>
-              <a:buFont typeface="Wingdings" charset="2"/>
-              <a:buChar char=""/>
-            </a:pPr>
-            <a:r>
-              <a:rPr b="0" lang="en-US" sz="2000" strike="noStrike" u="none">
-                <a:solidFill>
-                  <a:schemeClr val="dk1"/>
-                </a:solidFill>
-                <a:effectLst/>
-                <a:uFillTx/>
-                <a:latin typeface="Calibri"/>
-              </a:rPr>
-              <a:t>Third Outline Level</a:t>
-            </a:r>
-            <a:endParaRPr b="0" lang="en-US" sz="2000" strike="noStrike" u="none">
-              <a:solidFill>
-                <a:schemeClr val="dk1"/>
-              </a:solidFill>
-              <a:effectLst/>
-              <a:uFillTx/>
-              <a:latin typeface="Calibri"/>
-            </a:endParaRPr>
-          </a:p>
-          <a:p>
-            <a:pPr lvl="3" marL="1728000" indent="-216000">
-              <a:spcBef>
-                <a:spcPts val="567"/>
-              </a:spcBef>
-              <a:buClr>
-                <a:srgbClr val="000000"/>
-              </a:buClr>
-              <a:buSzPct val="75000"/>
-              <a:buFont typeface="Symbol" charset="2"/>
-              <a:buChar char=""/>
-            </a:pPr>
-            <a:r>
-              <a:rPr b="0" lang="en-US" sz="2000" strike="noStrike" u="none">
-                <a:solidFill>
-                  <a:schemeClr val="dk1"/>
-                </a:solidFill>
-                <a:effectLst/>
-                <a:uFillTx/>
-                <a:latin typeface="Calibri"/>
-              </a:rPr>
-              <a:t>Fourth Outline Level</a:t>
-            </a:r>
-            <a:endParaRPr b="0" lang="en-US" sz="2000" strike="noStrike" u="none">
-              <a:solidFill>
-                <a:schemeClr val="dk1"/>
-              </a:solidFill>
-              <a:effectLst/>
-              <a:uFillTx/>
-              <a:latin typeface="Calibri"/>
-            </a:endParaRPr>
-          </a:p>
-          <a:p>
-            <a:pPr lvl="4" marL="2160000" indent="-216000">
-              <a:spcBef>
-                <a:spcPts val="283"/>
-              </a:spcBef>
-              <a:buClr>
-                <a:srgbClr val="000000"/>
-              </a:buClr>
-              <a:buSzPct val="45000"/>
-              <a:buFont typeface="Wingdings" charset="2"/>
-              <a:buChar char=""/>
-            </a:pPr>
-            <a:r>
-              <a:rPr b="0" lang="en-US" sz="2000" strike="noStrike" u="none">
-                <a:solidFill>
-                  <a:schemeClr val="dk1"/>
-                </a:solidFill>
-                <a:effectLst/>
-                <a:uFillTx/>
-                <a:latin typeface="Calibri"/>
-              </a:rPr>
-              <a:t>Fifth Outline Level</a:t>
-            </a:r>
-            <a:endParaRPr b="0" lang="en-US" sz="2000" strike="noStrike" u="none">
-              <a:solidFill>
-                <a:schemeClr val="dk1"/>
-              </a:solidFill>
-              <a:effectLst/>
-              <a:uFillTx/>
-              <a:latin typeface="Calibri"/>
-            </a:endParaRPr>
-          </a:p>
-          <a:p>
-            <a:pPr lvl="5" marL="2592000" indent="-216000">
-              <a:spcBef>
-                <a:spcPts val="283"/>
-              </a:spcBef>
-              <a:buClr>
-                <a:srgbClr val="000000"/>
-              </a:buClr>
-              <a:buSzPct val="45000"/>
-              <a:buFont typeface="Wingdings" charset="2"/>
-              <a:buChar char=""/>
-            </a:pPr>
-            <a:r>
-              <a:rPr b="0" lang="en-US" sz="2000" strike="noStrike" u="none">
-                <a:solidFill>
-                  <a:schemeClr val="dk1"/>
-                </a:solidFill>
-                <a:effectLst/>
-                <a:uFillTx/>
-                <a:latin typeface="Calibri"/>
-              </a:rPr>
-              <a:t>Sixth Outline Level</a:t>
-            </a:r>
-            <a:endParaRPr b="0" lang="en-US" sz="2000" strike="noStrike" u="none">
-              <a:solidFill>
-                <a:schemeClr val="dk1"/>
-              </a:solidFill>
-              <a:effectLst/>
-              <a:uFillTx/>
-              <a:latin typeface="Calibri"/>
-            </a:endParaRPr>
-          </a:p>
-          <a:p>
-            <a:pPr lvl="6" marL="3024000" indent="-216000">
-              <a:spcBef>
-                <a:spcPts val="283"/>
-              </a:spcBef>
-              <a:buClr>
-                <a:srgbClr val="000000"/>
-              </a:buClr>
-              <a:buSzPct val="45000"/>
-              <a:buFont typeface="Wingdings" charset="2"/>
-              <a:buChar char=""/>
-            </a:pPr>
-            <a:r>
-              <a:rPr b="0" lang="en-US" sz="2000" strike="noStrike" u="none">
-                <a:solidFill>
-                  <a:schemeClr val="dk1"/>
-                </a:solidFill>
-                <a:effectLst/>
-                <a:uFillTx/>
-                <a:latin typeface="Calibri"/>
-              </a:rPr>
-              <a:t>Seventh Outline Level</a:t>
-            </a:r>
-            <a:endParaRPr b="0" lang="en-US" sz="2000" strike="noStrike" u="none">
-              <a:solidFill>
-                <a:schemeClr val="dk1"/>
-              </a:solidFill>
-              <a:effectLst/>
-              <a:uFillTx/>
-              <a:latin typeface="Calibri"/>
             </a:endParaRPr>
           </a:p>
         </p:txBody>
@@ -6080,7 +6443,7 @@
         <p:spPr>
           <a:xfrm>
             <a:off x="457200" y="274680"/>
-            <a:ext cx="8229240" cy="1142640"/>
+            <a:ext cx="8228880" cy="1142280"/>
           </a:xfrm>
           <a:prstGeom prst="rect">
             <a:avLst/>
@@ -6100,6 +6463,9 @@
                 <a:spcPct val="100000"/>
               </a:lnSpc>
               <a:buNone/>
+              <a:tabLst>
+                <a:tab algn="l" pos="0"/>
+              </a:tabLst>
             </a:pPr>
             <a:r>
               <a:rPr b="1" lang="en-US" sz="3600" strike="noStrike" u="none">
@@ -6112,13 +6478,13 @@
               </a:rPr>
               <a:t>Key Design Decisions</a:t>
             </a:r>
-            <a:endParaRPr b="0" lang="en-US" sz="3600" strike="noStrike" u="none">
-              <a:solidFill>
-                <a:schemeClr val="dk1"/>
-              </a:solidFill>
-              <a:effectLst/>
-              <a:uFillTx/>
-              <a:latin typeface="Calibri"/>
+            <a:endParaRPr b="0" lang="en-GB" sz="3600" strike="noStrike" u="none">
+              <a:solidFill>
+                <a:srgbClr val="000000"/>
+              </a:solidFill>
+              <a:effectLst/>
+              <a:uFillTx/>
+              <a:latin typeface="Arial"/>
             </a:endParaRPr>
           </a:p>
         </p:txBody>
@@ -6136,7 +6502,7 @@
         <p:spPr>
           <a:xfrm>
             <a:off x="457200" y="1600200"/>
-            <a:ext cx="8229240" cy="1999800"/>
+            <a:ext cx="8228880" cy="1999440"/>
           </a:xfrm>
           <a:prstGeom prst="rect">
             <a:avLst/>
@@ -6159,14 +6525,17 @@
                 <a:spcPts val="641"/>
               </a:spcBef>
               <a:buNone/>
-            </a:pPr>
-            <a:endParaRPr b="0" lang="en-US" sz="3200" strike="noStrike" u="none">
-              <a:solidFill>
-                <a:schemeClr val="dk1"/>
-              </a:solidFill>
-              <a:effectLst/>
-              <a:uFillTx/>
-              <a:latin typeface="Calibri"/>
+              <a:tabLst>
+                <a:tab algn="l" pos="0"/>
+              </a:tabLst>
+            </a:pPr>
+            <a:endParaRPr b="0" lang="en-GB" sz="3200" strike="noStrike" u="none">
+              <a:solidFill>
+                <a:srgbClr val="000000"/>
+              </a:solidFill>
+              <a:effectLst/>
+              <a:uFillTx/>
+              <a:latin typeface="Arial"/>
             </a:endParaRPr>
           </a:p>
           <a:p>
@@ -6181,6 +6550,9 @@
                 <a:spcPts val="799"/>
               </a:spcAft>
               <a:buNone/>
+              <a:tabLst>
+                <a:tab algn="l" pos="0"/>
+              </a:tabLst>
             </a:pPr>
             <a:r>
               <a:rPr b="0" lang="en-US" sz="2000" strike="noStrike" u="none">
@@ -6193,13 +6565,13 @@
               </a:rPr>
               <a:t>• Local LLMs ensure data privacy and cost control</a:t>
             </a:r>
-            <a:endParaRPr b="0" lang="en-US" sz="2000" strike="noStrike" u="none">
-              <a:solidFill>
-                <a:schemeClr val="dk1"/>
-              </a:solidFill>
-              <a:effectLst/>
-              <a:uFillTx/>
-              <a:latin typeface="Calibri"/>
+            <a:endParaRPr b="0" lang="en-GB" sz="2000" strike="noStrike" u="none">
+              <a:solidFill>
+                <a:srgbClr val="000000"/>
+              </a:solidFill>
+              <a:effectLst/>
+              <a:uFillTx/>
+              <a:latin typeface="Arial"/>
             </a:endParaRPr>
           </a:p>
           <a:p>
@@ -6214,6 +6586,9 @@
                 <a:spcPts val="799"/>
               </a:spcAft>
               <a:buNone/>
+              <a:tabLst>
+                <a:tab algn="l" pos="0"/>
+              </a:tabLst>
             </a:pPr>
             <a:r>
               <a:rPr b="0" lang="en-US" sz="2000" strike="noStrike" u="none">
@@ -6226,13 +6601,13 @@
               </a:rPr>
               <a:t>• Single database manages vectors + conversation history</a:t>
             </a:r>
-            <a:endParaRPr b="0" lang="en-US" sz="2000" strike="noStrike" u="none">
-              <a:solidFill>
-                <a:schemeClr val="dk1"/>
-              </a:solidFill>
-              <a:effectLst/>
-              <a:uFillTx/>
-              <a:latin typeface="Calibri"/>
+            <a:endParaRPr b="0" lang="en-GB" sz="2000" strike="noStrike" u="none">
+              <a:solidFill>
+                <a:srgbClr val="000000"/>
+              </a:solidFill>
+              <a:effectLst/>
+              <a:uFillTx/>
+              <a:latin typeface="Arial"/>
             </a:endParaRPr>
           </a:p>
           <a:p>
@@ -6247,6 +6622,9 @@
                 <a:spcPts val="799"/>
               </a:spcAft>
               <a:buNone/>
+              <a:tabLst>
+                <a:tab algn="l" pos="0"/>
+              </a:tabLst>
             </a:pPr>
             <a:r>
               <a:rPr b="0" lang="en-US" sz="2000" strike="noStrike" u="none">
@@ -6259,13 +6637,13 @@
               </a:rPr>
               <a:t>• Multi-agent workflow for modular, maintainable design</a:t>
             </a:r>
-            <a:endParaRPr b="0" lang="en-US" sz="2000" strike="noStrike" u="none">
-              <a:solidFill>
-                <a:schemeClr val="dk1"/>
-              </a:solidFill>
-              <a:effectLst/>
-              <a:uFillTx/>
-              <a:latin typeface="Calibri"/>
+            <a:endParaRPr b="0" lang="en-GB" sz="2000" strike="noStrike" u="none">
+              <a:solidFill>
+                <a:srgbClr val="000000"/>
+              </a:solidFill>
+              <a:effectLst/>
+              <a:uFillTx/>
+              <a:latin typeface="Arial"/>
             </a:endParaRPr>
           </a:p>
         </p:txBody>
@@ -6309,7 +6687,7 @@
         <p:spPr>
           <a:xfrm>
             <a:off x="457200" y="-85680"/>
-            <a:ext cx="5942880" cy="547560"/>
+            <a:ext cx="5942520" cy="546840"/>
           </a:xfrm>
           <a:prstGeom prst="rect">
             <a:avLst/>
@@ -6369,8 +6747,8 @@
         </p:blipFill>
         <p:spPr>
           <a:xfrm rot="16800">
-            <a:off x="635760" y="375480"/>
-            <a:ext cx="7808760" cy="6264360"/>
+            <a:off x="635760" y="375120"/>
+            <a:ext cx="7808400" cy="6264000"/>
           </a:xfrm>
           <a:prstGeom prst="rect">
             <a:avLst/>
@@ -6424,7 +6802,7 @@
         <p:spPr>
           <a:xfrm>
             <a:off x="457200" y="274680"/>
-            <a:ext cx="8229240" cy="1142640"/>
+            <a:ext cx="8228880" cy="1142280"/>
           </a:xfrm>
           <a:prstGeom prst="rect">
             <a:avLst/>
@@ -6444,6 +6822,9 @@
                 <a:spcPct val="100000"/>
               </a:lnSpc>
               <a:buNone/>
+              <a:tabLst>
+                <a:tab algn="l" pos="0"/>
+              </a:tabLst>
             </a:pPr>
             <a:r>
               <a:rPr b="1" lang="en-US" sz="3600" strike="noStrike" u="none">
@@ -6456,13 +6837,13 @@
               </a:rPr>
               <a:t>System Components</a:t>
             </a:r>
-            <a:endParaRPr b="0" lang="en-US" sz="3600" strike="noStrike" u="none">
-              <a:solidFill>
-                <a:schemeClr val="dk1"/>
-              </a:solidFill>
-              <a:effectLst/>
-              <a:uFillTx/>
-              <a:latin typeface="Calibri"/>
+            <a:endParaRPr b="0" lang="en-GB" sz="3600" strike="noStrike" u="none">
+              <a:solidFill>
+                <a:srgbClr val="000000"/>
+              </a:solidFill>
+              <a:effectLst/>
+              <a:uFillTx/>
+              <a:latin typeface="Arial"/>
             </a:endParaRPr>
           </a:p>
         </p:txBody>
@@ -6480,7 +6861,7 @@
         <p:spPr>
           <a:xfrm>
             <a:off x="457200" y="1600200"/>
-            <a:ext cx="8229240" cy="4525560"/>
+            <a:ext cx="8228880" cy="4525200"/>
           </a:xfrm>
           <a:prstGeom prst="rect">
             <a:avLst/>
@@ -6503,14 +6884,17 @@
                 <a:spcPts val="641"/>
               </a:spcBef>
               <a:buNone/>
-            </a:pPr>
-            <a:endParaRPr b="0" lang="en-US" sz="3200" strike="noStrike" u="none">
-              <a:solidFill>
-                <a:schemeClr val="dk1"/>
-              </a:solidFill>
-              <a:effectLst/>
-              <a:uFillTx/>
-              <a:latin typeface="Calibri"/>
+              <a:tabLst>
+                <a:tab algn="l" pos="0"/>
+              </a:tabLst>
+            </a:pPr>
+            <a:endParaRPr b="0" lang="en-GB" sz="3200" strike="noStrike" u="none">
+              <a:solidFill>
+                <a:srgbClr val="000000"/>
+              </a:solidFill>
+              <a:effectLst/>
+              <a:uFillTx/>
+              <a:latin typeface="Arial"/>
             </a:endParaRPr>
           </a:p>
           <a:p>
@@ -6529,6 +6913,9 @@
               </a:buClr>
               <a:buFont typeface="Arial"/>
               <a:buChar char="•"/>
+              <a:tabLst>
+                <a:tab algn="l" pos="0"/>
+              </a:tabLst>
             </a:pPr>
             <a:r>
               <a:rPr b="0" lang="en-US" sz="2000" strike="noStrike" u="none">
@@ -6541,13 +6928,13 @@
               </a:rPr>
               <a:t>Frontend: Open WebUI – modern chat interface with history</a:t>
             </a:r>
-            <a:endParaRPr b="0" lang="en-US" sz="2000" strike="noStrike" u="none">
-              <a:solidFill>
-                <a:schemeClr val="dk1"/>
-              </a:solidFill>
-              <a:effectLst/>
-              <a:uFillTx/>
-              <a:latin typeface="Calibri"/>
+            <a:endParaRPr b="0" lang="en-GB" sz="2000" strike="noStrike" u="none">
+              <a:solidFill>
+                <a:srgbClr val="000000"/>
+              </a:solidFill>
+              <a:effectLst/>
+              <a:uFillTx/>
+              <a:latin typeface="Arial"/>
             </a:endParaRPr>
           </a:p>
           <a:p>
@@ -6566,6 +6953,9 @@
               </a:buClr>
               <a:buFont typeface="Arial"/>
               <a:buChar char="•"/>
+              <a:tabLst>
+                <a:tab algn="l" pos="0"/>
+              </a:tabLst>
             </a:pPr>
             <a:r>
               <a:rPr b="0" lang="en-US" sz="2000" strike="noStrike" u="none">
@@ -6578,13 +6968,13 @@
               </a:rPr>
               <a:t>API Layer: FastAPI service (OpenAI-compatible endpoints)</a:t>
             </a:r>
-            <a:endParaRPr b="0" lang="en-US" sz="2000" strike="noStrike" u="none">
-              <a:solidFill>
-                <a:schemeClr val="dk1"/>
-              </a:solidFill>
-              <a:effectLst/>
-              <a:uFillTx/>
-              <a:latin typeface="Calibri"/>
+            <a:endParaRPr b="0" lang="en-GB" sz="2000" strike="noStrike" u="none">
+              <a:solidFill>
+                <a:srgbClr val="000000"/>
+              </a:solidFill>
+              <a:effectLst/>
+              <a:uFillTx/>
+              <a:latin typeface="Arial"/>
             </a:endParaRPr>
           </a:p>
           <a:p>
@@ -6603,6 +6993,9 @@
               </a:buClr>
               <a:buFont typeface="Arial"/>
               <a:buChar char="•"/>
+              <a:tabLst>
+                <a:tab algn="l" pos="0"/>
+              </a:tabLst>
             </a:pPr>
             <a:r>
               <a:rPr b="0" lang="en-US" sz="2000" strike="noStrike" u="none">
@@ -6615,13 +7008,13 @@
               </a:rPr>
               <a:t>Agent Orchestration: CrewAI with Guardrail, Memorized, and LLM agents</a:t>
             </a:r>
-            <a:endParaRPr b="0" lang="en-US" sz="2000" strike="noStrike" u="none">
-              <a:solidFill>
-                <a:schemeClr val="dk1"/>
-              </a:solidFill>
-              <a:effectLst/>
-              <a:uFillTx/>
-              <a:latin typeface="Calibri"/>
+            <a:endParaRPr b="0" lang="en-GB" sz="2000" strike="noStrike" u="none">
+              <a:solidFill>
+                <a:srgbClr val="000000"/>
+              </a:solidFill>
+              <a:effectLst/>
+              <a:uFillTx/>
+              <a:latin typeface="Arial"/>
             </a:endParaRPr>
           </a:p>
           <a:p>
@@ -6640,6 +7033,9 @@
               </a:buClr>
               <a:buFont typeface="Arial"/>
               <a:buChar char="•"/>
+              <a:tabLst>
+                <a:tab algn="l" pos="0"/>
+              </a:tabLst>
             </a:pPr>
             <a:r>
               <a:rPr b="0" lang="en-US" sz="2000" strike="noStrike" u="none">
@@ -6652,13 +7048,13 @@
               </a:rPr>
               <a:t>RAG Pipeline: Hybrid semantic + keyword (BM25) retrieval</a:t>
             </a:r>
-            <a:endParaRPr b="0" lang="en-US" sz="2000" strike="noStrike" u="none">
-              <a:solidFill>
-                <a:schemeClr val="dk1"/>
-              </a:solidFill>
-              <a:effectLst/>
-              <a:uFillTx/>
-              <a:latin typeface="Calibri"/>
+            <a:endParaRPr b="0" lang="en-GB" sz="2000" strike="noStrike" u="none">
+              <a:solidFill>
+                <a:srgbClr val="000000"/>
+              </a:solidFill>
+              <a:effectLst/>
+              <a:uFillTx/>
+              <a:latin typeface="Arial"/>
             </a:endParaRPr>
           </a:p>
           <a:p>
@@ -6677,6 +7073,9 @@
               </a:buClr>
               <a:buFont typeface="Arial"/>
               <a:buChar char="•"/>
+              <a:tabLst>
+                <a:tab algn="l" pos="0"/>
+              </a:tabLst>
             </a:pPr>
             <a:r>
               <a:rPr b="0" lang="en-US" sz="2000" strike="noStrike" u="none">
@@ -6689,13 +7088,13 @@
               </a:rPr>
               <a:t>Storage: PostgreSQL + PgVector for embeddings and chats</a:t>
             </a:r>
-            <a:endParaRPr b="0" lang="en-US" sz="2000" strike="noStrike" u="none">
-              <a:solidFill>
-                <a:schemeClr val="dk1"/>
-              </a:solidFill>
-              <a:effectLst/>
-              <a:uFillTx/>
-              <a:latin typeface="Calibri"/>
+            <a:endParaRPr b="0" lang="en-GB" sz="2000" strike="noStrike" u="none">
+              <a:solidFill>
+                <a:srgbClr val="000000"/>
+              </a:solidFill>
+              <a:effectLst/>
+              <a:uFillTx/>
+              <a:latin typeface="Arial"/>
             </a:endParaRPr>
           </a:p>
           <a:p>
@@ -6714,6 +7113,9 @@
               </a:buClr>
               <a:buFont typeface="Arial"/>
               <a:buChar char="•"/>
+              <a:tabLst>
+                <a:tab algn="l" pos="0"/>
+              </a:tabLst>
             </a:pPr>
             <a:r>
               <a:rPr b="0" lang="en-US" sz="2000" strike="noStrike" u="none">
@@ -6726,13 +7128,13 @@
               </a:rPr>
               <a:t>Models: Ollama – Gemma3:12b (LLM), Granite:30m (Embeddings)</a:t>
             </a:r>
-            <a:endParaRPr b="0" lang="en-US" sz="2000" strike="noStrike" u="none">
-              <a:solidFill>
-                <a:schemeClr val="dk1"/>
-              </a:solidFill>
-              <a:effectLst/>
-              <a:uFillTx/>
-              <a:latin typeface="Calibri"/>
+            <a:endParaRPr b="0" lang="en-GB" sz="2000" strike="noStrike" u="none">
+              <a:solidFill>
+                <a:srgbClr val="000000"/>
+              </a:solidFill>
+              <a:effectLst/>
+              <a:uFillTx/>
+              <a:latin typeface="Arial"/>
             </a:endParaRPr>
           </a:p>
           <a:p>
@@ -6751,6 +7153,9 @@
               </a:buClr>
               <a:buFont typeface="Arial"/>
               <a:buChar char="•"/>
+              <a:tabLst>
+                <a:tab algn="l" pos="0"/>
+              </a:tabLst>
             </a:pPr>
             <a:r>
               <a:rPr b="0" lang="en-US" sz="2000" strike="noStrike" u="none">
@@ -6763,13 +7168,13 @@
               </a:rPr>
               <a:t>Monitoring: Arize Phoenix (OpenTelemetry-based observability)</a:t>
             </a:r>
-            <a:endParaRPr b="0" lang="en-US" sz="2000" strike="noStrike" u="none">
-              <a:solidFill>
-                <a:schemeClr val="dk1"/>
-              </a:solidFill>
-              <a:effectLst/>
-              <a:uFillTx/>
-              <a:latin typeface="Calibri"/>
+            <a:endParaRPr b="0" lang="en-GB" sz="2000" strike="noStrike" u="none">
+              <a:solidFill>
+                <a:srgbClr val="000000"/>
+              </a:solidFill>
+              <a:effectLst/>
+              <a:uFillTx/>
+              <a:latin typeface="Arial"/>
             </a:endParaRPr>
           </a:p>
         </p:txBody>
@@ -6817,7 +7222,7 @@
         <p:spPr>
           <a:xfrm>
             <a:off x="360000" y="0"/>
-            <a:ext cx="8320680" cy="6846840"/>
+            <a:ext cx="8320320" cy="6846480"/>
           </a:xfrm>
           <a:prstGeom prst="rect">
             <a:avLst/>
@@ -6867,7 +7272,7 @@
         <p:spPr>
           <a:xfrm>
             <a:off x="457200" y="274320"/>
-            <a:ext cx="8229240" cy="731160"/>
+            <a:ext cx="8228880" cy="730800"/>
           </a:xfrm>
           <a:prstGeom prst="rect">
             <a:avLst/>
@@ -6928,7 +7333,7 @@
         <p:spPr>
           <a:xfrm>
             <a:off x="457200" y="1097280"/>
-            <a:ext cx="8229240" cy="5562720"/>
+            <a:ext cx="8228880" cy="5562360"/>
           </a:xfrm>
           <a:prstGeom prst="rect">
             <a:avLst/>
@@ -6981,8 +7386,8 @@
         </p:nvSpPr>
         <p:spPr>
           <a:xfrm>
-            <a:off x="457200" y="274680"/>
-            <a:ext cx="8229240" cy="1142640"/>
+            <a:off x="180000" y="180000"/>
+            <a:ext cx="4320000" cy="720000"/>
           </a:xfrm>
           <a:prstGeom prst="rect">
             <a:avLst/>
@@ -7002,6 +7407,9 @@
                 <a:spcPct val="100000"/>
               </a:lnSpc>
               <a:buNone/>
+              <a:tabLst>
+                <a:tab algn="l" pos="0"/>
+              </a:tabLst>
             </a:pPr>
             <a:r>
               <a:rPr b="1" lang="en-US" sz="3600" strike="noStrike" u="none">
@@ -7014,31 +7422,31 @@
               </a:rPr>
               <a:t>Ingestion Workflow</a:t>
             </a:r>
-            <a:endParaRPr b="0" lang="en-US" sz="3600" strike="noStrike" u="none">
-              <a:solidFill>
-                <a:schemeClr val="dk1"/>
-              </a:solidFill>
-              <a:effectLst/>
-              <a:uFillTx/>
-              <a:latin typeface="Calibri"/>
+            <a:endParaRPr b="0" lang="en-GB" sz="3600" strike="noStrike" u="none">
+              <a:solidFill>
+                <a:srgbClr val="000000"/>
+              </a:solidFill>
+              <a:effectLst/>
+              <a:uFillTx/>
+              <a:latin typeface="Arial"/>
             </a:endParaRPr>
           </a:p>
         </p:txBody>
       </p:sp>
-      <p:sp>
-        <p:nvSpPr>
-          <p:cNvPr id="68" name="PlaceHolder 2"/>
-          <p:cNvSpPr>
-            <a:spLocks noGrp="1"/>
-          </p:cNvSpPr>
-          <p:nvPr>
-            <p:ph/>
-          </p:nvPr>
-        </p:nvSpPr>
+      <p:pic>
+        <p:nvPicPr>
+          <p:cNvPr id="68" name="" descr=""/>
+          <p:cNvPicPr/>
+          <p:nvPr/>
+        </p:nvPicPr>
+        <p:blipFill>
+          <a:blip r:embed="rId1"/>
+          <a:stretch/>
+        </p:blipFill>
         <p:spPr>
           <a:xfrm>
-            <a:off x="457200" y="1600200"/>
-            <a:ext cx="8229240" cy="4525560"/>
+            <a:off x="4680000" y="218160"/>
+            <a:ext cx="2644920" cy="6261840"/>
           </a:xfrm>
           <a:prstGeom prst="rect">
             <a:avLst/>
@@ -7048,179 +7456,7 @@
             <a:noFill/>
           </a:ln>
         </p:spPr>
-        <p:txBody>
-          <a:bodyPr lIns="91440" rIns="91440" tIns="45720" bIns="45720" anchor="t">
-            <a:noAutofit/>
-          </a:bodyPr>
-          <a:p>
-            <a:pPr indent="0" defTabSz="457200">
-              <a:lnSpc>
-                <a:spcPct val="100000"/>
-              </a:lnSpc>
-              <a:spcBef>
-                <a:spcPts val="641"/>
-              </a:spcBef>
-              <a:buNone/>
-            </a:pPr>
-            <a:endParaRPr b="0" lang="en-US" sz="3200" strike="noStrike" u="none">
-              <a:solidFill>
-                <a:schemeClr val="dk1"/>
-              </a:solidFill>
-              <a:effectLst/>
-              <a:uFillTx/>
-              <a:latin typeface="Calibri"/>
-            </a:endParaRPr>
-          </a:p>
-          <a:p>
-            <a:pPr marL="343080" indent="-343080" defTabSz="457200">
-              <a:lnSpc>
-                <a:spcPct val="100000"/>
-              </a:lnSpc>
-              <a:spcBef>
-                <a:spcPts val="400"/>
-              </a:spcBef>
-              <a:spcAft>
-                <a:spcPts val="799"/>
-              </a:spcAft>
-              <a:buClr>
-                <a:srgbClr val="000000"/>
-              </a:buClr>
-              <a:buFont typeface="Arial"/>
-              <a:buChar char="•"/>
-            </a:pPr>
-            <a:r>
-              <a:rPr b="0" lang="en-US" sz="2000" strike="noStrike" u="none">
-                <a:solidFill>
-                  <a:srgbClr val="000000"/>
-                </a:solidFill>
-                <a:effectLst/>
-                <a:uFillTx/>
-                <a:latin typeface="Calibri"/>
-              </a:rPr>
-              <a:t>1. Policy Docs (PDF/DOCX/MD) → Loaded and parsed</a:t>
-            </a:r>
-            <a:endParaRPr b="0" lang="en-US" sz="2000" strike="noStrike" u="none">
-              <a:solidFill>
-                <a:schemeClr val="dk1"/>
-              </a:solidFill>
-              <a:effectLst/>
-              <a:uFillTx/>
-              <a:latin typeface="Calibri"/>
-            </a:endParaRPr>
-          </a:p>
-          <a:p>
-            <a:pPr marL="343080" indent="-343080" defTabSz="457200">
-              <a:lnSpc>
-                <a:spcPct val="100000"/>
-              </a:lnSpc>
-              <a:spcBef>
-                <a:spcPts val="400"/>
-              </a:spcBef>
-              <a:spcAft>
-                <a:spcPts val="799"/>
-              </a:spcAft>
-              <a:buClr>
-                <a:srgbClr val="000000"/>
-              </a:buClr>
-              <a:buFont typeface="Arial"/>
-              <a:buChar char="•"/>
-            </a:pPr>
-            <a:r>
-              <a:rPr b="0" lang="en-US" sz="2000" strike="noStrike" u="none">
-                <a:solidFill>
-                  <a:srgbClr val="000000"/>
-                </a:solidFill>
-                <a:effectLst/>
-                <a:uFillTx/>
-                <a:latin typeface="Calibri"/>
-              </a:rPr>
-              <a:t>2. Text Chunking: 1000 tokens, 100 overlap</a:t>
-            </a:r>
-            <a:endParaRPr b="0" lang="en-US" sz="2000" strike="noStrike" u="none">
-              <a:solidFill>
-                <a:schemeClr val="dk1"/>
-              </a:solidFill>
-              <a:effectLst/>
-              <a:uFillTx/>
-              <a:latin typeface="Calibri"/>
-            </a:endParaRPr>
-          </a:p>
-          <a:p>
-            <a:pPr marL="343080" indent="-343080" defTabSz="457200">
-              <a:lnSpc>
-                <a:spcPct val="100000"/>
-              </a:lnSpc>
-              <a:spcBef>
-                <a:spcPts val="400"/>
-              </a:spcBef>
-              <a:spcAft>
-                <a:spcPts val="799"/>
-              </a:spcAft>
-              <a:buClr>
-                <a:srgbClr val="000000"/>
-              </a:buClr>
-              <a:buFont typeface="Arial"/>
-              <a:buChar char="•"/>
-            </a:pPr>
-            <a:r>
-              <a:rPr b="0" lang="en-US" sz="2000" strike="noStrike" u="none">
-                <a:solidFill>
-                  <a:srgbClr val="000000"/>
-                </a:solidFill>
-                <a:effectLst/>
-                <a:uFillTx/>
-                <a:latin typeface="Calibri"/>
-              </a:rPr>
-              <a:t>3. Embedding Generation (Granite 384-dim)</a:t>
-            </a:r>
-            <a:endParaRPr b="0" lang="en-US" sz="2000" strike="noStrike" u="none">
-              <a:solidFill>
-                <a:schemeClr val="dk1"/>
-              </a:solidFill>
-              <a:effectLst/>
-              <a:uFillTx/>
-              <a:latin typeface="Calibri"/>
-            </a:endParaRPr>
-          </a:p>
-          <a:p>
-            <a:pPr marL="343080" indent="-343080" defTabSz="457200">
-              <a:lnSpc>
-                <a:spcPct val="100000"/>
-              </a:lnSpc>
-              <a:spcBef>
-                <a:spcPts val="400"/>
-              </a:spcBef>
-              <a:spcAft>
-                <a:spcPts val="799"/>
-              </a:spcAft>
-              <a:buClr>
-                <a:srgbClr val="000000"/>
-              </a:buClr>
-              <a:buFont typeface="Arial"/>
-              <a:buChar char="•"/>
-            </a:pPr>
-            <a:r>
-              <a:rPr b="0" lang="en-US" sz="2000" strike="noStrike" u="none">
-                <a:solidFill>
-                  <a:srgbClr val="000000"/>
-                </a:solidFill>
-                <a:effectLst/>
-                <a:uFillTx/>
-                <a:latin typeface="Calibri"/>
-              </a:rPr>
-              <a:t>4. Vector Storage: PostgreSQL + pgvector</a:t>
-            </a:r>
-            <a:endParaRPr b="0" lang="en-US" sz="2000" strike="noStrike" u="none">
-              <a:solidFill>
-                <a:schemeClr val="dk1"/>
-              </a:solidFill>
-              <a:effectLst/>
-              <a:uFillTx/>
-              <a:latin typeface="Calibri"/>
-            </a:endParaRPr>
-          </a:p>
-        </p:txBody>
-      </p:sp>
+      </p:pic>
     </p:spTree>
   </p:cSld>
   <mc:AlternateContent>
@@ -7264,7 +7500,7 @@
         <p:spPr>
           <a:xfrm>
             <a:off x="457200" y="274680"/>
-            <a:ext cx="8229240" cy="1142640"/>
+            <a:ext cx="8228880" cy="1142280"/>
           </a:xfrm>
           <a:prstGeom prst="rect">
             <a:avLst/>
@@ -7284,6 +7520,9 @@
                 <a:spcPct val="100000"/>
               </a:lnSpc>
               <a:buNone/>
+              <a:tabLst>
+                <a:tab algn="l" pos="0"/>
+              </a:tabLst>
             </a:pPr>
             <a:r>
               <a:rPr b="1" lang="en-US" sz="3600" strike="noStrike" u="none">
@@ -7296,13 +7535,13 @@
               </a:rPr>
               <a:t>Query Processing Flow</a:t>
             </a:r>
-            <a:endParaRPr b="0" lang="en-US" sz="3600" strike="noStrike" u="none">
-              <a:solidFill>
-                <a:schemeClr val="dk1"/>
-              </a:solidFill>
-              <a:effectLst/>
-              <a:uFillTx/>
-              <a:latin typeface="Calibri"/>
+            <a:endParaRPr b="0" lang="en-GB" sz="3600" strike="noStrike" u="none">
+              <a:solidFill>
+                <a:srgbClr val="000000"/>
+              </a:solidFill>
+              <a:effectLst/>
+              <a:uFillTx/>
+              <a:latin typeface="Arial"/>
             </a:endParaRPr>
           </a:p>
         </p:txBody>
@@ -7320,7 +7559,7 @@
         <p:spPr>
           <a:xfrm>
             <a:off x="457200" y="1600200"/>
-            <a:ext cx="8229240" cy="4525560"/>
+            <a:ext cx="8228880" cy="4525200"/>
           </a:xfrm>
           <a:prstGeom prst="rect">
             <a:avLst/>
@@ -7343,14 +7582,17 @@
                 <a:spcPts val="641"/>
               </a:spcBef>
               <a:buNone/>
-            </a:pPr>
-            <a:endParaRPr b="0" lang="en-US" sz="3200" strike="noStrike" u="none">
-              <a:solidFill>
-                <a:schemeClr val="dk1"/>
-              </a:solidFill>
-              <a:effectLst/>
-              <a:uFillTx/>
-              <a:latin typeface="Calibri"/>
+              <a:tabLst>
+                <a:tab algn="l" pos="0"/>
+              </a:tabLst>
+            </a:pPr>
+            <a:endParaRPr b="0" lang="en-GB" sz="3200" strike="noStrike" u="none">
+              <a:solidFill>
+                <a:srgbClr val="000000"/>
+              </a:solidFill>
+              <a:effectLst/>
+              <a:uFillTx/>
+              <a:latin typeface="Arial"/>
             </a:endParaRPr>
           </a:p>
           <a:p>
@@ -7369,6 +7611,9 @@
               </a:buClr>
               <a:buFont typeface="Arial"/>
               <a:buChar char="•"/>
+              <a:tabLst>
+                <a:tab algn="l" pos="0"/>
+              </a:tabLst>
             </a:pPr>
             <a:r>
               <a:rPr b="0" lang="en-US" sz="2000" strike="noStrike" u="none">
@@ -7381,13 +7626,13 @@
               </a:rPr>
               <a:t>• Pre-Processing: Extract chat ID, load conversation history</a:t>
             </a:r>
-            <a:endParaRPr b="0" lang="en-US" sz="2000" strike="noStrike" u="none">
-              <a:solidFill>
-                <a:schemeClr val="dk1"/>
-              </a:solidFill>
-              <a:effectLst/>
-              <a:uFillTx/>
-              <a:latin typeface="Calibri"/>
+            <a:endParaRPr b="0" lang="en-GB" sz="2000" strike="noStrike" u="none">
+              <a:solidFill>
+                <a:srgbClr val="000000"/>
+              </a:solidFill>
+              <a:effectLst/>
+              <a:uFillTx/>
+              <a:latin typeface="Arial"/>
             </a:endParaRPr>
           </a:p>
           <a:p>
@@ -7406,6 +7651,9 @@
               </a:buClr>
               <a:buFont typeface="Arial"/>
               <a:buChar char="•"/>
+              <a:tabLst>
+                <a:tab algn="l" pos="0"/>
+              </a:tabLst>
             </a:pPr>
             <a:r>
               <a:rPr b="0" lang="en-US" sz="2000" strike="noStrike" u="none">
@@ -7418,13 +7666,13 @@
               </a:rPr>
               <a:t>• Parallel Agents:</a:t>
             </a:r>
-            <a:endParaRPr b="0" lang="en-US" sz="2000" strike="noStrike" u="none">
-              <a:solidFill>
-                <a:schemeClr val="dk1"/>
-              </a:solidFill>
-              <a:effectLst/>
-              <a:uFillTx/>
-              <a:latin typeface="Calibri"/>
+            <a:endParaRPr b="0" lang="en-GB" sz="2000" strike="noStrike" u="none">
+              <a:solidFill>
+                <a:srgbClr val="000000"/>
+              </a:solidFill>
+              <a:effectLst/>
+              <a:uFillTx/>
+              <a:latin typeface="Arial"/>
             </a:endParaRPr>
           </a:p>
           <a:p>
@@ -7443,6 +7691,9 @@
               </a:buClr>
               <a:buFont typeface="Arial"/>
               <a:buChar char="•"/>
+              <a:tabLst>
+                <a:tab algn="l" pos="0"/>
+              </a:tabLst>
             </a:pPr>
             <a:r>
               <a:rPr b="0" lang="en-US" sz="2000" strike="noStrike" u="none">
@@ -7455,13 +7706,13 @@
               </a:rPr>
               <a:t>   – Guardrail Agent: Validates query safety</a:t>
             </a:r>
-            <a:endParaRPr b="0" lang="en-US" sz="2000" strike="noStrike" u="none">
-              <a:solidFill>
-                <a:schemeClr val="dk1"/>
-              </a:solidFill>
-              <a:effectLst/>
-              <a:uFillTx/>
-              <a:latin typeface="Calibri"/>
+            <a:endParaRPr b="0" lang="en-GB" sz="2000" strike="noStrike" u="none">
+              <a:solidFill>
+                <a:srgbClr val="000000"/>
+              </a:solidFill>
+              <a:effectLst/>
+              <a:uFillTx/>
+              <a:latin typeface="Arial"/>
             </a:endParaRPr>
           </a:p>
           <a:p>
@@ -7480,6 +7731,9 @@
               </a:buClr>
               <a:buFont typeface="Arial"/>
               <a:buChar char="•"/>
+              <a:tabLst>
+                <a:tab algn="l" pos="0"/>
+              </a:tabLst>
             </a:pPr>
             <a:r>
               <a:rPr b="0" lang="en-US" sz="2000" strike="noStrike" u="none">
@@ -7492,13 +7746,13 @@
               </a:rPr>
               <a:t>   – Memorized Agent: Expands context, performs hybrid search</a:t>
             </a:r>
-            <a:endParaRPr b="0" lang="en-US" sz="2000" strike="noStrike" u="none">
-              <a:solidFill>
-                <a:schemeClr val="dk1"/>
-              </a:solidFill>
-              <a:effectLst/>
-              <a:uFillTx/>
-              <a:latin typeface="Calibri"/>
+            <a:endParaRPr b="0" lang="en-GB" sz="2000" strike="noStrike" u="none">
+              <a:solidFill>
+                <a:srgbClr val="000000"/>
+              </a:solidFill>
+              <a:effectLst/>
+              <a:uFillTx/>
+              <a:latin typeface="Arial"/>
             </a:endParaRPr>
           </a:p>
           <a:p>
@@ -7517,6 +7771,9 @@
               </a:buClr>
               <a:buFont typeface="Arial"/>
               <a:buChar char="•"/>
+              <a:tabLst>
+                <a:tab algn="l" pos="0"/>
+              </a:tabLst>
             </a:pPr>
             <a:r>
               <a:rPr b="0" lang="en-US" sz="2000" strike="noStrike" u="none">
@@ -7529,13 +7786,13 @@
               </a:rPr>
               <a:t>• Sequential Agent:</a:t>
             </a:r>
-            <a:endParaRPr b="0" lang="en-US" sz="2000" strike="noStrike" u="none">
-              <a:solidFill>
-                <a:schemeClr val="dk1"/>
-              </a:solidFill>
-              <a:effectLst/>
-              <a:uFillTx/>
-              <a:latin typeface="Calibri"/>
+            <a:endParaRPr b="0" lang="en-GB" sz="2000" strike="noStrike" u="none">
+              <a:solidFill>
+                <a:srgbClr val="000000"/>
+              </a:solidFill>
+              <a:effectLst/>
+              <a:uFillTx/>
+              <a:latin typeface="Arial"/>
             </a:endParaRPr>
           </a:p>
           <a:p>
@@ -7554,6 +7811,9 @@
               </a:buClr>
               <a:buFont typeface="Arial"/>
               <a:buChar char="•"/>
+              <a:tabLst>
+                <a:tab algn="l" pos="0"/>
+              </a:tabLst>
             </a:pPr>
             <a:r>
               <a:rPr b="0" lang="en-US" sz="2000" strike="noStrike" u="none">
@@ -7566,13 +7826,13 @@
               </a:rPr>
               <a:t>   – LLM Agent: Synthesizes final answer with citations</a:t>
             </a:r>
-            <a:endParaRPr b="0" lang="en-US" sz="2000" strike="noStrike" u="none">
-              <a:solidFill>
-                <a:schemeClr val="dk1"/>
-              </a:solidFill>
-              <a:effectLst/>
-              <a:uFillTx/>
-              <a:latin typeface="Calibri"/>
+            <a:endParaRPr b="0" lang="en-GB" sz="2000" strike="noStrike" u="none">
+              <a:solidFill>
+                <a:srgbClr val="000000"/>
+              </a:solidFill>
+              <a:effectLst/>
+              <a:uFillTx/>
+              <a:latin typeface="Arial"/>
             </a:endParaRPr>
           </a:p>
           <a:p>
@@ -7591,6 +7851,9 @@
               </a:buClr>
               <a:buFont typeface="Arial"/>
               <a:buChar char="•"/>
+              <a:tabLst>
+                <a:tab algn="l" pos="0"/>
+              </a:tabLst>
             </a:pPr>
             <a:r>
               <a:rPr b="0" lang="en-US" sz="2000" strike="noStrike" u="none">
@@ -7603,13 +7866,13 @@
               </a:rPr>
               <a:t>• Post-Processing: Store response + update chat memory</a:t>
             </a:r>
-            <a:endParaRPr b="0" lang="en-US" sz="2000" strike="noStrike" u="none">
-              <a:solidFill>
-                <a:schemeClr val="dk1"/>
-              </a:solidFill>
-              <a:effectLst/>
-              <a:uFillTx/>
-              <a:latin typeface="Calibri"/>
+            <a:endParaRPr b="0" lang="en-GB" sz="2000" strike="noStrike" u="none">
+              <a:solidFill>
+                <a:srgbClr val="000000"/>
+              </a:solidFill>
+              <a:effectLst/>
+              <a:uFillTx/>
+              <a:latin typeface="Arial"/>
             </a:endParaRPr>
           </a:p>
         </p:txBody>
@@ -7657,7 +7920,7 @@
         <p:spPr>
           <a:xfrm>
             <a:off x="457200" y="274680"/>
-            <a:ext cx="8229240" cy="1142640"/>
+            <a:ext cx="8228880" cy="1142280"/>
           </a:xfrm>
           <a:prstGeom prst="rect">
             <a:avLst/>
@@ -7677,6 +7940,9 @@
                 <a:spcPct val="100000"/>
               </a:lnSpc>
               <a:buNone/>
+              <a:tabLst>
+                <a:tab algn="l" pos="0"/>
+              </a:tabLst>
             </a:pPr>
             <a:r>
               <a:rPr b="1" lang="en-US" sz="3600" strike="noStrike" u="none">
@@ -7689,13 +7955,13 @@
               </a:rPr>
               <a:t>Performance &amp; Features</a:t>
             </a:r>
-            <a:endParaRPr b="0" lang="en-US" sz="3600" strike="noStrike" u="none">
-              <a:solidFill>
-                <a:schemeClr val="dk1"/>
-              </a:solidFill>
-              <a:effectLst/>
-              <a:uFillTx/>
-              <a:latin typeface="Calibri"/>
+            <a:endParaRPr b="0" lang="en-GB" sz="3600" strike="noStrike" u="none">
+              <a:solidFill>
+                <a:srgbClr val="000000"/>
+              </a:solidFill>
+              <a:effectLst/>
+              <a:uFillTx/>
+              <a:latin typeface="Arial"/>
             </a:endParaRPr>
           </a:p>
         </p:txBody>
@@ -7713,7 +7979,7 @@
         <p:spPr>
           <a:xfrm>
             <a:off x="457200" y="1600200"/>
-            <a:ext cx="8229240" cy="4525560"/>
+            <a:ext cx="8228880" cy="4525200"/>
           </a:xfrm>
           <a:prstGeom prst="rect">
             <a:avLst/>
@@ -7736,14 +8002,17 @@
                 <a:spcPts val="641"/>
               </a:spcBef>
               <a:buNone/>
-            </a:pPr>
-            <a:endParaRPr b="0" lang="en-US" sz="3200" strike="noStrike" u="none">
-              <a:solidFill>
-                <a:schemeClr val="dk1"/>
-              </a:solidFill>
-              <a:effectLst/>
-              <a:uFillTx/>
-              <a:latin typeface="Calibri"/>
+              <a:tabLst>
+                <a:tab algn="l" pos="0"/>
+              </a:tabLst>
+            </a:pPr>
+            <a:endParaRPr b="0" lang="en-GB" sz="3200" strike="noStrike" u="none">
+              <a:solidFill>
+                <a:srgbClr val="000000"/>
+              </a:solidFill>
+              <a:effectLst/>
+              <a:uFillTx/>
+              <a:latin typeface="Arial"/>
             </a:endParaRPr>
           </a:p>
           <a:p>
@@ -7762,6 +8031,9 @@
               </a:buClr>
               <a:buFont typeface="Arial"/>
               <a:buChar char="•"/>
+              <a:tabLst>
+                <a:tab algn="l" pos="0"/>
+              </a:tabLst>
             </a:pPr>
             <a:r>
               <a:rPr b="0" lang="en-US" sz="2000" strike="noStrike" u="none">
@@ -7774,13 +8046,13 @@
               </a:rPr>
               <a:t>• Conversational memory with entity tracking</a:t>
             </a:r>
-            <a:endParaRPr b="0" lang="en-US" sz="2000" strike="noStrike" u="none">
-              <a:solidFill>
-                <a:schemeClr val="dk1"/>
-              </a:solidFill>
-              <a:effectLst/>
-              <a:uFillTx/>
-              <a:latin typeface="Calibri"/>
+            <a:endParaRPr b="0" lang="en-GB" sz="2000" strike="noStrike" u="none">
+              <a:solidFill>
+                <a:srgbClr val="000000"/>
+              </a:solidFill>
+              <a:effectLst/>
+              <a:uFillTx/>
+              <a:latin typeface="Arial"/>
             </a:endParaRPr>
           </a:p>
           <a:p>
@@ -7799,6 +8071,9 @@
               </a:buClr>
               <a:buFont typeface="Arial"/>
               <a:buChar char="•"/>
+              <a:tabLst>
+                <a:tab algn="l" pos="0"/>
+              </a:tabLst>
             </a:pPr>
             <a:r>
               <a:rPr b="0" lang="en-US" sz="2000" strike="noStrike" u="none">
@@ -7811,13 +8086,13 @@
               </a:rPr>
               <a:t>• Document chunking: 1000 tokens / 200 overlap</a:t>
             </a:r>
-            <a:endParaRPr b="0" lang="en-US" sz="2000" strike="noStrike" u="none">
-              <a:solidFill>
-                <a:schemeClr val="dk1"/>
-              </a:solidFill>
-              <a:effectLst/>
-              <a:uFillTx/>
-              <a:latin typeface="Calibri"/>
+            <a:endParaRPr b="0" lang="en-GB" sz="2000" strike="noStrike" u="none">
+              <a:solidFill>
+                <a:srgbClr val="000000"/>
+              </a:solidFill>
+              <a:effectLst/>
+              <a:uFillTx/>
+              <a:latin typeface="Arial"/>
             </a:endParaRPr>
           </a:p>
           <a:p>
@@ -7836,6 +8111,9 @@
               </a:buClr>
               <a:buFont typeface="Arial"/>
               <a:buChar char="•"/>
+              <a:tabLst>
+                <a:tab algn="l" pos="0"/>
+              </a:tabLst>
             </a:pPr>
             <a:r>
               <a:rPr b="0" lang="en-US" sz="2000" strike="noStrike" u="none">
@@ -7848,13 +8126,13 @@
               </a:rPr>
               <a:t>• Reranking for precision optimization</a:t>
             </a:r>
-            <a:endParaRPr b="0" lang="en-US" sz="2000" strike="noStrike" u="none">
-              <a:solidFill>
-                <a:schemeClr val="dk1"/>
-              </a:solidFill>
-              <a:effectLst/>
-              <a:uFillTx/>
-              <a:latin typeface="Calibri"/>
+            <a:endParaRPr b="0" lang="en-GB" sz="2000" strike="noStrike" u="none">
+              <a:solidFill>
+                <a:srgbClr val="000000"/>
+              </a:solidFill>
+              <a:effectLst/>
+              <a:uFillTx/>
+              <a:latin typeface="Arial"/>
             </a:endParaRPr>
           </a:p>
           <a:p>
@@ -7873,6 +8151,9 @@
               </a:buClr>
               <a:buFont typeface="Arial"/>
               <a:buChar char="•"/>
+              <a:tabLst>
+                <a:tab algn="l" pos="0"/>
+              </a:tabLst>
             </a:pPr>
             <a:r>
               <a:rPr b="0" lang="en-US" sz="2000" strike="noStrike" u="none">
@@ -7885,13 +8166,13 @@
               </a:rPr>
               <a:t>• Processing time ≈ 1.68 seconds per query</a:t>
             </a:r>
-            <a:endParaRPr b="0" lang="en-US" sz="2000" strike="noStrike" u="none">
-              <a:solidFill>
-                <a:schemeClr val="dk1"/>
-              </a:solidFill>
-              <a:effectLst/>
-              <a:uFillTx/>
-              <a:latin typeface="Calibri"/>
+            <a:endParaRPr b="0" lang="en-GB" sz="2000" strike="noStrike" u="none">
+              <a:solidFill>
+                <a:srgbClr val="000000"/>
+              </a:solidFill>
+              <a:effectLst/>
+              <a:uFillTx/>
+              <a:latin typeface="Arial"/>
             </a:endParaRPr>
           </a:p>
           <a:p>
@@ -7910,6 +8191,9 @@
               </a:buClr>
               <a:buFont typeface="Arial"/>
               <a:buChar char="•"/>
+              <a:tabLst>
+                <a:tab algn="l" pos="0"/>
+              </a:tabLst>
             </a:pPr>
             <a:r>
               <a:rPr b="0" lang="en-US" sz="2000" strike="noStrike" u="none">
@@ -7922,13 +8206,13 @@
               </a:rPr>
               <a:t>• Hybrid search accuracy: 83% semantic similarity</a:t>
             </a:r>
-            <a:endParaRPr b="0" lang="en-US" sz="2000" strike="noStrike" u="none">
-              <a:solidFill>
-                <a:schemeClr val="dk1"/>
-              </a:solidFill>
-              <a:effectLst/>
-              <a:uFillTx/>
-              <a:latin typeface="Calibri"/>
+            <a:endParaRPr b="0" lang="en-GB" sz="2000" strike="noStrike" u="none">
+              <a:solidFill>
+                <a:srgbClr val="000000"/>
+              </a:solidFill>
+              <a:effectLst/>
+              <a:uFillTx/>
+              <a:latin typeface="Arial"/>
             </a:endParaRPr>
           </a:p>
           <a:p>
@@ -7947,6 +8231,9 @@
               </a:buClr>
               <a:buFont typeface="Arial"/>
               <a:buChar char="•"/>
+              <a:tabLst>
+                <a:tab algn="l" pos="0"/>
+              </a:tabLst>
             </a:pPr>
             <a:r>
               <a:rPr b="0" lang="en-US" sz="2000" strike="noStrike" u="none">
@@ -7959,13 +8246,13 @@
               </a:rPr>
               <a:t>• 68.4% of responses ≥0.8 quality score</a:t>
             </a:r>
-            <a:endParaRPr b="0" lang="en-US" sz="2000" strike="noStrike" u="none">
-              <a:solidFill>
-                <a:schemeClr val="dk1"/>
-              </a:solidFill>
-              <a:effectLst/>
-              <a:uFillTx/>
-              <a:latin typeface="Calibri"/>
+            <a:endParaRPr b="0" lang="en-GB" sz="2000" strike="noStrike" u="none">
+              <a:solidFill>
+                <a:srgbClr val="000000"/>
+              </a:solidFill>
+              <a:effectLst/>
+              <a:uFillTx/>
+              <a:latin typeface="Arial"/>
             </a:endParaRPr>
           </a:p>
         </p:txBody>
@@ -8009,7 +8296,7 @@
         <p:spPr>
           <a:xfrm>
             <a:off x="457200" y="274320"/>
-            <a:ext cx="7158960" cy="547560"/>
+            <a:ext cx="7158600" cy="546840"/>
           </a:xfrm>
           <a:prstGeom prst="rect">
             <a:avLst/>
@@ -8070,7 +8357,7 @@
         <p:spPr>
           <a:xfrm>
             <a:off x="457200" y="1097280"/>
-            <a:ext cx="8229240" cy="4825800"/>
+            <a:ext cx="8228880" cy="4825440"/>
           </a:xfrm>
           <a:prstGeom prst="rect">
             <a:avLst/>
@@ -8120,7 +8407,7 @@
         <p:spPr>
           <a:xfrm>
             <a:off x="457200" y="274320"/>
-            <a:ext cx="6190200" cy="547560"/>
+            <a:ext cx="6189840" cy="546840"/>
           </a:xfrm>
           <a:prstGeom prst="rect">
             <a:avLst/>
@@ -8181,7 +8468,7 @@
         <p:spPr>
           <a:xfrm>
             <a:off x="457200" y="1097280"/>
-            <a:ext cx="8229240" cy="3282480"/>
+            <a:ext cx="8228880" cy="3282120"/>
           </a:xfrm>
           <a:prstGeom prst="rect">
             <a:avLst/>
